--- a/publications/presentation-2019-06-idea/ispctn-regional-conference-2019-06.pptx
+++ b/publications/presentation-2019-06-idea/ispctn-regional-conference-2019-06.pptx
@@ -30,9 +30,9 @@
     <p:sldId id="269" r:id="rId21"/>
     <p:sldId id="270" r:id="rId22"/>
     <p:sldId id="275" r:id="rId23"/>
-    <p:sldId id="274" r:id="rId24"/>
-    <p:sldId id="280" r:id="rId25"/>
-    <p:sldId id="276" r:id="rId26"/>
+    <p:sldId id="280" r:id="rId24"/>
+    <p:sldId id="276" r:id="rId25"/>
+    <p:sldId id="281" r:id="rId26"/>
   </p:sldIdLst>
   <p:sldSz cx="12192000" cy="6858000"/>
   <p:notesSz cx="6858000" cy="9144000"/>
@@ -3967,7 +3967,7 @@
                   <a:srgbClr val="0070C0"/>
                 </a:solidFill>
               </a:rPr>
-              <a:t>Eligibility Report</a:t>
+              <a:t>Screening Report (for inpatients)</a:t>
             </a:r>
             <a:endParaRPr lang="en-US" sz="3600" dirty="0">
               <a:solidFill>
@@ -4207,8 +4207,91 @@
             </a:r>
             <a:r>
               <a:rPr lang="en-US" dirty="0" smtClean="0"/>
-              <a:t>earch, &amp; sort</a:t>
-            </a:r>
+              <a:t>earch, &amp; </a:t>
+            </a:r>
+            <a:r>
+              <a:rPr lang="en-US" dirty="0" smtClean="0"/>
+              <a:t>sort</a:t>
+            </a:r>
+          </a:p>
+          <a:p>
+            <a:pPr marL="0" indent="0">
+              <a:buNone/>
+            </a:pPr>
+            <a:endParaRPr lang="en-US" dirty="0"/>
+          </a:p>
+          <a:p>
+            <a:pPr marL="0" indent="0">
+              <a:buNone/>
+            </a:pPr>
+            <a:endParaRPr lang="en-US" dirty="0" smtClean="0"/>
+          </a:p>
+          <a:p>
+            <a:pPr marL="0" indent="0">
+              <a:buNone/>
+            </a:pPr>
+            <a:endParaRPr lang="en-US" dirty="0"/>
+          </a:p>
+          <a:p>
+            <a:pPr marL="0" indent="0">
+              <a:buNone/>
+            </a:pPr>
+            <a:endParaRPr lang="en-US" dirty="0" smtClean="0"/>
+          </a:p>
+          <a:p>
+            <a:pPr marL="0" indent="0">
+              <a:buNone/>
+            </a:pPr>
+            <a:endParaRPr lang="en-US" dirty="0"/>
+          </a:p>
+          <a:p>
+            <a:pPr marL="0" indent="0">
+              <a:buNone/>
+            </a:pPr>
+            <a:endParaRPr lang="en-US" dirty="0" smtClean="0"/>
+          </a:p>
+          <a:p>
+            <a:pPr marL="0" indent="0">
+              <a:buNone/>
+            </a:pPr>
+            <a:r>
+              <a:rPr lang="en-US" sz="1600" dirty="0" smtClean="0">
+                <a:solidFill>
+                  <a:schemeClr val="bg1">
+                    <a:lumMod val="50000"/>
+                  </a:schemeClr>
+                </a:solidFill>
+              </a:rPr>
+              <a:t>(</a:t>
+            </a:r>
+            <a:r>
+              <a:rPr lang="en-US" sz="1600" dirty="0" smtClean="0">
+                <a:solidFill>
+                  <a:schemeClr val="bg1">
+                    <a:lumMod val="50000"/>
+                  </a:schemeClr>
+                </a:solidFill>
+                <a:sym typeface="Wingdings" panose="05000000000000000000" pitchFamily="2" charset="2"/>
+              </a:rPr>
+              <a:t> </a:t>
+            </a:r>
+            <a:r>
+              <a:rPr lang="en-US" sz="1600" dirty="0" smtClean="0">
+                <a:solidFill>
+                  <a:schemeClr val="bg1">
+                    <a:lumMod val="50000"/>
+                  </a:schemeClr>
+                </a:solidFill>
+              </a:rPr>
+              <a:t>Fake patients)</a:t>
+            </a:r>
+            <a:endParaRPr lang="en-US" sz="1600" dirty="0" smtClean="0">
+              <a:solidFill>
+                <a:schemeClr val="bg1">
+                  <a:lumMod val="50000"/>
+                </a:schemeClr>
+              </a:solidFill>
+            </a:endParaRPr>
           </a:p>
         </p:txBody>
       </p:sp>
@@ -4228,7 +4311,7 @@
         </p:blipFill>
         <p:spPr>
           <a:xfrm>
-            <a:off x="309033" y="1080568"/>
+            <a:off x="309033" y="1097502"/>
             <a:ext cx="8305800" cy="5391150"/>
           </a:xfrm>
           <a:prstGeom prst="rect">
@@ -4300,7 +4383,9 @@
           </a:xfrm>
         </p:spPr>
         <p:txBody>
-          <a:bodyPr/>
+          <a:bodyPr>
+            <a:normAutofit/>
+          </a:bodyPr>
           <a:lstStyle/>
           <a:p>
             <a:r>
@@ -4309,7 +4394,15 @@
                   <a:srgbClr val="0070C0"/>
                 </a:solidFill>
               </a:rPr>
-              <a:t>Outpatient Eligibility Reports</a:t>
+              <a:t>Screening Reports</a:t>
+            </a:r>
+            <a:r>
+              <a:rPr lang="en-US" sz="3200" dirty="0" smtClean="0">
+                <a:solidFill>
+                  <a:srgbClr val="0070C0"/>
+                </a:solidFill>
+              </a:rPr>
+              <a:t> (for outpatients)</a:t>
             </a:r>
             <a:endParaRPr lang="en-US" dirty="0">
               <a:solidFill>
@@ -4357,26 +4450,68 @@
             <a:pPr lvl="1"/>
             <a:r>
               <a:rPr lang="en-US" sz="2400" dirty="0" smtClean="0"/>
-              <a:t>Location of care</a:t>
-            </a:r>
-            <a:r>
-              <a:rPr lang="en-US" sz="2400" dirty="0"/>
-              <a:t> (from IDX)</a:t>
-            </a:r>
-            <a:endParaRPr lang="en-US" sz="2400" dirty="0" smtClean="0"/>
+              <a:t>Location of </a:t>
+            </a:r>
+            <a:r>
+              <a:rPr lang="en-US" sz="2400" dirty="0" smtClean="0"/>
+              <a:t>care</a:t>
+            </a:r>
           </a:p>
           <a:p>
             <a:pPr lvl="1"/>
             <a:r>
+              <a:rPr lang="en-US" sz="2400" dirty="0" err="1" smtClean="0"/>
+              <a:t>Appt</a:t>
+            </a:r>
+            <a:r>
               <a:rPr lang="en-US" sz="2400" dirty="0" smtClean="0"/>
-              <a:t>Date &amp; time (from IDX)</a:t>
+              <a:t> Date </a:t>
+            </a:r>
+            <a:r>
+              <a:rPr lang="en-US" sz="2400" dirty="0" smtClean="0"/>
+              <a:t>&amp; </a:t>
+            </a:r>
+            <a:r>
+              <a:rPr lang="en-US" sz="2400" dirty="0" smtClean="0"/>
+              <a:t>time</a:t>
             </a:r>
           </a:p>
           <a:p>
             <a:pPr lvl="1"/>
             <a:r>
               <a:rPr lang="en-US" sz="2400" dirty="0" smtClean="0"/>
-              <a:t>Qualifying medication (from Centricity; </a:t>
+              <a:t>Qualifying </a:t>
+            </a:r>
+            <a:r>
+              <a:rPr lang="en-US" sz="2400" dirty="0" smtClean="0"/>
+              <a:t>medication </a:t>
+            </a:r>
+            <a:r>
+              <a:rPr lang="en-US" sz="2400" dirty="0" smtClean="0"/>
+              <a:t>(</a:t>
+            </a:r>
+            <a:r>
+              <a:rPr lang="en-US" sz="2400" i="1" dirty="0" smtClean="0"/>
+              <a:t>e.g</a:t>
+            </a:r>
+            <a:r>
+              <a:rPr lang="en-US" sz="2400" i="1" dirty="0" smtClean="0"/>
+              <a:t>.</a:t>
+            </a:r>
+            <a:r>
+              <a:rPr lang="en-US" sz="2400" dirty="0" smtClean="0"/>
+              <a:t>, Diazepam)</a:t>
+            </a:r>
+          </a:p>
+          <a:p>
+            <a:pPr lvl="1"/>
+            <a:r>
+              <a:rPr lang="en-US" sz="2400" dirty="0" smtClean="0"/>
+              <a:t>Qualifying condition </a:t>
+            </a:r>
+            <a:r>
+              <a:rPr lang="en-US" sz="2400" dirty="0" smtClean="0"/>
+              <a:t>(</a:t>
             </a:r>
             <a:r>
               <a:rPr lang="en-US" sz="2400" i="1" dirty="0" smtClean="0"/>
@@ -4384,26 +4519,11 @@
             </a:r>
             <a:r>
               <a:rPr lang="en-US" sz="2400" dirty="0" smtClean="0"/>
-              <a:t>, Diazepam)</a:t>
-            </a:r>
-          </a:p>
-          <a:p>
-            <a:pPr lvl="1"/>
+              <a:t>, obese, 24 </a:t>
+            </a:r>
             <a:r>
               <a:rPr lang="en-US" sz="2400" dirty="0" smtClean="0"/>
-              <a:t>Qualifying condition (</a:t>
-            </a:r>
-            <a:r>
-              <a:rPr lang="en-US" sz="2400" dirty="0"/>
-              <a:t>from Centricity; </a:t>
-            </a:r>
-            <a:r>
-              <a:rPr lang="en-US" sz="2400" i="1" dirty="0" smtClean="0"/>
-              <a:t>e.g.</a:t>
-            </a:r>
-            <a:r>
-              <a:rPr lang="en-US" sz="2400" dirty="0" smtClean="0"/>
-              <a:t>, ECMO, 24 months old)</a:t>
+              <a:t>months old)</a:t>
             </a:r>
           </a:p>
           <a:p>
@@ -5206,7 +5326,31 @@
             </a:r>
             <a:r>
               <a:rPr lang="en-US" sz="2800" dirty="0" smtClean="0"/>
-              <a:t>be between the ages of -- and --, have a diagnosis of asthma, documentation of obesity, and meet additional inclusion criteria such as . </a:t>
+              <a:t>be between the ages of </a:t>
+            </a:r>
+            <a:r>
+              <a:rPr lang="en-US" dirty="0"/>
+              <a:t>6</a:t>
+            </a:r>
+            <a:r>
+              <a:rPr lang="en-US" sz="2800" dirty="0" smtClean="0"/>
+              <a:t> </a:t>
+            </a:r>
+            <a:r>
+              <a:rPr lang="en-US" sz="2800" dirty="0" smtClean="0"/>
+              <a:t>and </a:t>
+            </a:r>
+            <a:r>
+              <a:rPr lang="en-US" sz="2800" dirty="0" smtClean="0"/>
+              <a:t>17, </a:t>
+            </a:r>
+            <a:r>
+              <a:rPr lang="en-US" sz="2800" dirty="0" smtClean="0"/>
+              <a:t>have a diagnosis of asthma, documentation of obesity, and meet additional inclusion criteria such as </a:t>
+            </a:r>
+            <a:r>
+              <a:rPr lang="en-US" sz="2800" dirty="0" smtClean="0"/>
+              <a:t>‘an ability to swallow pills’. </a:t>
             </a:r>
             <a:endParaRPr lang="en-US" sz="2800" dirty="0"/>
           </a:p>
@@ -5330,6 +5474,50 @@
           </a:p>
         </p:txBody>
       </p:sp>
+      <p:sp>
+        <p:nvSpPr>
+          <p:cNvPr id="2" name="Rectangle 1"/>
+          <p:cNvSpPr/>
+          <p:nvPr/>
+        </p:nvSpPr>
+        <p:spPr>
+          <a:xfrm>
+            <a:off x="10119577" y="6055267"/>
+            <a:ext cx="1562992" cy="369332"/>
+          </a:xfrm>
+          <a:prstGeom prst="rect">
+            <a:avLst/>
+          </a:prstGeom>
+        </p:spPr>
+        <p:txBody>
+          <a:bodyPr wrap="none">
+            <a:spAutoFit/>
+          </a:bodyPr>
+          <a:lstStyle/>
+          <a:p>
+            <a:r>
+              <a:rPr lang="en-US" dirty="0" smtClean="0">
+                <a:solidFill>
+                  <a:schemeClr val="bg1">
+                    <a:lumMod val="50000"/>
+                  </a:schemeClr>
+                </a:solidFill>
+              </a:rPr>
+              <a:t>(Fake </a:t>
+            </a:r>
+            <a:r>
+              <a:rPr lang="en-US" dirty="0">
+                <a:solidFill>
+                  <a:schemeClr val="bg1">
+                    <a:lumMod val="50000"/>
+                  </a:schemeClr>
+                </a:solidFill>
+              </a:rPr>
+              <a:t>patients)</a:t>
+            </a:r>
+          </a:p>
+        </p:txBody>
+      </p:sp>
     </p:spTree>
     <p:extLst>
       <p:ext uri="{BB962C8B-B14F-4D97-AF65-F5344CB8AC3E}">
@@ -5439,10 +5627,10 @@
               <a:buNone/>
             </a:pPr>
             <a:r>
-              <a:rPr lang="en-US" sz="2800" b="1" dirty="0" smtClean="0"/>
+              <a:rPr lang="en-US" sz="2800" b="1" u="sng" dirty="0" smtClean="0"/>
               <a:t>Manual Screening Process</a:t>
             </a:r>
-            <a:endParaRPr lang="en-US" sz="2800" b="1" dirty="0"/>
+            <a:endParaRPr lang="en-US" sz="2800" b="1" u="sng" dirty="0"/>
           </a:p>
           <a:p>
             <a:r>
@@ -5571,10 +5759,10 @@
               <a:buNone/>
             </a:pPr>
             <a:r>
-              <a:rPr lang="en-US" b="1" dirty="0" smtClean="0"/>
+              <a:rPr lang="en-US" b="1" u="sng" dirty="0" smtClean="0"/>
               <a:t>Automated Screening Process</a:t>
             </a:r>
-            <a:endParaRPr lang="en-US" b="1" dirty="0"/>
+            <a:endParaRPr lang="en-US" b="1" u="sng" dirty="0"/>
           </a:p>
           <a:p>
             <a:endParaRPr lang="en-US" dirty="0" smtClean="0"/>
@@ -5845,8 +6033,8 @@
         </p:nvSpPr>
         <p:spPr>
           <a:xfrm>
-            <a:off x="380999" y="1490353"/>
-            <a:ext cx="11413067" cy="4961246"/>
+            <a:off x="211667" y="1490353"/>
+            <a:ext cx="11785600" cy="4961246"/>
           </a:xfrm>
         </p:spPr>
         <p:txBody>
@@ -5857,7 +6045,11 @@
           <a:p>
             <a:r>
               <a:rPr lang="en-US" sz="2800" dirty="0" smtClean="0"/>
-              <a:t>This is a two-by-two factorial, response-adaptive multi-center randomized clinical trial.</a:t>
+              <a:t>Two-by-two </a:t>
+            </a:r>
+            <a:r>
+              <a:rPr lang="en-US" sz="2800" dirty="0" smtClean="0"/>
+              <a:t>factorial, response-adaptive multi-center randomized clinical trial.</a:t>
             </a:r>
           </a:p>
           <a:p>
@@ -7448,7 +7640,23 @@
                   <a:srgbClr val="0070C0"/>
                 </a:solidFill>
               </a:rPr>
-              <a:t>Clinical Trails &amp; Other Research Studies Supported by the CDW</a:t>
+              <a:t>Clinical </a:t>
+            </a:r>
+            <a:r>
+              <a:rPr lang="en-US" sz="3200" dirty="0" smtClean="0">
+                <a:solidFill>
+                  <a:srgbClr val="0070C0"/>
+                </a:solidFill>
+              </a:rPr>
+              <a:t>Trials </a:t>
+            </a:r>
+            <a:r>
+              <a:rPr lang="en-US" sz="3200" dirty="0">
+                <a:solidFill>
+                  <a:srgbClr val="0070C0"/>
+                </a:solidFill>
+              </a:rPr>
+              <a:t>&amp; Other Research Studies Supported by the CDW</a:t>
             </a:r>
           </a:p>
         </p:txBody>
@@ -7470,7 +7678,15 @@
           <a:p>
             <a:r>
               <a:rPr lang="en-US" dirty="0" smtClean="0"/>
-              <a:t>CDW Project Title, PI Name, Department</a:t>
+              <a:t>CDW Project </a:t>
+            </a:r>
+            <a:r>
+              <a:rPr lang="en-US" dirty="0" smtClean="0"/>
+              <a:t>Short Title</a:t>
+            </a:r>
+            <a:r>
+              <a:rPr lang="en-US" dirty="0" smtClean="0"/>
+              <a:t>, PI Name, Department</a:t>
             </a:r>
             <a:endParaRPr lang="en-US" dirty="0"/>
           </a:p>
@@ -7479,7 +7695,7 @@
     </p:spTree>
     <p:extLst>
       <p:ext uri="{BB962C8B-B14F-4D97-AF65-F5344CB8AC3E}">
-        <p14:creationId xmlns:p14="http://schemas.microsoft.com/office/powerpoint/2010/main" val="3920027524"/>
+        <p14:creationId xmlns:p14="http://schemas.microsoft.com/office/powerpoint/2010/main" val="1434608898"/>
       </p:ext>
     </p:extLst>
   </p:cSld>
@@ -7508,64 +7724,124 @@
       </p:grpSpPr>
       <p:sp>
         <p:nvSpPr>
-          <p:cNvPr id="2" name="Title 1"/>
-          <p:cNvSpPr>
-            <a:spLocks noGrp="1"/>
-          </p:cNvSpPr>
-          <p:nvPr>
-            <p:ph type="title"/>
-          </p:nvPr>
+          <p:cNvPr id="3" name="Content Placeholder 2"/>
+          <p:cNvSpPr>
+            <a:spLocks noGrp="1"/>
+          </p:cNvSpPr>
+          <p:nvPr>
+            <p:ph idx="1"/>
+          </p:nvPr>
+        </p:nvSpPr>
+        <p:spPr>
+          <a:xfrm>
+            <a:off x="838200" y="1285298"/>
+            <a:ext cx="10515600" cy="4351338"/>
+          </a:xfrm>
+        </p:spPr>
+        <p:txBody>
+          <a:bodyPr/>
+          <a:lstStyle/>
+          <a:p>
+            <a:r>
+              <a:rPr lang="en-US" dirty="0" smtClean="0"/>
+              <a:t>Daily reports for rolling eligibility</a:t>
+            </a:r>
+          </a:p>
+          <a:p>
+            <a:pPr lvl="1"/>
+            <a:r>
+              <a:rPr lang="en-US" dirty="0" smtClean="0"/>
+              <a:t>Generating a list of candidates</a:t>
+            </a:r>
+          </a:p>
+          <a:p>
+            <a:pPr lvl="1"/>
+            <a:r>
+              <a:rPr lang="en-US" dirty="0" smtClean="0"/>
+              <a:t>Remembering study team’s assessment of eligibility as well as the participant’s response</a:t>
+            </a:r>
+          </a:p>
+          <a:p>
+            <a:r>
+              <a:rPr lang="en-US" dirty="0" smtClean="0"/>
+              <a:t>Clinical outcomes for retrospective investigations</a:t>
+            </a:r>
+          </a:p>
+          <a:p>
+            <a:r>
+              <a:rPr lang="en-US" dirty="0" smtClean="0"/>
+              <a:t>Administrative outcomes for CQI</a:t>
+            </a:r>
+          </a:p>
+          <a:p>
+            <a:endParaRPr lang="en-US" dirty="0" smtClean="0"/>
+          </a:p>
+          <a:p>
+            <a:endParaRPr lang="en-US" dirty="0"/>
+          </a:p>
+        </p:txBody>
+      </p:sp>
+      <p:sp>
+        <p:nvSpPr>
+          <p:cNvPr id="4" name="Title 1"/>
+          <p:cNvSpPr txBox="1">
+            <a:spLocks/>
+          </p:cNvSpPr>
+          <p:nvPr/>
         </p:nvSpPr>
         <p:spPr>
           <a:xfrm>
             <a:off x="838200" y="365126"/>
             <a:ext cx="10515600" cy="804594"/>
           </a:xfrm>
+          <a:prstGeom prst="rect">
+            <a:avLst/>
+          </a:prstGeom>
         </p:spPr>
         <p:txBody>
-          <a:bodyPr>
+          <a:bodyPr vert="horz" lIns="91440" tIns="45720" rIns="91440" bIns="45720" rtlCol="0" anchor="ctr">
             <a:normAutofit/>
           </a:bodyPr>
-          <a:lstStyle/>
-          <a:p>
-            <a:r>
-              <a:rPr lang="en-US" sz="3200" dirty="0">
+          <a:lstStyle>
+            <a:lvl1pPr algn="l" defTabSz="914400" rtl="0" eaLnBrk="1" latinLnBrk="0" hangingPunct="1">
+              <a:lnSpc>
+                <a:spcPct val="90000"/>
+              </a:lnSpc>
+              <a:spcBef>
+                <a:spcPct val="0"/>
+              </a:spcBef>
+              <a:buNone/>
+              <a:defRPr sz="4400" kern="1200">
+                <a:solidFill>
+                  <a:schemeClr val="tx1"/>
+                </a:solidFill>
+                <a:latin typeface="+mj-lt"/>
+                <a:ea typeface="+mj-ea"/>
+                <a:cs typeface="+mj-cs"/>
+              </a:defRPr>
+            </a:lvl1pPr>
+          </a:lstStyle>
+          <a:p>
+            <a:r>
+              <a:rPr lang="en-US" sz="3200" dirty="0" smtClean="0">
                 <a:solidFill>
                   <a:srgbClr val="0070C0"/>
                 </a:solidFill>
               </a:rPr>
-              <a:t>Clinical Trails &amp; Other Research Studies Supported by the CDW</a:t>
-            </a:r>
-          </a:p>
-        </p:txBody>
-      </p:sp>
-      <p:sp>
-        <p:nvSpPr>
-          <p:cNvPr id="7" name="Content Placeholder 6"/>
-          <p:cNvSpPr>
-            <a:spLocks noGrp="1"/>
-          </p:cNvSpPr>
-          <p:nvPr>
-            <p:ph idx="1"/>
-          </p:nvPr>
-        </p:nvSpPr>
-        <p:spPr/>
-        <p:txBody>
-          <a:bodyPr/>
-          <a:lstStyle/>
-          <a:p>
-            <a:r>
-              <a:rPr lang="en-US" dirty="0" smtClean="0"/>
-              <a:t>CDW Project Title, PI Name, Department</a:t>
-            </a:r>
-            <a:endParaRPr lang="en-US" dirty="0"/>
+              <a:t>Commonly Requested CDW Support Services</a:t>
+            </a:r>
+            <a:endParaRPr lang="en-US" sz="3200" dirty="0">
+              <a:solidFill>
+                <a:srgbClr val="0070C0"/>
+              </a:solidFill>
+            </a:endParaRPr>
           </a:p>
         </p:txBody>
       </p:sp>
     </p:spTree>
     <p:extLst>
       <p:ext uri="{BB962C8B-B14F-4D97-AF65-F5344CB8AC3E}">
-        <p14:creationId xmlns:p14="http://schemas.microsoft.com/office/powerpoint/2010/main" val="1434608898"/>
+        <p14:creationId xmlns:p14="http://schemas.microsoft.com/office/powerpoint/2010/main" val="1988775386"/>
       </p:ext>
     </p:extLst>
   </p:cSld>
@@ -7594,124 +7870,64 @@
       </p:grpSpPr>
       <p:sp>
         <p:nvSpPr>
-          <p:cNvPr id="3" name="Content Placeholder 2"/>
-          <p:cNvSpPr>
-            <a:spLocks noGrp="1"/>
-          </p:cNvSpPr>
-          <p:nvPr>
-            <p:ph idx="1"/>
-          </p:nvPr>
-        </p:nvSpPr>
-        <p:spPr>
-          <a:xfrm>
-            <a:off x="838200" y="1285298"/>
-            <a:ext cx="10515600" cy="4351338"/>
-          </a:xfrm>
-        </p:spPr>
+          <p:cNvPr id="2" name="Title 1"/>
+          <p:cNvSpPr>
+            <a:spLocks noGrp="1"/>
+          </p:cNvSpPr>
+          <p:nvPr>
+            <p:ph type="title"/>
+          </p:nvPr>
+        </p:nvSpPr>
+        <p:spPr/>
         <p:txBody>
           <a:bodyPr/>
           <a:lstStyle/>
           <a:p>
             <a:r>
               <a:rPr lang="en-US" dirty="0" smtClean="0"/>
-              <a:t>Daily reports for rolling eligibility</a:t>
-            </a:r>
-          </a:p>
-          <a:p>
-            <a:pPr lvl="1"/>
+              <a:t>Advantages of using CDW instead of manual chart review</a:t>
+            </a:r>
+            <a:endParaRPr lang="en-US" dirty="0"/>
+          </a:p>
+        </p:txBody>
+      </p:sp>
+      <p:sp>
+        <p:nvSpPr>
+          <p:cNvPr id="3" name="Content Placeholder 2"/>
+          <p:cNvSpPr>
+            <a:spLocks noGrp="1"/>
+          </p:cNvSpPr>
+          <p:nvPr>
+            <p:ph idx="1"/>
+          </p:nvPr>
+        </p:nvSpPr>
+        <p:spPr/>
+        <p:txBody>
+          <a:bodyPr/>
+          <a:lstStyle/>
+          <a:p>
             <a:r>
               <a:rPr lang="en-US" dirty="0" smtClean="0"/>
-              <a:t>Generating a list of candidates</a:t>
-            </a:r>
-          </a:p>
-          <a:p>
-            <a:pPr lvl="1"/>
+              <a:t>Time efficiency in the long-run</a:t>
+            </a:r>
+          </a:p>
+          <a:p>
             <a:r>
               <a:rPr lang="en-US" dirty="0" smtClean="0"/>
-              <a:t>Remembering study team’s assessment of eligibility as well as the participant’s response</a:t>
-            </a:r>
-          </a:p>
-          <a:p>
-            <a:r>
-              <a:rPr lang="en-US" dirty="0" smtClean="0"/>
-              <a:t>Clinical outcomes for retrospective investigations</a:t>
-            </a:r>
-          </a:p>
-          <a:p>
-            <a:r>
-              <a:rPr lang="en-US" dirty="0" smtClean="0"/>
-              <a:t>Administrative outcomes for CQI</a:t>
-            </a:r>
-          </a:p>
-          <a:p>
-            <a:endParaRPr lang="en-US" dirty="0" smtClean="0"/>
-          </a:p>
-          <a:p>
-            <a:endParaRPr lang="en-US" dirty="0"/>
-          </a:p>
-        </p:txBody>
-      </p:sp>
-      <p:sp>
-        <p:nvSpPr>
-          <p:cNvPr id="4" name="Title 1"/>
-          <p:cNvSpPr txBox="1">
-            <a:spLocks/>
-          </p:cNvSpPr>
-          <p:nvPr/>
-        </p:nvSpPr>
-        <p:spPr>
-          <a:xfrm>
-            <a:off x="838200" y="365126"/>
-            <a:ext cx="10515600" cy="804594"/>
-          </a:xfrm>
-          <a:prstGeom prst="rect">
-            <a:avLst/>
-          </a:prstGeom>
-        </p:spPr>
-        <p:txBody>
-          <a:bodyPr vert="horz" lIns="91440" tIns="45720" rIns="91440" bIns="45720" rtlCol="0" anchor="ctr">
-            <a:normAutofit/>
-          </a:bodyPr>
-          <a:lstStyle>
-            <a:lvl1pPr algn="l" defTabSz="914400" rtl="0" eaLnBrk="1" latinLnBrk="0" hangingPunct="1">
-              <a:lnSpc>
-                <a:spcPct val="90000"/>
-              </a:lnSpc>
-              <a:spcBef>
-                <a:spcPct val="0"/>
-              </a:spcBef>
-              <a:buNone/>
-              <a:defRPr sz="4400" kern="1200">
-                <a:solidFill>
-                  <a:schemeClr val="tx1"/>
-                </a:solidFill>
-                <a:latin typeface="+mj-lt"/>
-                <a:ea typeface="+mj-ea"/>
-                <a:cs typeface="+mj-cs"/>
-              </a:defRPr>
-            </a:lvl1pPr>
-          </a:lstStyle>
-          <a:p>
-            <a:r>
-              <a:rPr lang="en-US" sz="3200" dirty="0" smtClean="0">
-                <a:solidFill>
-                  <a:srgbClr val="0070C0"/>
-                </a:solidFill>
-              </a:rPr>
-              <a:t>Commonly Requested CDW Support Services</a:t>
-            </a:r>
-            <a:endParaRPr lang="en-US" sz="3200" dirty="0">
-              <a:solidFill>
-                <a:srgbClr val="0070C0"/>
-              </a:solidFill>
-            </a:endParaRPr>
+              <a:t>With established in-house expertise, we could deliver a list </a:t>
+            </a:r>
+            <a:r>
+              <a:rPr lang="en-US" smtClean="0"/>
+              <a:t>within two weeks.</a:t>
+            </a:r>
+            <a:endParaRPr lang="en-US"/>
           </a:p>
         </p:txBody>
       </p:sp>
     </p:spTree>
     <p:extLst>
       <p:ext uri="{BB962C8B-B14F-4D97-AF65-F5344CB8AC3E}">
-        <p14:creationId xmlns:p14="http://schemas.microsoft.com/office/powerpoint/2010/main" val="1988775386"/>
+        <p14:creationId xmlns:p14="http://schemas.microsoft.com/office/powerpoint/2010/main" val="3994496348"/>
       </p:ext>
     </p:extLst>
   </p:cSld>
@@ -8483,9 +8699,14 @@
               <a:buNone/>
             </a:pPr>
             <a:r>
-              <a:rPr lang="en-US" sz="2800" b="1" dirty="0"/>
-              <a:t>2019-01-12 Meditech Extract</a:t>
-            </a:r>
+              <a:rPr lang="en-US" sz="2800" b="1" u="sng" dirty="0"/>
+              <a:t>2019-01-12 </a:t>
+            </a:r>
+            <a:r>
+              <a:rPr lang="en-US" sz="2800" b="1" u="sng" dirty="0" smtClean="0"/>
+              <a:t>Inpatient Extract</a:t>
+            </a:r>
+            <a:endParaRPr lang="en-US" sz="2800" b="1" u="sng" dirty="0"/>
           </a:p>
           <a:p>
             <a:r>
@@ -8538,31 +8759,34 @@
             <a:pPr marL="0" indent="0">
               <a:buNone/>
             </a:pPr>
-            <a:r>
-              <a:rPr lang="en-US" sz="2800" b="1" dirty="0" smtClean="0"/>
+            <a:endParaRPr lang="en-US" sz="2800" b="1" dirty="0" smtClean="0"/>
+          </a:p>
+          <a:p>
+            <a:pPr marL="0" indent="0">
+              <a:buNone/>
+            </a:pPr>
+            <a:r>
+              <a:rPr lang="en-US" sz="2800" b="1" u="sng" dirty="0" smtClean="0"/>
               <a:t>2019-01-13 </a:t>
             </a:r>
             <a:r>
-              <a:rPr lang="en-US" sz="2800" b="1" dirty="0"/>
-              <a:t>Meditech </a:t>
-            </a:r>
-            <a:r>
-              <a:rPr lang="en-US" sz="2800" b="1" dirty="0" smtClean="0"/>
-              <a:t>Extract</a:t>
-            </a:r>
+              <a:rPr lang="en-US" b="1" u="sng" dirty="0"/>
+              <a:t>Inpatient Extract</a:t>
+            </a:r>
+            <a:endParaRPr lang="en-US" sz="2800" b="1" u="sng" dirty="0" smtClean="0"/>
           </a:p>
           <a:p>
             <a:r>
               <a:rPr lang="en-US" sz="2800" dirty="0" smtClean="0"/>
-              <a:t>112 </a:t>
-            </a:r>
-            <a:r>
-              <a:rPr lang="en-US" sz="2800" dirty="0"/>
-              <a:t>unique </a:t>
+              <a:t>112 unique patients  @15 min/</a:t>
+            </a:r>
+            <a:r>
+              <a:rPr lang="en-US" sz="2800" dirty="0" err="1" smtClean="0"/>
+              <a:t>pt</a:t>
             </a:r>
             <a:r>
               <a:rPr lang="en-US" sz="2800" dirty="0" smtClean="0"/>
-              <a:t>patients</a:t>
+              <a:t/>
             </a:r>
             <a:br>
               <a:rPr lang="en-US" sz="2800" dirty="0" smtClean="0"/>
@@ -8579,20 +8803,6 @@
               <a:rPr lang="en-US" sz="2800" dirty="0" smtClean="0"/>
               <a:t> yesterday)</a:t>
             </a:r>
-          </a:p>
-          <a:p>
-            <a:endParaRPr lang="en-US" sz="2800" dirty="0"/>
-          </a:p>
-          <a:p>
-            <a:pPr marL="0" indent="0">
-              <a:buNone/>
-            </a:pPr>
-            <a:endParaRPr lang="en-US" sz="2800" b="1" dirty="0"/>
-          </a:p>
-          <a:p>
-            <a:endParaRPr lang="en-US" sz="2800" dirty="0" smtClean="0"/>
-          </a:p>
-          <a:p>
             <a:endParaRPr lang="en-US" sz="2800" dirty="0"/>
           </a:p>
         </p:txBody>
@@ -8623,9 +8833,14 @@
               <a:buNone/>
             </a:pPr>
             <a:r>
-              <a:rPr lang="en-US" sz="2800" b="1" dirty="0"/>
-              <a:t>2019-01-12 Eligibility Report </a:t>
-            </a:r>
+              <a:rPr lang="en-US" sz="2800" b="1" u="sng" dirty="0"/>
+              <a:t>2019-01-12 </a:t>
+            </a:r>
+            <a:r>
+              <a:rPr lang="en-US" sz="2800" b="1" u="sng" dirty="0" smtClean="0"/>
+              <a:t>Inpatient Screening Report </a:t>
+            </a:r>
+            <a:endParaRPr lang="en-US" sz="2800" b="1" u="sng" dirty="0"/>
           </a:p>
           <a:p>
             <a:r>
@@ -8670,14 +8885,21 @@
             <a:pPr marL="0" indent="0">
               <a:buNone/>
             </a:pPr>
-            <a:r>
-              <a:rPr lang="en-US" sz="2800" b="1" dirty="0" smtClean="0"/>
+            <a:endParaRPr lang="en-US" sz="2800" b="1" dirty="0" smtClean="0"/>
+          </a:p>
+          <a:p>
+            <a:pPr marL="0" indent="0">
+              <a:buNone/>
+            </a:pPr>
+            <a:r>
+              <a:rPr lang="en-US" sz="2800" b="1" u="sng" dirty="0" smtClean="0"/>
               <a:t>2019-01-13 </a:t>
             </a:r>
             <a:r>
-              <a:rPr lang="en-US" sz="2800" b="1" dirty="0"/>
-              <a:t>Eligibility Report </a:t>
-            </a:r>
+              <a:rPr lang="en-US" b="1" u="sng" dirty="0"/>
+              <a:t>Inpatient Screening Report </a:t>
+            </a:r>
+            <a:endParaRPr lang="en-US" sz="2800" b="1" u="sng" dirty="0"/>
           </a:p>
           <a:p>
             <a:r>
@@ -8690,7 +8912,19 @@
             </a:r>
             <a:r>
               <a:rPr lang="en-US" sz="2800" dirty="0" smtClean="0"/>
-              <a:t> patients</a:t>
+              <a:t> </a:t>
+            </a:r>
+            <a:r>
+              <a:rPr lang="en-US" sz="2800" dirty="0" smtClean="0"/>
+              <a:t>patients  @5 min/</a:t>
+            </a:r>
+            <a:r>
+              <a:rPr lang="en-US" sz="2800" dirty="0" err="1" smtClean="0"/>
+              <a:t>pt</a:t>
+            </a:r>
+            <a:r>
+              <a:rPr lang="en-US" sz="2800" dirty="0" smtClean="0"/>
+              <a:t/>
             </a:r>
             <a:br>
               <a:rPr lang="en-US" sz="2800" dirty="0" smtClean="0"/>
@@ -8705,14 +8939,12 @@
             </a:r>
             <a:r>
               <a:rPr lang="en-US" sz="2800" dirty="0" smtClean="0"/>
-              <a:t> yesterday)</a:t>
-            </a:r>
-            <a:endParaRPr lang="en-US" sz="2800" dirty="0"/>
-          </a:p>
-          <a:p>
-            <a:pPr marL="0" indent="0">
-              <a:buNone/>
-            </a:pPr>
+              <a:t> yesterday</a:t>
+            </a:r>
+            <a:r>
+              <a:rPr lang="en-US" sz="2800" dirty="0" smtClean="0"/>
+              <a:t>)</a:t>
+            </a:r>
             <a:endParaRPr lang="en-US" sz="2800" b="1" dirty="0"/>
           </a:p>
         </p:txBody>

--- a/publications/presentation-2019-06-idea/ispctn-regional-conference-2019-06.pptx
+++ b/publications/presentation-2019-06-idea/ispctn-regional-conference-2019-06.pptx
@@ -5,34 +5,44 @@
     <p:sldMasterId id="2147483648" r:id="rId1"/>
   </p:sldMasterIdLst>
   <p:notesMasterIdLst>
-    <p:notesMasterId r:id="rId27"/>
+    <p:notesMasterId r:id="rId37"/>
   </p:notesMasterIdLst>
   <p:sldIdLst>
     <p:sldId id="256" r:id="rId2"/>
     <p:sldId id="257" r:id="rId3"/>
     <p:sldId id="277" r:id="rId4"/>
     <p:sldId id="278" r:id="rId5"/>
-    <p:sldId id="258" r:id="rId6"/>
-    <p:sldId id="259" r:id="rId7"/>
-    <p:sldId id="260" r:id="rId8"/>
-    <p:sldId id="261" r:id="rId9"/>
-    <p:sldId id="262" r:id="rId10"/>
-    <p:sldId id="265" r:id="rId11"/>
-    <p:sldId id="263" r:id="rId12"/>
-    <p:sldId id="279" r:id="rId13"/>
-    <p:sldId id="264" r:id="rId14"/>
-    <p:sldId id="266" r:id="rId15"/>
-    <p:sldId id="268" r:id="rId16"/>
-    <p:sldId id="267" r:id="rId17"/>
-    <p:sldId id="271" r:id="rId18"/>
-    <p:sldId id="272" r:id="rId19"/>
-    <p:sldId id="273" r:id="rId20"/>
-    <p:sldId id="269" r:id="rId21"/>
-    <p:sldId id="270" r:id="rId22"/>
-    <p:sldId id="275" r:id="rId23"/>
-    <p:sldId id="280" r:id="rId24"/>
-    <p:sldId id="276" r:id="rId25"/>
-    <p:sldId id="281" r:id="rId26"/>
+    <p:sldId id="289" r:id="rId6"/>
+    <p:sldId id="290" r:id="rId7"/>
+    <p:sldId id="258" r:id="rId8"/>
+    <p:sldId id="259" r:id="rId9"/>
+    <p:sldId id="260" r:id="rId10"/>
+    <p:sldId id="261" r:id="rId11"/>
+    <p:sldId id="262" r:id="rId12"/>
+    <p:sldId id="265" r:id="rId13"/>
+    <p:sldId id="263" r:id="rId14"/>
+    <p:sldId id="279" r:id="rId15"/>
+    <p:sldId id="264" r:id="rId16"/>
+    <p:sldId id="266" r:id="rId17"/>
+    <p:sldId id="268" r:id="rId18"/>
+    <p:sldId id="267" r:id="rId19"/>
+    <p:sldId id="271" r:id="rId20"/>
+    <p:sldId id="272" r:id="rId21"/>
+    <p:sldId id="273" r:id="rId22"/>
+    <p:sldId id="269" r:id="rId23"/>
+    <p:sldId id="270" r:id="rId24"/>
+    <p:sldId id="275" r:id="rId25"/>
+    <p:sldId id="282" r:id="rId26"/>
+    <p:sldId id="283" r:id="rId27"/>
+    <p:sldId id="284" r:id="rId28"/>
+    <p:sldId id="285" r:id="rId29"/>
+    <p:sldId id="286" r:id="rId30"/>
+    <p:sldId id="287" r:id="rId31"/>
+    <p:sldId id="288" r:id="rId32"/>
+    <p:sldId id="280" r:id="rId33"/>
+    <p:sldId id="276" r:id="rId34"/>
+    <p:sldId id="281" r:id="rId35"/>
+    <p:sldId id="291" r:id="rId36"/>
   </p:sldIdLst>
   <p:sldSz cx="12192000" cy="6858000"/>
   <p:notesSz cx="6858000" cy="9144000"/>
@@ -221,7 +231,7 @@
           <a:p>
             <a:fld id="{074B6824-7023-4228-BB04-DF38B9F7BAD4}" type="datetimeFigureOut">
               <a:rPr lang="en-US" smtClean="0"/>
-              <a:t>6/6/2019</a:t>
+              <a:t>6/7/2019</a:t>
             </a:fld>
             <a:endParaRPr lang="en-US"/>
           </a:p>
@@ -1126,7 +1136,7 @@
           <a:p>
             <a:fld id="{48D8CAB9-F02B-405D-B26E-A393DAA55285}" type="datetimeFigureOut">
               <a:rPr lang="en-US" smtClean="0"/>
-              <a:t>6/6/2019</a:t>
+              <a:t>6/7/2019</a:t>
             </a:fld>
             <a:endParaRPr lang="en-US"/>
           </a:p>
@@ -1296,7 +1306,7 @@
           <a:p>
             <a:fld id="{48D8CAB9-F02B-405D-B26E-A393DAA55285}" type="datetimeFigureOut">
               <a:rPr lang="en-US" smtClean="0"/>
-              <a:t>6/6/2019</a:t>
+              <a:t>6/7/2019</a:t>
             </a:fld>
             <a:endParaRPr lang="en-US"/>
           </a:p>
@@ -1476,7 +1486,7 @@
           <a:p>
             <a:fld id="{48D8CAB9-F02B-405D-B26E-A393DAA55285}" type="datetimeFigureOut">
               <a:rPr lang="en-US" smtClean="0"/>
-              <a:t>6/6/2019</a:t>
+              <a:t>6/7/2019</a:t>
             </a:fld>
             <a:endParaRPr lang="en-US"/>
           </a:p>
@@ -1646,7 +1656,7 @@
           <a:p>
             <a:fld id="{48D8CAB9-F02B-405D-B26E-A393DAA55285}" type="datetimeFigureOut">
               <a:rPr lang="en-US" smtClean="0"/>
-              <a:t>6/6/2019</a:t>
+              <a:t>6/7/2019</a:t>
             </a:fld>
             <a:endParaRPr lang="en-US"/>
           </a:p>
@@ -1892,7 +1902,7 @@
           <a:p>
             <a:fld id="{48D8CAB9-F02B-405D-B26E-A393DAA55285}" type="datetimeFigureOut">
               <a:rPr lang="en-US" smtClean="0"/>
-              <a:t>6/6/2019</a:t>
+              <a:t>6/7/2019</a:t>
             </a:fld>
             <a:endParaRPr lang="en-US"/>
           </a:p>
@@ -2124,7 +2134,7 @@
           <a:p>
             <a:fld id="{48D8CAB9-F02B-405D-B26E-A393DAA55285}" type="datetimeFigureOut">
               <a:rPr lang="en-US" smtClean="0"/>
-              <a:t>6/6/2019</a:t>
+              <a:t>6/7/2019</a:t>
             </a:fld>
             <a:endParaRPr lang="en-US"/>
           </a:p>
@@ -2491,7 +2501,7 @@
           <a:p>
             <a:fld id="{48D8CAB9-F02B-405D-B26E-A393DAA55285}" type="datetimeFigureOut">
               <a:rPr lang="en-US" smtClean="0"/>
-              <a:t>6/6/2019</a:t>
+              <a:t>6/7/2019</a:t>
             </a:fld>
             <a:endParaRPr lang="en-US"/>
           </a:p>
@@ -2609,7 +2619,7 @@
           <a:p>
             <a:fld id="{48D8CAB9-F02B-405D-B26E-A393DAA55285}" type="datetimeFigureOut">
               <a:rPr lang="en-US" smtClean="0"/>
-              <a:t>6/6/2019</a:t>
+              <a:t>6/7/2019</a:t>
             </a:fld>
             <a:endParaRPr lang="en-US"/>
           </a:p>
@@ -2704,7 +2714,7 @@
           <a:p>
             <a:fld id="{48D8CAB9-F02B-405D-B26E-A393DAA55285}" type="datetimeFigureOut">
               <a:rPr lang="en-US" smtClean="0"/>
-              <a:t>6/6/2019</a:t>
+              <a:t>6/7/2019</a:t>
             </a:fld>
             <a:endParaRPr lang="en-US"/>
           </a:p>
@@ -2981,7 +2991,7 @@
           <a:p>
             <a:fld id="{48D8CAB9-F02B-405D-B26E-A393DAA55285}" type="datetimeFigureOut">
               <a:rPr lang="en-US" smtClean="0"/>
-              <a:t>6/6/2019</a:t>
+              <a:t>6/7/2019</a:t>
             </a:fld>
             <a:endParaRPr lang="en-US"/>
           </a:p>
@@ -3234,7 +3244,7 @@
           <a:p>
             <a:fld id="{48D8CAB9-F02B-405D-B26E-A393DAA55285}" type="datetimeFigureOut">
               <a:rPr lang="en-US" smtClean="0"/>
-              <a:t>6/6/2019</a:t>
+              <a:t>6/7/2019</a:t>
             </a:fld>
             <a:endParaRPr lang="en-US"/>
           </a:p>
@@ -3447,7 +3457,7 @@
           <a:p>
             <a:fld id="{48D8CAB9-F02B-405D-B26E-A393DAA55285}" type="datetimeFigureOut">
               <a:rPr lang="en-US" smtClean="0"/>
-              <a:t>6/6/2019</a:t>
+              <a:t>6/7/2019</a:t>
             </a:fld>
             <a:endParaRPr lang="en-US"/>
           </a:p>
@@ -3920,6 +3930,128 @@
           <a:chExt cx="0" cy="0"/>
         </a:xfrm>
       </p:grpSpPr>
+      <p:pic>
+        <p:nvPicPr>
+          <p:cNvPr id="2" name="Picture 1"/>
+          <p:cNvPicPr>
+            <a:picLocks noChangeAspect="1"/>
+          </p:cNvPicPr>
+          <p:nvPr/>
+        </p:nvPicPr>
+        <p:blipFill>
+          <a:blip r:embed="rId2"/>
+          <a:stretch>
+            <a:fillRect/>
+          </a:stretch>
+        </p:blipFill>
+        <p:spPr>
+          <a:xfrm>
+            <a:off x="2185501" y="-2762"/>
+            <a:ext cx="7356322" cy="6860762"/>
+          </a:xfrm>
+          <a:prstGeom prst="rect">
+            <a:avLst/>
+          </a:prstGeom>
+        </p:spPr>
+      </p:pic>
+    </p:spTree>
+    <p:extLst>
+      <p:ext uri="{BB962C8B-B14F-4D97-AF65-F5344CB8AC3E}">
+        <p14:creationId xmlns:p14="http://schemas.microsoft.com/office/powerpoint/2010/main" val="1701112456"/>
+      </p:ext>
+    </p:extLst>
+  </p:cSld>
+  <p:clrMapOvr>
+    <a:masterClrMapping/>
+  </p:clrMapOvr>
+  <p:timing>
+    <p:tnLst>
+      <p:par>
+        <p:cTn id="1" dur="indefinite" restart="never" nodeType="tmRoot"/>
+      </p:par>
+    </p:tnLst>
+  </p:timing>
+</p:sld>
+</file>
+
+<file path=ppt/slides/slide11.xml><?xml version="1.0" encoding="utf-8"?>
+<p:sld xmlns:a="http://schemas.openxmlformats.org/drawingml/2006/main" xmlns:r="http://schemas.openxmlformats.org/officeDocument/2006/relationships" xmlns:p="http://schemas.openxmlformats.org/presentationml/2006/main">
+  <p:cSld>
+    <p:spTree>
+      <p:nvGrpSpPr>
+        <p:cNvPr id="1" name=""/>
+        <p:cNvGrpSpPr/>
+        <p:nvPr/>
+      </p:nvGrpSpPr>
+      <p:grpSpPr>
+        <a:xfrm>
+          <a:off x="0" y="0"/>
+          <a:ext cx="0" cy="0"/>
+          <a:chOff x="0" y="0"/>
+          <a:chExt cx="0" cy="0"/>
+        </a:xfrm>
+      </p:grpSpPr>
+      <p:pic>
+        <p:nvPicPr>
+          <p:cNvPr id="2" name="Picture 1"/>
+          <p:cNvPicPr>
+            <a:picLocks noChangeAspect="1"/>
+          </p:cNvPicPr>
+          <p:nvPr/>
+        </p:nvPicPr>
+        <p:blipFill>
+          <a:blip r:embed="rId2"/>
+          <a:stretch>
+            <a:fillRect/>
+          </a:stretch>
+        </p:blipFill>
+        <p:spPr>
+          <a:xfrm>
+            <a:off x="3207351" y="0"/>
+            <a:ext cx="5204491" cy="6858000"/>
+          </a:xfrm>
+          <a:prstGeom prst="rect">
+            <a:avLst/>
+          </a:prstGeom>
+        </p:spPr>
+      </p:pic>
+    </p:spTree>
+    <p:extLst>
+      <p:ext uri="{BB962C8B-B14F-4D97-AF65-F5344CB8AC3E}">
+        <p14:creationId xmlns:p14="http://schemas.microsoft.com/office/powerpoint/2010/main" val="314593791"/>
+      </p:ext>
+    </p:extLst>
+  </p:cSld>
+  <p:clrMapOvr>
+    <a:masterClrMapping/>
+  </p:clrMapOvr>
+  <p:timing>
+    <p:tnLst>
+      <p:par>
+        <p:cTn id="1" dur="indefinite" restart="never" nodeType="tmRoot"/>
+      </p:par>
+    </p:tnLst>
+  </p:timing>
+</p:sld>
+</file>
+
+<file path=ppt/slides/slide12.xml><?xml version="1.0" encoding="utf-8"?>
+<p:sld xmlns:a="http://schemas.openxmlformats.org/drawingml/2006/main" xmlns:r="http://schemas.openxmlformats.org/officeDocument/2006/relationships" xmlns:p="http://schemas.openxmlformats.org/presentationml/2006/main">
+  <p:cSld>
+    <p:spTree>
+      <p:nvGrpSpPr>
+        <p:cNvPr id="1" name=""/>
+        <p:cNvGrpSpPr/>
+        <p:nvPr/>
+      </p:nvGrpSpPr>
+      <p:grpSpPr>
+        <a:xfrm>
+          <a:off x="0" y="0"/>
+          <a:ext cx="0" cy="0"/>
+          <a:chOff x="0" y="0"/>
+          <a:chExt cx="0" cy="0"/>
+        </a:xfrm>
+      </p:grpSpPr>
       <p:sp>
         <p:nvSpPr>
           <p:cNvPr id="3" name="Title 1"/>
@@ -4207,11 +4339,7 @@
             </a:r>
             <a:r>
               <a:rPr lang="en-US" dirty="0" smtClean="0"/>
-              <a:t>earch, &amp; </a:t>
-            </a:r>
-            <a:r>
-              <a:rPr lang="en-US" dirty="0" smtClean="0"/>
-              <a:t>sort</a:t>
+              <a:t>earch, &amp; sort</a:t>
             </a:r>
           </a:p>
           <a:p>
@@ -4285,13 +4413,6 @@
               </a:rPr>
               <a:t>Fake patients)</a:t>
             </a:r>
-            <a:endParaRPr lang="en-US" sz="1600" dirty="0" smtClean="0">
-              <a:solidFill>
-                <a:schemeClr val="bg1">
-                  <a:lumMod val="50000"/>
-                </a:schemeClr>
-              </a:solidFill>
-            </a:endParaRPr>
           </a:p>
         </p:txBody>
       </p:sp>
@@ -4349,7 +4470,7 @@
 </p:sld>
 </file>
 
-<file path=ppt/slides/slide11.xml><?xml version="1.0" encoding="utf-8"?>
+<file path=ppt/slides/slide13.xml><?xml version="1.0" encoding="utf-8"?>
 <p:sld xmlns:a="http://schemas.openxmlformats.org/drawingml/2006/main" xmlns:r="http://schemas.openxmlformats.org/officeDocument/2006/relationships" xmlns:p="http://schemas.openxmlformats.org/presentationml/2006/main">
   <p:cSld>
     <p:spTree>
@@ -4450,11 +4571,7 @@
             <a:pPr lvl="1"/>
             <a:r>
               <a:rPr lang="en-US" sz="2400" dirty="0" smtClean="0"/>
-              <a:t>Location of </a:t>
-            </a:r>
-            <a:r>
-              <a:rPr lang="en-US" sz="2400" dirty="0" smtClean="0"/>
-              <a:t>care</a:t>
+              <a:t>Location of care</a:t>
             </a:r>
           </a:p>
           <a:p>
@@ -4465,38 +4582,18 @@
             </a:r>
             <a:r>
               <a:rPr lang="en-US" sz="2400" dirty="0" smtClean="0"/>
-              <a:t> Date </a:t>
-            </a:r>
+              <a:t> Date &amp; time</a:t>
+            </a:r>
+          </a:p>
+          <a:p>
+            <a:pPr lvl="1"/>
             <a:r>
               <a:rPr lang="en-US" sz="2400" dirty="0" smtClean="0"/>
-              <a:t>&amp; </a:t>
-            </a:r>
-            <a:r>
-              <a:rPr lang="en-US" sz="2400" dirty="0" smtClean="0"/>
-              <a:t>time</a:t>
-            </a:r>
-          </a:p>
-          <a:p>
-            <a:pPr lvl="1"/>
-            <a:r>
-              <a:rPr lang="en-US" sz="2400" dirty="0" smtClean="0"/>
-              <a:t>Qualifying </a:t>
-            </a:r>
-            <a:r>
-              <a:rPr lang="en-US" sz="2400" dirty="0" smtClean="0"/>
-              <a:t>medication </a:t>
-            </a:r>
-            <a:r>
-              <a:rPr lang="en-US" sz="2400" dirty="0" smtClean="0"/>
-              <a:t>(</a:t>
+              <a:t>Qualifying medication (</a:t>
             </a:r>
             <a:r>
               <a:rPr lang="en-US" sz="2400" i="1" dirty="0" smtClean="0"/>
-              <a:t>e.g</a:t>
-            </a:r>
-            <a:r>
-              <a:rPr lang="en-US" sz="2400" i="1" dirty="0" smtClean="0"/>
-              <a:t>.</a:t>
+              <a:t>e.g.</a:t>
             </a:r>
             <a:r>
               <a:rPr lang="en-US" sz="2400" dirty="0" smtClean="0"/>
@@ -4507,11 +4604,7 @@
             <a:pPr lvl="1"/>
             <a:r>
               <a:rPr lang="en-US" sz="2400" dirty="0" smtClean="0"/>
-              <a:t>Qualifying condition </a:t>
-            </a:r>
-            <a:r>
-              <a:rPr lang="en-US" sz="2400" dirty="0" smtClean="0"/>
-              <a:t>(</a:t>
+              <a:t>Qualifying condition (</a:t>
             </a:r>
             <a:r>
               <a:rPr lang="en-US" sz="2400" i="1" dirty="0" smtClean="0"/>
@@ -4519,11 +4612,7 @@
             </a:r>
             <a:r>
               <a:rPr lang="en-US" sz="2400" dirty="0" smtClean="0"/>
-              <a:t>, obese, 24 </a:t>
-            </a:r>
-            <a:r>
-              <a:rPr lang="en-US" sz="2400" dirty="0" smtClean="0"/>
-              <a:t>months old)</a:t>
+              <a:t>, obese, 24 months old)</a:t>
             </a:r>
           </a:p>
           <a:p>
@@ -4597,7 +4686,7 @@
 </p:sld>
 </file>
 
-<file path=ppt/slides/slide12.xml><?xml version="1.0" encoding="utf-8"?>
+<file path=ppt/slides/slide14.xml><?xml version="1.0" encoding="utf-8"?>
 <p:sld xmlns:a="http://schemas.openxmlformats.org/drawingml/2006/main" xmlns:r="http://schemas.openxmlformats.org/officeDocument/2006/relationships" xmlns:p="http://schemas.openxmlformats.org/presentationml/2006/main">
   <p:cSld>
     <p:spTree>
@@ -4840,7 +4929,7 @@
 </p:sld>
 </file>
 
-<file path=ppt/slides/slide13.xml><?xml version="1.0" encoding="utf-8"?>
+<file path=ppt/slides/slide15.xml><?xml version="1.0" encoding="utf-8"?>
 <p:sld xmlns:a="http://schemas.openxmlformats.org/drawingml/2006/main" xmlns:r="http://schemas.openxmlformats.org/officeDocument/2006/relationships" xmlns:p="http://schemas.openxmlformats.org/presentationml/2006/main">
   <p:cSld>
     <p:spTree>
@@ -5192,7 +5281,7 @@
 </p:sld>
 </file>
 
-<file path=ppt/slides/slide14.xml><?xml version="1.0" encoding="utf-8"?>
+<file path=ppt/slides/slide16.xml><?xml version="1.0" encoding="utf-8"?>
 <p:sld xmlns:a="http://schemas.openxmlformats.org/drawingml/2006/main" xmlns:r="http://schemas.openxmlformats.org/officeDocument/2006/relationships" xmlns:p="http://schemas.openxmlformats.org/presentationml/2006/main">
   <p:cSld>
     <p:spTree>
@@ -5334,23 +5423,7 @@
             </a:r>
             <a:r>
               <a:rPr lang="en-US" sz="2800" dirty="0" smtClean="0"/>
-              <a:t> </a:t>
-            </a:r>
-            <a:r>
-              <a:rPr lang="en-US" sz="2800" dirty="0" smtClean="0"/>
-              <a:t>and </a:t>
-            </a:r>
-            <a:r>
-              <a:rPr lang="en-US" sz="2800" dirty="0" smtClean="0"/>
-              <a:t>17, </a:t>
-            </a:r>
-            <a:r>
-              <a:rPr lang="en-US" sz="2800" dirty="0" smtClean="0"/>
-              <a:t>have a diagnosis of asthma, documentation of obesity, and meet additional inclusion criteria such as </a:t>
-            </a:r>
-            <a:r>
-              <a:rPr lang="en-US" sz="2800" dirty="0" smtClean="0"/>
-              <a:t>‘an ability to swallow pills’. </a:t>
+              <a:t> and 17, have a diagnosis of asthma, documentation of obesity, and meet additional inclusion criteria such as ‘an ability to swallow pills’. </a:t>
             </a:r>
             <a:endParaRPr lang="en-US" sz="2800" dirty="0"/>
           </a:p>
@@ -5376,7 +5449,7 @@
 </p:sld>
 </file>
 
-<file path=ppt/slides/slide15.xml><?xml version="1.0" encoding="utf-8"?>
+<file path=ppt/slides/slide17.xml><?xml version="1.0" encoding="utf-8"?>
 <p:sld xmlns:a="http://schemas.openxmlformats.org/drawingml/2006/main" xmlns:r="http://schemas.openxmlformats.org/officeDocument/2006/relationships" xmlns:p="http://schemas.openxmlformats.org/presentationml/2006/main">
   <p:cSld>
     <p:spTree>
@@ -5538,7 +5611,7 @@
 </p:sld>
 </file>
 
-<file path=ppt/slides/slide16.xml><?xml version="1.0" encoding="utf-8"?>
+<file path=ppt/slides/slide18.xml><?xml version="1.0" encoding="utf-8"?>
 <p:sld xmlns:a="http://schemas.openxmlformats.org/drawingml/2006/main" xmlns:r="http://schemas.openxmlformats.org/officeDocument/2006/relationships" xmlns:p="http://schemas.openxmlformats.org/presentationml/2006/main">
   <p:cSld>
     <p:spTree>
@@ -5854,7 +5927,7 @@
 </p:sld>
 </file>
 
-<file path=ppt/slides/slide17.xml><?xml version="1.0" encoding="utf-8"?>
+<file path=ppt/slides/slide19.xml><?xml version="1.0" encoding="utf-8"?>
 <p:sld xmlns:a="http://schemas.openxmlformats.org/drawingml/2006/main" xmlns:r="http://schemas.openxmlformats.org/officeDocument/2006/relationships" xmlns:p="http://schemas.openxmlformats.org/presentationml/2006/main">
   <p:cSld>
     <p:spTree>
@@ -6045,11 +6118,7 @@
           <a:p>
             <a:r>
               <a:rPr lang="en-US" sz="2800" dirty="0" smtClean="0"/>
-              <a:t>Two-by-two </a:t>
-            </a:r>
-            <a:r>
-              <a:rPr lang="en-US" sz="2800" dirty="0" smtClean="0"/>
-              <a:t>factorial, response-adaptive multi-center randomized clinical trial.</a:t>
+              <a:t>Two-by-two factorial, response-adaptive multi-center randomized clinical trial.</a:t>
             </a:r>
           </a:p>
           <a:p>
@@ -6172,522 +6241,6 @@
       </p:par>
     </p:tnLst>
   </p:timing>
-</p:sld>
-</file>
-
-<file path=ppt/slides/slide18.xml><?xml version="1.0" encoding="utf-8"?>
-<p:sld xmlns:a="http://schemas.openxmlformats.org/drawingml/2006/main" xmlns:r="http://schemas.openxmlformats.org/officeDocument/2006/relationships" xmlns:p="http://schemas.openxmlformats.org/presentationml/2006/main">
-  <p:cSld>
-    <p:spTree>
-      <p:nvGrpSpPr>
-        <p:cNvPr id="1" name=""/>
-        <p:cNvGrpSpPr/>
-        <p:nvPr/>
-      </p:nvGrpSpPr>
-      <p:grpSpPr>
-        <a:xfrm>
-          <a:off x="0" y="0"/>
-          <a:ext cx="0" cy="0"/>
-          <a:chOff x="0" y="0"/>
-          <a:chExt cx="0" cy="0"/>
-        </a:xfrm>
-      </p:grpSpPr>
-      <p:sp>
-        <p:nvSpPr>
-          <p:cNvPr id="5" name="Title 1"/>
-          <p:cNvSpPr txBox="1">
-            <a:spLocks/>
-          </p:cNvSpPr>
-          <p:nvPr/>
-        </p:nvSpPr>
-        <p:spPr>
-          <a:xfrm>
-            <a:off x="753534" y="187326"/>
-            <a:ext cx="10515600" cy="921808"/>
-          </a:xfrm>
-          <a:prstGeom prst="rect">
-            <a:avLst/>
-          </a:prstGeom>
-        </p:spPr>
-        <p:txBody>
-          <a:bodyPr vert="horz" lIns="91440" tIns="45720" rIns="91440" bIns="45720" rtlCol="0" anchor="ctr">
-            <a:normAutofit fontScale="97500"/>
-          </a:bodyPr>
-          <a:lstStyle>
-            <a:lvl1pPr algn="l" defTabSz="914400" rtl="0" eaLnBrk="1" latinLnBrk="0" hangingPunct="1">
-              <a:lnSpc>
-                <a:spcPct val="90000"/>
-              </a:lnSpc>
-              <a:spcBef>
-                <a:spcPct val="0"/>
-              </a:spcBef>
-              <a:buNone/>
-              <a:defRPr sz="4400" kern="1200">
-                <a:solidFill>
-                  <a:schemeClr val="tx1"/>
-                </a:solidFill>
-                <a:latin typeface="+mj-lt"/>
-                <a:ea typeface="+mj-ea"/>
-                <a:cs typeface="+mj-cs"/>
-              </a:defRPr>
-            </a:lvl1pPr>
-          </a:lstStyle>
-          <a:p>
-            <a:r>
-              <a:rPr lang="en-US" sz="3800" b="1" dirty="0" err="1" smtClean="0">
-                <a:solidFill>
-                  <a:srgbClr val="0070C0"/>
-                </a:solidFill>
-              </a:rPr>
-              <a:t>PROSpect</a:t>
-            </a:r>
-            <a:r>
-              <a:rPr lang="en-US" sz="3800" dirty="0" smtClean="0">
-                <a:solidFill>
-                  <a:srgbClr val="0070C0"/>
-                </a:solidFill>
-              </a:rPr>
-              <a:t>: </a:t>
-            </a:r>
-            <a:r>
-              <a:rPr lang="en-US" sz="3800" b="1" dirty="0" err="1" smtClean="0">
-                <a:solidFill>
-                  <a:srgbClr val="0070C0"/>
-                </a:solidFill>
-              </a:rPr>
-              <a:t>PR</a:t>
-            </a:r>
-            <a:r>
-              <a:rPr lang="en-US" sz="3800" dirty="0" err="1" smtClean="0">
-                <a:solidFill>
-                  <a:srgbClr val="0070C0"/>
-                </a:solidFill>
-              </a:rPr>
-              <a:t>one</a:t>
-            </a:r>
-            <a:r>
-              <a:rPr lang="en-US" sz="3800" dirty="0" smtClean="0">
-                <a:solidFill>
-                  <a:srgbClr val="0070C0"/>
-                </a:solidFill>
-              </a:rPr>
-              <a:t> and </a:t>
-            </a:r>
-            <a:r>
-              <a:rPr lang="en-US" sz="3800" b="1" dirty="0" err="1" smtClean="0">
-                <a:solidFill>
-                  <a:srgbClr val="0070C0"/>
-                </a:solidFill>
-              </a:rPr>
-              <a:t>OS</a:t>
-            </a:r>
-            <a:r>
-              <a:rPr lang="en-US" sz="3800" dirty="0" err="1" smtClean="0">
-                <a:solidFill>
-                  <a:srgbClr val="0070C0"/>
-                </a:solidFill>
-              </a:rPr>
-              <a:t>cillation</a:t>
-            </a:r>
-            <a:r>
-              <a:rPr lang="en-US" sz="3800" dirty="0" smtClean="0">
-                <a:solidFill>
-                  <a:srgbClr val="0070C0"/>
-                </a:solidFill>
-              </a:rPr>
-              <a:t> </a:t>
-            </a:r>
-            <a:r>
-              <a:rPr lang="en-US" sz="3800" b="1" dirty="0" err="1" smtClean="0">
-                <a:solidFill>
-                  <a:srgbClr val="0070C0"/>
-                </a:solidFill>
-              </a:rPr>
-              <a:t>PE</a:t>
-            </a:r>
-            <a:r>
-              <a:rPr lang="en-US" sz="3800" dirty="0" err="1" smtClean="0">
-                <a:solidFill>
-                  <a:srgbClr val="0070C0"/>
-                </a:solidFill>
-              </a:rPr>
-              <a:t>diatric</a:t>
-            </a:r>
-            <a:r>
-              <a:rPr lang="en-US" sz="3800" dirty="0" smtClean="0">
-                <a:solidFill>
-                  <a:srgbClr val="0070C0"/>
-                </a:solidFill>
-              </a:rPr>
-              <a:t> </a:t>
-            </a:r>
-            <a:r>
-              <a:rPr lang="en-US" sz="3800" b="1" dirty="0" smtClean="0">
-                <a:solidFill>
-                  <a:srgbClr val="0070C0"/>
-                </a:solidFill>
-              </a:rPr>
-              <a:t>C</a:t>
-            </a:r>
-            <a:r>
-              <a:rPr lang="en-US" sz="3800" dirty="0" smtClean="0">
-                <a:solidFill>
-                  <a:srgbClr val="0070C0"/>
-                </a:solidFill>
-              </a:rPr>
-              <a:t>linical </a:t>
-            </a:r>
-            <a:r>
-              <a:rPr lang="en-US" sz="3800" b="1" dirty="0" smtClean="0">
-                <a:solidFill>
-                  <a:srgbClr val="0070C0"/>
-                </a:solidFill>
-              </a:rPr>
-              <a:t>T</a:t>
-            </a:r>
-            <a:r>
-              <a:rPr lang="en-US" sz="3800" dirty="0" smtClean="0">
-                <a:solidFill>
-                  <a:srgbClr val="0070C0"/>
-                </a:solidFill>
-              </a:rPr>
-              <a:t>rial</a:t>
-            </a:r>
-            <a:endParaRPr lang="en-US" sz="4000" dirty="0">
-              <a:solidFill>
-                <a:srgbClr val="0070C0"/>
-              </a:solidFill>
-            </a:endParaRPr>
-          </a:p>
-        </p:txBody>
-      </p:sp>
-      <p:pic>
-        <p:nvPicPr>
-          <p:cNvPr id="6" name="Picture 5"/>
-          <p:cNvPicPr>
-            <a:picLocks noChangeAspect="1"/>
-          </p:cNvPicPr>
-          <p:nvPr/>
-        </p:nvPicPr>
-        <p:blipFill>
-          <a:blip r:embed="rId2"/>
-          <a:stretch>
-            <a:fillRect/>
-          </a:stretch>
-        </p:blipFill>
-        <p:spPr>
-          <a:xfrm>
-            <a:off x="2196384" y="1002256"/>
-            <a:ext cx="7281711" cy="4233553"/>
-          </a:xfrm>
-          <a:prstGeom prst="rect">
-            <a:avLst/>
-          </a:prstGeom>
-        </p:spPr>
-      </p:pic>
-      <p:sp>
-        <p:nvSpPr>
-          <p:cNvPr id="9" name="TextBox 8"/>
-          <p:cNvSpPr txBox="1"/>
-          <p:nvPr/>
-        </p:nvSpPr>
-        <p:spPr>
-          <a:xfrm>
-            <a:off x="213755" y="5503277"/>
-            <a:ext cx="11744697" cy="1077218"/>
-          </a:xfrm>
-          <a:prstGeom prst="rect">
-            <a:avLst/>
-          </a:prstGeom>
-          <a:noFill/>
-        </p:spPr>
-        <p:txBody>
-          <a:bodyPr wrap="square" rtlCol="0">
-            <a:spAutoFit/>
-          </a:bodyPr>
-          <a:lstStyle/>
-          <a:p>
-            <a:r>
-              <a:rPr lang="en-US" sz="1600" dirty="0" smtClean="0"/>
-              <a:t>Exclusion criteria: previous enrollment in </a:t>
-            </a:r>
-            <a:r>
-              <a:rPr lang="en-US" sz="1600" dirty="0" err="1" smtClean="0"/>
-              <a:t>PROSpect</a:t>
-            </a:r>
-            <a:r>
-              <a:rPr lang="en-US" sz="1600" dirty="0" smtClean="0"/>
-              <a:t>, perinatal related lung disease, congenital diaphragmatic hernia or congenital/acquired diaphragm paralysis, respiratory failure explained by cardiac failure or fluid overload, cyanotic heart disease, cardiomyopathy, primary pulmonary hypertension, intubated for status </a:t>
-            </a:r>
-            <a:r>
-              <a:rPr lang="en-US" sz="1600" dirty="0" err="1" smtClean="0"/>
-              <a:t>asthmaticus</a:t>
-            </a:r>
-            <a:r>
-              <a:rPr lang="en-US" sz="1600" dirty="0" smtClean="0"/>
-              <a:t>, obstructive airway disease, active air leak, bronchiolitis obliterans, post hematopoietic stem cell transplant, post lung transplant, home ventilator or home oxygen dependent… </a:t>
-            </a:r>
-            <a:endParaRPr lang="en-US" sz="1600" dirty="0"/>
-          </a:p>
-        </p:txBody>
-      </p:sp>
-    </p:spTree>
-    <p:extLst>
-      <p:ext uri="{BB962C8B-B14F-4D97-AF65-F5344CB8AC3E}">
-        <p14:creationId xmlns:p14="http://schemas.microsoft.com/office/powerpoint/2010/main" val="2740527486"/>
-      </p:ext>
-    </p:extLst>
-  </p:cSld>
-  <p:clrMapOvr>
-    <a:masterClrMapping/>
-  </p:clrMapOvr>
-</p:sld>
-</file>
-
-<file path=ppt/slides/slide19.xml><?xml version="1.0" encoding="utf-8"?>
-<p:sld xmlns:a="http://schemas.openxmlformats.org/drawingml/2006/main" xmlns:r="http://schemas.openxmlformats.org/officeDocument/2006/relationships" xmlns:p="http://schemas.openxmlformats.org/presentationml/2006/main">
-  <p:cSld>
-    <p:spTree>
-      <p:nvGrpSpPr>
-        <p:cNvPr id="1" name=""/>
-        <p:cNvGrpSpPr/>
-        <p:nvPr/>
-      </p:nvGrpSpPr>
-      <p:grpSpPr>
-        <a:xfrm>
-          <a:off x="0" y="0"/>
-          <a:ext cx="0" cy="0"/>
-          <a:chOff x="0" y="0"/>
-          <a:chExt cx="0" cy="0"/>
-        </a:xfrm>
-      </p:grpSpPr>
-      <p:sp>
-        <p:nvSpPr>
-          <p:cNvPr id="4" name="Title 1"/>
-          <p:cNvSpPr txBox="1">
-            <a:spLocks/>
-          </p:cNvSpPr>
-          <p:nvPr/>
-        </p:nvSpPr>
-        <p:spPr>
-          <a:xfrm>
-            <a:off x="753534" y="187326"/>
-            <a:ext cx="10515600" cy="921808"/>
-          </a:xfrm>
-          <a:prstGeom prst="rect">
-            <a:avLst/>
-          </a:prstGeom>
-        </p:spPr>
-        <p:txBody>
-          <a:bodyPr vert="horz" lIns="91440" tIns="45720" rIns="91440" bIns="45720" rtlCol="0" anchor="ctr">
-            <a:normAutofit fontScale="97500"/>
-          </a:bodyPr>
-          <a:lstStyle>
-            <a:lvl1pPr algn="l" defTabSz="914400" rtl="0" eaLnBrk="1" latinLnBrk="0" hangingPunct="1">
-              <a:lnSpc>
-                <a:spcPct val="90000"/>
-              </a:lnSpc>
-              <a:spcBef>
-                <a:spcPct val="0"/>
-              </a:spcBef>
-              <a:buNone/>
-              <a:defRPr sz="4400" kern="1200">
-                <a:solidFill>
-                  <a:schemeClr val="tx1"/>
-                </a:solidFill>
-                <a:latin typeface="+mj-lt"/>
-                <a:ea typeface="+mj-ea"/>
-                <a:cs typeface="+mj-cs"/>
-              </a:defRPr>
-            </a:lvl1pPr>
-          </a:lstStyle>
-          <a:p>
-            <a:r>
-              <a:rPr lang="en-US" sz="3800" b="1" dirty="0" err="1" smtClean="0">
-                <a:solidFill>
-                  <a:srgbClr val="0070C0"/>
-                </a:solidFill>
-              </a:rPr>
-              <a:t>PROSpect</a:t>
-            </a:r>
-            <a:r>
-              <a:rPr lang="en-US" sz="3800" dirty="0" smtClean="0">
-                <a:solidFill>
-                  <a:srgbClr val="0070C0"/>
-                </a:solidFill>
-              </a:rPr>
-              <a:t>: </a:t>
-            </a:r>
-            <a:r>
-              <a:rPr lang="en-US" sz="3800" b="1" dirty="0" err="1" smtClean="0">
-                <a:solidFill>
-                  <a:srgbClr val="0070C0"/>
-                </a:solidFill>
-              </a:rPr>
-              <a:t>PR</a:t>
-            </a:r>
-            <a:r>
-              <a:rPr lang="en-US" sz="3800" dirty="0" err="1" smtClean="0">
-                <a:solidFill>
-                  <a:srgbClr val="0070C0"/>
-                </a:solidFill>
-              </a:rPr>
-              <a:t>one</a:t>
-            </a:r>
-            <a:r>
-              <a:rPr lang="en-US" sz="3800" dirty="0" smtClean="0">
-                <a:solidFill>
-                  <a:srgbClr val="0070C0"/>
-                </a:solidFill>
-              </a:rPr>
-              <a:t> and </a:t>
-            </a:r>
-            <a:r>
-              <a:rPr lang="en-US" sz="3800" b="1" dirty="0" err="1" smtClean="0">
-                <a:solidFill>
-                  <a:srgbClr val="0070C0"/>
-                </a:solidFill>
-              </a:rPr>
-              <a:t>OS</a:t>
-            </a:r>
-            <a:r>
-              <a:rPr lang="en-US" sz="3800" dirty="0" err="1" smtClean="0">
-                <a:solidFill>
-                  <a:srgbClr val="0070C0"/>
-                </a:solidFill>
-              </a:rPr>
-              <a:t>cillation</a:t>
-            </a:r>
-            <a:r>
-              <a:rPr lang="en-US" sz="3800" dirty="0" smtClean="0">
-                <a:solidFill>
-                  <a:srgbClr val="0070C0"/>
-                </a:solidFill>
-              </a:rPr>
-              <a:t> </a:t>
-            </a:r>
-            <a:r>
-              <a:rPr lang="en-US" sz="3800" b="1" dirty="0" err="1" smtClean="0">
-                <a:solidFill>
-                  <a:srgbClr val="0070C0"/>
-                </a:solidFill>
-              </a:rPr>
-              <a:t>PE</a:t>
-            </a:r>
-            <a:r>
-              <a:rPr lang="en-US" sz="3800" dirty="0" err="1" smtClean="0">
-                <a:solidFill>
-                  <a:srgbClr val="0070C0"/>
-                </a:solidFill>
-              </a:rPr>
-              <a:t>diatric</a:t>
-            </a:r>
-            <a:r>
-              <a:rPr lang="en-US" sz="3800" dirty="0" smtClean="0">
-                <a:solidFill>
-                  <a:srgbClr val="0070C0"/>
-                </a:solidFill>
-              </a:rPr>
-              <a:t> </a:t>
-            </a:r>
-            <a:r>
-              <a:rPr lang="en-US" sz="3800" b="1" dirty="0" smtClean="0">
-                <a:solidFill>
-                  <a:srgbClr val="0070C0"/>
-                </a:solidFill>
-              </a:rPr>
-              <a:t>C</a:t>
-            </a:r>
-            <a:r>
-              <a:rPr lang="en-US" sz="3800" dirty="0" smtClean="0">
-                <a:solidFill>
-                  <a:srgbClr val="0070C0"/>
-                </a:solidFill>
-              </a:rPr>
-              <a:t>linical </a:t>
-            </a:r>
-            <a:r>
-              <a:rPr lang="en-US" sz="3800" b="1" dirty="0" smtClean="0">
-                <a:solidFill>
-                  <a:srgbClr val="0070C0"/>
-                </a:solidFill>
-              </a:rPr>
-              <a:t>T</a:t>
-            </a:r>
-            <a:r>
-              <a:rPr lang="en-US" sz="3800" dirty="0" smtClean="0">
-                <a:solidFill>
-                  <a:srgbClr val="0070C0"/>
-                </a:solidFill>
-              </a:rPr>
-              <a:t>rial</a:t>
-            </a:r>
-            <a:endParaRPr lang="en-US" sz="4000" dirty="0">
-              <a:solidFill>
-                <a:srgbClr val="0070C0"/>
-              </a:solidFill>
-            </a:endParaRPr>
-          </a:p>
-        </p:txBody>
-      </p:sp>
-      <p:pic>
-        <p:nvPicPr>
-          <p:cNvPr id="5" name="Picture 4"/>
-          <p:cNvPicPr>
-            <a:picLocks noChangeAspect="1"/>
-          </p:cNvPicPr>
-          <p:nvPr/>
-        </p:nvPicPr>
-        <p:blipFill>
-          <a:blip r:embed="rId2"/>
-          <a:stretch>
-            <a:fillRect/>
-          </a:stretch>
-        </p:blipFill>
-        <p:spPr>
-          <a:xfrm>
-            <a:off x="2897029" y="1556944"/>
-            <a:ext cx="4851620" cy="2889983"/>
-          </a:xfrm>
-          <a:prstGeom prst="rect">
-            <a:avLst/>
-          </a:prstGeom>
-        </p:spPr>
-      </p:pic>
-      <p:pic>
-        <p:nvPicPr>
-          <p:cNvPr id="6" name="Picture 5"/>
-          <p:cNvPicPr>
-            <a:picLocks noChangeAspect="1"/>
-          </p:cNvPicPr>
-          <p:nvPr/>
-        </p:nvPicPr>
-        <p:blipFill>
-          <a:blip r:embed="rId3"/>
-          <a:stretch>
-            <a:fillRect/>
-          </a:stretch>
-        </p:blipFill>
-        <p:spPr>
-          <a:xfrm>
-            <a:off x="207818" y="5155994"/>
-            <a:ext cx="11706665" cy="681531"/>
-          </a:xfrm>
-          <a:prstGeom prst="rect">
-            <a:avLst/>
-          </a:prstGeom>
-        </p:spPr>
-      </p:pic>
-    </p:spTree>
-    <p:extLst>
-      <p:ext uri="{BB962C8B-B14F-4D97-AF65-F5344CB8AC3E}">
-        <p14:creationId xmlns:p14="http://schemas.microsoft.com/office/powerpoint/2010/main" val="2170141474"/>
-      </p:ext>
-    </p:extLst>
-  </p:cSld>
-  <p:clrMapOvr>
-    <a:masterClrMapping/>
-  </p:clrMapOvr>
 </p:sld>
 </file>
 
@@ -7138,6 +6691,522 @@
       </p:grpSpPr>
       <p:sp>
         <p:nvSpPr>
+          <p:cNvPr id="5" name="Title 1"/>
+          <p:cNvSpPr txBox="1">
+            <a:spLocks/>
+          </p:cNvSpPr>
+          <p:nvPr/>
+        </p:nvSpPr>
+        <p:spPr>
+          <a:xfrm>
+            <a:off x="753534" y="187326"/>
+            <a:ext cx="10515600" cy="921808"/>
+          </a:xfrm>
+          <a:prstGeom prst="rect">
+            <a:avLst/>
+          </a:prstGeom>
+        </p:spPr>
+        <p:txBody>
+          <a:bodyPr vert="horz" lIns="91440" tIns="45720" rIns="91440" bIns="45720" rtlCol="0" anchor="ctr">
+            <a:normAutofit fontScale="97500"/>
+          </a:bodyPr>
+          <a:lstStyle>
+            <a:lvl1pPr algn="l" defTabSz="914400" rtl="0" eaLnBrk="1" latinLnBrk="0" hangingPunct="1">
+              <a:lnSpc>
+                <a:spcPct val="90000"/>
+              </a:lnSpc>
+              <a:spcBef>
+                <a:spcPct val="0"/>
+              </a:spcBef>
+              <a:buNone/>
+              <a:defRPr sz="4400" kern="1200">
+                <a:solidFill>
+                  <a:schemeClr val="tx1"/>
+                </a:solidFill>
+                <a:latin typeface="+mj-lt"/>
+                <a:ea typeface="+mj-ea"/>
+                <a:cs typeface="+mj-cs"/>
+              </a:defRPr>
+            </a:lvl1pPr>
+          </a:lstStyle>
+          <a:p>
+            <a:r>
+              <a:rPr lang="en-US" sz="3800" b="1" dirty="0" err="1" smtClean="0">
+                <a:solidFill>
+                  <a:srgbClr val="0070C0"/>
+                </a:solidFill>
+              </a:rPr>
+              <a:t>PROSpect</a:t>
+            </a:r>
+            <a:r>
+              <a:rPr lang="en-US" sz="3800" dirty="0" smtClean="0">
+                <a:solidFill>
+                  <a:srgbClr val="0070C0"/>
+                </a:solidFill>
+              </a:rPr>
+              <a:t>: </a:t>
+            </a:r>
+            <a:r>
+              <a:rPr lang="en-US" sz="3800" b="1" dirty="0" err="1" smtClean="0">
+                <a:solidFill>
+                  <a:srgbClr val="0070C0"/>
+                </a:solidFill>
+              </a:rPr>
+              <a:t>PR</a:t>
+            </a:r>
+            <a:r>
+              <a:rPr lang="en-US" sz="3800" dirty="0" err="1" smtClean="0">
+                <a:solidFill>
+                  <a:srgbClr val="0070C0"/>
+                </a:solidFill>
+              </a:rPr>
+              <a:t>one</a:t>
+            </a:r>
+            <a:r>
+              <a:rPr lang="en-US" sz="3800" dirty="0" smtClean="0">
+                <a:solidFill>
+                  <a:srgbClr val="0070C0"/>
+                </a:solidFill>
+              </a:rPr>
+              <a:t> and </a:t>
+            </a:r>
+            <a:r>
+              <a:rPr lang="en-US" sz="3800" b="1" dirty="0" err="1" smtClean="0">
+                <a:solidFill>
+                  <a:srgbClr val="0070C0"/>
+                </a:solidFill>
+              </a:rPr>
+              <a:t>OS</a:t>
+            </a:r>
+            <a:r>
+              <a:rPr lang="en-US" sz="3800" dirty="0" err="1" smtClean="0">
+                <a:solidFill>
+                  <a:srgbClr val="0070C0"/>
+                </a:solidFill>
+              </a:rPr>
+              <a:t>cillation</a:t>
+            </a:r>
+            <a:r>
+              <a:rPr lang="en-US" sz="3800" dirty="0" smtClean="0">
+                <a:solidFill>
+                  <a:srgbClr val="0070C0"/>
+                </a:solidFill>
+              </a:rPr>
+              <a:t> </a:t>
+            </a:r>
+            <a:r>
+              <a:rPr lang="en-US" sz="3800" b="1" dirty="0" err="1" smtClean="0">
+                <a:solidFill>
+                  <a:srgbClr val="0070C0"/>
+                </a:solidFill>
+              </a:rPr>
+              <a:t>PE</a:t>
+            </a:r>
+            <a:r>
+              <a:rPr lang="en-US" sz="3800" dirty="0" err="1" smtClean="0">
+                <a:solidFill>
+                  <a:srgbClr val="0070C0"/>
+                </a:solidFill>
+              </a:rPr>
+              <a:t>diatric</a:t>
+            </a:r>
+            <a:r>
+              <a:rPr lang="en-US" sz="3800" dirty="0" smtClean="0">
+                <a:solidFill>
+                  <a:srgbClr val="0070C0"/>
+                </a:solidFill>
+              </a:rPr>
+              <a:t> </a:t>
+            </a:r>
+            <a:r>
+              <a:rPr lang="en-US" sz="3800" b="1" dirty="0" smtClean="0">
+                <a:solidFill>
+                  <a:srgbClr val="0070C0"/>
+                </a:solidFill>
+              </a:rPr>
+              <a:t>C</a:t>
+            </a:r>
+            <a:r>
+              <a:rPr lang="en-US" sz="3800" dirty="0" smtClean="0">
+                <a:solidFill>
+                  <a:srgbClr val="0070C0"/>
+                </a:solidFill>
+              </a:rPr>
+              <a:t>linical </a:t>
+            </a:r>
+            <a:r>
+              <a:rPr lang="en-US" sz="3800" b="1" dirty="0" smtClean="0">
+                <a:solidFill>
+                  <a:srgbClr val="0070C0"/>
+                </a:solidFill>
+              </a:rPr>
+              <a:t>T</a:t>
+            </a:r>
+            <a:r>
+              <a:rPr lang="en-US" sz="3800" dirty="0" smtClean="0">
+                <a:solidFill>
+                  <a:srgbClr val="0070C0"/>
+                </a:solidFill>
+              </a:rPr>
+              <a:t>rial</a:t>
+            </a:r>
+            <a:endParaRPr lang="en-US" sz="4000" dirty="0">
+              <a:solidFill>
+                <a:srgbClr val="0070C0"/>
+              </a:solidFill>
+            </a:endParaRPr>
+          </a:p>
+        </p:txBody>
+      </p:sp>
+      <p:pic>
+        <p:nvPicPr>
+          <p:cNvPr id="6" name="Picture 5"/>
+          <p:cNvPicPr>
+            <a:picLocks noChangeAspect="1"/>
+          </p:cNvPicPr>
+          <p:nvPr/>
+        </p:nvPicPr>
+        <p:blipFill>
+          <a:blip r:embed="rId2"/>
+          <a:stretch>
+            <a:fillRect/>
+          </a:stretch>
+        </p:blipFill>
+        <p:spPr>
+          <a:xfrm>
+            <a:off x="2196384" y="1002256"/>
+            <a:ext cx="7281711" cy="4233553"/>
+          </a:xfrm>
+          <a:prstGeom prst="rect">
+            <a:avLst/>
+          </a:prstGeom>
+        </p:spPr>
+      </p:pic>
+      <p:sp>
+        <p:nvSpPr>
+          <p:cNvPr id="9" name="TextBox 8"/>
+          <p:cNvSpPr txBox="1"/>
+          <p:nvPr/>
+        </p:nvSpPr>
+        <p:spPr>
+          <a:xfrm>
+            <a:off x="213755" y="5503277"/>
+            <a:ext cx="11744697" cy="1077218"/>
+          </a:xfrm>
+          <a:prstGeom prst="rect">
+            <a:avLst/>
+          </a:prstGeom>
+          <a:noFill/>
+        </p:spPr>
+        <p:txBody>
+          <a:bodyPr wrap="square" rtlCol="0">
+            <a:spAutoFit/>
+          </a:bodyPr>
+          <a:lstStyle/>
+          <a:p>
+            <a:r>
+              <a:rPr lang="en-US" sz="1600" dirty="0" smtClean="0"/>
+              <a:t>Exclusion criteria: previous enrollment in </a:t>
+            </a:r>
+            <a:r>
+              <a:rPr lang="en-US" sz="1600" dirty="0" err="1" smtClean="0"/>
+              <a:t>PROSpect</a:t>
+            </a:r>
+            <a:r>
+              <a:rPr lang="en-US" sz="1600" dirty="0" smtClean="0"/>
+              <a:t>, perinatal related lung disease, congenital diaphragmatic hernia or congenital/acquired diaphragm paralysis, respiratory failure explained by cardiac failure or fluid overload, cyanotic heart disease, cardiomyopathy, primary pulmonary hypertension, intubated for status </a:t>
+            </a:r>
+            <a:r>
+              <a:rPr lang="en-US" sz="1600" dirty="0" err="1" smtClean="0"/>
+              <a:t>asthmaticus</a:t>
+            </a:r>
+            <a:r>
+              <a:rPr lang="en-US" sz="1600" dirty="0" smtClean="0"/>
+              <a:t>, obstructive airway disease, active air leak, bronchiolitis obliterans, post hematopoietic stem cell transplant, post lung transplant, home ventilator or home oxygen dependent… </a:t>
+            </a:r>
+            <a:endParaRPr lang="en-US" sz="1600" dirty="0"/>
+          </a:p>
+        </p:txBody>
+      </p:sp>
+    </p:spTree>
+    <p:extLst>
+      <p:ext uri="{BB962C8B-B14F-4D97-AF65-F5344CB8AC3E}">
+        <p14:creationId xmlns:p14="http://schemas.microsoft.com/office/powerpoint/2010/main" val="2740527486"/>
+      </p:ext>
+    </p:extLst>
+  </p:cSld>
+  <p:clrMapOvr>
+    <a:masterClrMapping/>
+  </p:clrMapOvr>
+</p:sld>
+</file>
+
+<file path=ppt/slides/slide21.xml><?xml version="1.0" encoding="utf-8"?>
+<p:sld xmlns:a="http://schemas.openxmlformats.org/drawingml/2006/main" xmlns:r="http://schemas.openxmlformats.org/officeDocument/2006/relationships" xmlns:p="http://schemas.openxmlformats.org/presentationml/2006/main">
+  <p:cSld>
+    <p:spTree>
+      <p:nvGrpSpPr>
+        <p:cNvPr id="1" name=""/>
+        <p:cNvGrpSpPr/>
+        <p:nvPr/>
+      </p:nvGrpSpPr>
+      <p:grpSpPr>
+        <a:xfrm>
+          <a:off x="0" y="0"/>
+          <a:ext cx="0" cy="0"/>
+          <a:chOff x="0" y="0"/>
+          <a:chExt cx="0" cy="0"/>
+        </a:xfrm>
+      </p:grpSpPr>
+      <p:sp>
+        <p:nvSpPr>
+          <p:cNvPr id="4" name="Title 1"/>
+          <p:cNvSpPr txBox="1">
+            <a:spLocks/>
+          </p:cNvSpPr>
+          <p:nvPr/>
+        </p:nvSpPr>
+        <p:spPr>
+          <a:xfrm>
+            <a:off x="753534" y="187326"/>
+            <a:ext cx="10515600" cy="921808"/>
+          </a:xfrm>
+          <a:prstGeom prst="rect">
+            <a:avLst/>
+          </a:prstGeom>
+        </p:spPr>
+        <p:txBody>
+          <a:bodyPr vert="horz" lIns="91440" tIns="45720" rIns="91440" bIns="45720" rtlCol="0" anchor="ctr">
+            <a:normAutofit fontScale="97500"/>
+          </a:bodyPr>
+          <a:lstStyle>
+            <a:lvl1pPr algn="l" defTabSz="914400" rtl="0" eaLnBrk="1" latinLnBrk="0" hangingPunct="1">
+              <a:lnSpc>
+                <a:spcPct val="90000"/>
+              </a:lnSpc>
+              <a:spcBef>
+                <a:spcPct val="0"/>
+              </a:spcBef>
+              <a:buNone/>
+              <a:defRPr sz="4400" kern="1200">
+                <a:solidFill>
+                  <a:schemeClr val="tx1"/>
+                </a:solidFill>
+                <a:latin typeface="+mj-lt"/>
+                <a:ea typeface="+mj-ea"/>
+                <a:cs typeface="+mj-cs"/>
+              </a:defRPr>
+            </a:lvl1pPr>
+          </a:lstStyle>
+          <a:p>
+            <a:r>
+              <a:rPr lang="en-US" sz="3800" b="1" dirty="0" err="1" smtClean="0">
+                <a:solidFill>
+                  <a:srgbClr val="0070C0"/>
+                </a:solidFill>
+              </a:rPr>
+              <a:t>PROSpect</a:t>
+            </a:r>
+            <a:r>
+              <a:rPr lang="en-US" sz="3800" dirty="0" smtClean="0">
+                <a:solidFill>
+                  <a:srgbClr val="0070C0"/>
+                </a:solidFill>
+              </a:rPr>
+              <a:t>: </a:t>
+            </a:r>
+            <a:r>
+              <a:rPr lang="en-US" sz="3800" b="1" dirty="0" err="1" smtClean="0">
+                <a:solidFill>
+                  <a:srgbClr val="0070C0"/>
+                </a:solidFill>
+              </a:rPr>
+              <a:t>PR</a:t>
+            </a:r>
+            <a:r>
+              <a:rPr lang="en-US" sz="3800" dirty="0" err="1" smtClean="0">
+                <a:solidFill>
+                  <a:srgbClr val="0070C0"/>
+                </a:solidFill>
+              </a:rPr>
+              <a:t>one</a:t>
+            </a:r>
+            <a:r>
+              <a:rPr lang="en-US" sz="3800" dirty="0" smtClean="0">
+                <a:solidFill>
+                  <a:srgbClr val="0070C0"/>
+                </a:solidFill>
+              </a:rPr>
+              <a:t> and </a:t>
+            </a:r>
+            <a:r>
+              <a:rPr lang="en-US" sz="3800" b="1" dirty="0" err="1" smtClean="0">
+                <a:solidFill>
+                  <a:srgbClr val="0070C0"/>
+                </a:solidFill>
+              </a:rPr>
+              <a:t>OS</a:t>
+            </a:r>
+            <a:r>
+              <a:rPr lang="en-US" sz="3800" dirty="0" err="1" smtClean="0">
+                <a:solidFill>
+                  <a:srgbClr val="0070C0"/>
+                </a:solidFill>
+              </a:rPr>
+              <a:t>cillation</a:t>
+            </a:r>
+            <a:r>
+              <a:rPr lang="en-US" sz="3800" dirty="0" smtClean="0">
+                <a:solidFill>
+                  <a:srgbClr val="0070C0"/>
+                </a:solidFill>
+              </a:rPr>
+              <a:t> </a:t>
+            </a:r>
+            <a:r>
+              <a:rPr lang="en-US" sz="3800" b="1" dirty="0" err="1" smtClean="0">
+                <a:solidFill>
+                  <a:srgbClr val="0070C0"/>
+                </a:solidFill>
+              </a:rPr>
+              <a:t>PE</a:t>
+            </a:r>
+            <a:r>
+              <a:rPr lang="en-US" sz="3800" dirty="0" err="1" smtClean="0">
+                <a:solidFill>
+                  <a:srgbClr val="0070C0"/>
+                </a:solidFill>
+              </a:rPr>
+              <a:t>diatric</a:t>
+            </a:r>
+            <a:r>
+              <a:rPr lang="en-US" sz="3800" dirty="0" smtClean="0">
+                <a:solidFill>
+                  <a:srgbClr val="0070C0"/>
+                </a:solidFill>
+              </a:rPr>
+              <a:t> </a:t>
+            </a:r>
+            <a:r>
+              <a:rPr lang="en-US" sz="3800" b="1" dirty="0" smtClean="0">
+                <a:solidFill>
+                  <a:srgbClr val="0070C0"/>
+                </a:solidFill>
+              </a:rPr>
+              <a:t>C</a:t>
+            </a:r>
+            <a:r>
+              <a:rPr lang="en-US" sz="3800" dirty="0" smtClean="0">
+                <a:solidFill>
+                  <a:srgbClr val="0070C0"/>
+                </a:solidFill>
+              </a:rPr>
+              <a:t>linical </a:t>
+            </a:r>
+            <a:r>
+              <a:rPr lang="en-US" sz="3800" b="1" dirty="0" smtClean="0">
+                <a:solidFill>
+                  <a:srgbClr val="0070C0"/>
+                </a:solidFill>
+              </a:rPr>
+              <a:t>T</a:t>
+            </a:r>
+            <a:r>
+              <a:rPr lang="en-US" sz="3800" dirty="0" smtClean="0">
+                <a:solidFill>
+                  <a:srgbClr val="0070C0"/>
+                </a:solidFill>
+              </a:rPr>
+              <a:t>rial</a:t>
+            </a:r>
+            <a:endParaRPr lang="en-US" sz="4000" dirty="0">
+              <a:solidFill>
+                <a:srgbClr val="0070C0"/>
+              </a:solidFill>
+            </a:endParaRPr>
+          </a:p>
+        </p:txBody>
+      </p:sp>
+      <p:pic>
+        <p:nvPicPr>
+          <p:cNvPr id="5" name="Picture 4"/>
+          <p:cNvPicPr>
+            <a:picLocks noChangeAspect="1"/>
+          </p:cNvPicPr>
+          <p:nvPr/>
+        </p:nvPicPr>
+        <p:blipFill>
+          <a:blip r:embed="rId2"/>
+          <a:stretch>
+            <a:fillRect/>
+          </a:stretch>
+        </p:blipFill>
+        <p:spPr>
+          <a:xfrm>
+            <a:off x="2897029" y="1556944"/>
+            <a:ext cx="4851620" cy="2889983"/>
+          </a:xfrm>
+          <a:prstGeom prst="rect">
+            <a:avLst/>
+          </a:prstGeom>
+        </p:spPr>
+      </p:pic>
+      <p:pic>
+        <p:nvPicPr>
+          <p:cNvPr id="6" name="Picture 5"/>
+          <p:cNvPicPr>
+            <a:picLocks noChangeAspect="1"/>
+          </p:cNvPicPr>
+          <p:nvPr/>
+        </p:nvPicPr>
+        <p:blipFill>
+          <a:blip r:embed="rId3"/>
+          <a:stretch>
+            <a:fillRect/>
+          </a:stretch>
+        </p:blipFill>
+        <p:spPr>
+          <a:xfrm>
+            <a:off x="207818" y="5155994"/>
+            <a:ext cx="11706665" cy="681531"/>
+          </a:xfrm>
+          <a:prstGeom prst="rect">
+            <a:avLst/>
+          </a:prstGeom>
+        </p:spPr>
+      </p:pic>
+    </p:spTree>
+    <p:extLst>
+      <p:ext uri="{BB962C8B-B14F-4D97-AF65-F5344CB8AC3E}">
+        <p14:creationId xmlns:p14="http://schemas.microsoft.com/office/powerpoint/2010/main" val="2170141474"/>
+      </p:ext>
+    </p:extLst>
+  </p:cSld>
+  <p:clrMapOvr>
+    <a:masterClrMapping/>
+  </p:clrMapOvr>
+</p:sld>
+</file>
+
+<file path=ppt/slides/slide22.xml><?xml version="1.0" encoding="utf-8"?>
+<p:sld xmlns:a="http://schemas.openxmlformats.org/drawingml/2006/main" xmlns:r="http://schemas.openxmlformats.org/officeDocument/2006/relationships" xmlns:p="http://schemas.openxmlformats.org/presentationml/2006/main">
+  <p:cSld>
+    <p:spTree>
+      <p:nvGrpSpPr>
+        <p:cNvPr id="1" name=""/>
+        <p:cNvGrpSpPr/>
+        <p:nvPr/>
+      </p:nvGrpSpPr>
+      <p:grpSpPr>
+        <a:xfrm>
+          <a:off x="0" y="0"/>
+          <a:ext cx="0" cy="0"/>
+          <a:chOff x="0" y="0"/>
+          <a:chExt cx="0" cy="0"/>
+        </a:xfrm>
+      </p:grpSpPr>
+      <p:sp>
+        <p:nvSpPr>
           <p:cNvPr id="2" name="Title 1"/>
           <p:cNvSpPr>
             <a:spLocks noGrp="1"/>
@@ -7264,7 +7333,7 @@
 </p:sld>
 </file>
 
-<file path=ppt/slides/slide21.xml><?xml version="1.0" encoding="utf-8"?>
+<file path=ppt/slides/slide23.xml><?xml version="1.0" encoding="utf-8"?>
 <p:sld xmlns:a="http://schemas.openxmlformats.org/drawingml/2006/main" xmlns:r="http://schemas.openxmlformats.org/officeDocument/2006/relationships" xmlns:p="http://schemas.openxmlformats.org/presentationml/2006/main">
   <p:cSld>
     <p:spTree>
@@ -7496,7 +7565,7 @@
 </p:sld>
 </file>
 
-<file path=ppt/slides/slide22.xml><?xml version="1.0" encoding="utf-8"?>
+<file path=ppt/slides/slide24.xml><?xml version="1.0" encoding="utf-8"?>
 <p:sld xmlns:a="http://schemas.openxmlformats.org/drawingml/2006/main" xmlns:r="http://schemas.openxmlformats.org/officeDocument/2006/relationships" xmlns:p="http://schemas.openxmlformats.org/presentationml/2006/main">
   <p:cSld>
     <p:spTree>
@@ -7595,7 +7664,7 @@
 </p:sld>
 </file>
 
-<file path=ppt/slides/slide23.xml><?xml version="1.0" encoding="utf-8"?>
+<file path=ppt/slides/slide25.xml><?xml version="1.0" encoding="utf-8"?>
 <p:sld xmlns:a="http://schemas.openxmlformats.org/drawingml/2006/main" xmlns:r="http://schemas.openxmlformats.org/officeDocument/2006/relationships" xmlns:p="http://schemas.openxmlformats.org/presentationml/2006/main">
   <p:cSld>
     <p:spTree>
@@ -7624,8 +7693,8 @@
         </p:nvSpPr>
         <p:spPr>
           <a:xfrm>
-            <a:off x="838200" y="365126"/>
-            <a:ext cx="10515600" cy="804594"/>
+            <a:off x="288758" y="115137"/>
+            <a:ext cx="11682134" cy="1609684"/>
           </a:xfrm>
         </p:spPr>
         <p:txBody>
@@ -7635,20 +7704,36 @@
           <a:lstStyle/>
           <a:p>
             <a:r>
+              <a:rPr lang="en-US" sz="3800" b="1" i="1" dirty="0" smtClean="0">
+                <a:solidFill>
+                  <a:srgbClr val="0070C0"/>
+                </a:solidFill>
+              </a:rPr>
+              <a:t>Mathematica</a:t>
+            </a:r>
+            <a:r>
+              <a:rPr lang="en-US" sz="3800" dirty="0" smtClean="0">
+                <a:solidFill>
+                  <a:srgbClr val="0070C0"/>
+                </a:solidFill>
+              </a:rPr>
+              <a:t>: </a:t>
+            </a:r>
+            <a:r>
               <a:rPr lang="en-US" sz="3200" dirty="0">
                 <a:solidFill>
                   <a:srgbClr val="0070C0"/>
                 </a:solidFill>
               </a:rPr>
-              <a:t>Clinical </a:t>
-            </a:r>
-            <a:r>
-              <a:rPr lang="en-US" sz="3200" dirty="0" smtClean="0">
+              <a:t>Assessing a Clinical Quality Measure for ADHD of </a:t>
+            </a:r>
+            <a:r>
+              <a:rPr lang="en-US" sz="3200" dirty="0">
                 <a:solidFill>
                   <a:srgbClr val="0070C0"/>
                 </a:solidFill>
               </a:rPr>
-              <a:t>Trials </a:t>
+              <a:t>Symptom Change </a:t>
             </a:r>
             <a:r>
               <a:rPr lang="en-US" sz="3200" dirty="0">
@@ -7656,72 +7741,27 @@
                   <a:srgbClr val="0070C0"/>
                 </a:solidFill>
               </a:rPr>
-              <a:t>&amp; Other Research Studies Supported by the CDW</a:t>
+              <a:t>in Order to Detect Symptom Reduction and </a:t>
+            </a:r>
+            <a:r>
+              <a:rPr lang="en-US" sz="3200" dirty="0">
+                <a:solidFill>
+                  <a:srgbClr val="0070C0"/>
+                </a:solidFill>
+              </a:rPr>
+              <a:t>to Examine </a:t>
+            </a:r>
+            <a:r>
+              <a:rPr lang="en-US" sz="3200" dirty="0">
+                <a:solidFill>
+                  <a:srgbClr val="0070C0"/>
+                </a:solidFill>
+              </a:rPr>
+              <a:t>Differences Across Clinics</a:t>
             </a:r>
           </a:p>
         </p:txBody>
       </p:sp>
-      <p:sp>
-        <p:nvSpPr>
-          <p:cNvPr id="7" name="Content Placeholder 6"/>
-          <p:cNvSpPr>
-            <a:spLocks noGrp="1"/>
-          </p:cNvSpPr>
-          <p:nvPr>
-            <p:ph idx="1"/>
-          </p:nvPr>
-        </p:nvSpPr>
-        <p:spPr/>
-        <p:txBody>
-          <a:bodyPr/>
-          <a:lstStyle/>
-          <a:p>
-            <a:r>
-              <a:rPr lang="en-US" dirty="0" smtClean="0"/>
-              <a:t>CDW Project </a:t>
-            </a:r>
-            <a:r>
-              <a:rPr lang="en-US" dirty="0" smtClean="0"/>
-              <a:t>Short Title</a:t>
-            </a:r>
-            <a:r>
-              <a:rPr lang="en-US" dirty="0" smtClean="0"/>
-              <a:t>, PI Name, Department</a:t>
-            </a:r>
-            <a:endParaRPr lang="en-US" dirty="0"/>
-          </a:p>
-        </p:txBody>
-      </p:sp>
-    </p:spTree>
-    <p:extLst>
-      <p:ext uri="{BB962C8B-B14F-4D97-AF65-F5344CB8AC3E}">
-        <p14:creationId xmlns:p14="http://schemas.microsoft.com/office/powerpoint/2010/main" val="1434608898"/>
-      </p:ext>
-    </p:extLst>
-  </p:cSld>
-  <p:clrMapOvr>
-    <a:masterClrMapping/>
-  </p:clrMapOvr>
-</p:sld>
-</file>
-
-<file path=ppt/slides/slide24.xml><?xml version="1.0" encoding="utf-8"?>
-<p:sld xmlns:a="http://schemas.openxmlformats.org/drawingml/2006/main" xmlns:r="http://schemas.openxmlformats.org/officeDocument/2006/relationships" xmlns:p="http://schemas.openxmlformats.org/presentationml/2006/main">
-  <p:cSld>
-    <p:spTree>
-      <p:nvGrpSpPr>
-        <p:cNvPr id="1" name=""/>
-        <p:cNvGrpSpPr/>
-        <p:nvPr/>
-      </p:nvGrpSpPr>
-      <p:grpSpPr>
-        <a:xfrm>
-          <a:off x="0" y="0"/>
-          <a:ext cx="0" cy="0"/>
-          <a:chOff x="0" y="0"/>
-          <a:chExt cx="0" cy="0"/>
-        </a:xfrm>
-      </p:grpSpPr>
       <p:sp>
         <p:nvSpPr>
           <p:cNvPr id="3" name="Content Placeholder 2"/>
@@ -7734,105 +7774,135 @@
         </p:nvSpPr>
         <p:spPr>
           <a:xfrm>
-            <a:off x="838200" y="1285298"/>
-            <a:ext cx="10515600" cy="4351338"/>
+            <a:off x="185292" y="1981200"/>
+            <a:ext cx="11785600" cy="4785077"/>
           </a:xfrm>
         </p:spPr>
         <p:txBody>
-          <a:bodyPr/>
+          <a:bodyPr>
+            <a:normAutofit lnSpcReduction="10000"/>
+          </a:bodyPr>
           <a:lstStyle/>
           <a:p>
             <a:r>
-              <a:rPr lang="en-US" dirty="0" smtClean="0"/>
-              <a:t>Daily reports for rolling eligibility</a:t>
-            </a:r>
-          </a:p>
-          <a:p>
-            <a:pPr lvl="1"/>
-            <a:r>
-              <a:rPr lang="en-US" dirty="0" smtClean="0"/>
-              <a:t>Generating a list of candidates</a:t>
-            </a:r>
-          </a:p>
-          <a:p>
-            <a:pPr lvl="1"/>
-            <a:r>
-              <a:rPr lang="en-US" dirty="0" smtClean="0"/>
-              <a:t>Remembering study team’s assessment of eligibility as well as the participant’s response</a:t>
-            </a:r>
-          </a:p>
-          <a:p>
-            <a:r>
-              <a:rPr lang="en-US" dirty="0" smtClean="0"/>
-              <a:t>Clinical outcomes for retrospective investigations</a:t>
-            </a:r>
-          </a:p>
-          <a:p>
-            <a:r>
-              <a:rPr lang="en-US" dirty="0" smtClean="0"/>
-              <a:t>Administrative outcomes for CQI</a:t>
-            </a:r>
-          </a:p>
-          <a:p>
-            <a:endParaRPr lang="en-US" dirty="0" smtClean="0"/>
+              <a:rPr lang="en-US" sz="2700" dirty="0" smtClean="0"/>
+              <a:t>To </a:t>
+            </a:r>
+            <a:r>
+              <a:rPr lang="en-US" sz="2700" dirty="0"/>
+              <a:t>assist ONC with the continued development, electronic specification, testing and maintenance of the electronic clinical quality measure (</a:t>
+            </a:r>
+            <a:r>
+              <a:rPr lang="en-US" sz="2700" dirty="0" err="1"/>
+              <a:t>eCQM</a:t>
+            </a:r>
+            <a:r>
+              <a:rPr lang="en-US" sz="2700" dirty="0" smtClean="0"/>
+              <a:t>)</a:t>
+            </a:r>
+          </a:p>
+          <a:p>
+            <a:endParaRPr lang="en-US" sz="2700" dirty="0" smtClean="0"/>
+          </a:p>
+          <a:p>
+            <a:r>
+              <a:rPr lang="en-US" sz="2700" dirty="0"/>
+              <a:t>As a test site, OUHSC </a:t>
+            </a:r>
+            <a:r>
+              <a:rPr lang="en-US" sz="2700" dirty="0" smtClean="0"/>
+              <a:t>provided </a:t>
+            </a:r>
+            <a:r>
+              <a:rPr lang="en-US" sz="2700" dirty="0"/>
+              <a:t>input and patient-level data to assess the scientific acceptability (reliability and validity), importance (performance gap), feasibility, and usability of a clinical quality-of-care measure, which may be used in federal quality measurement programs. </a:t>
+            </a:r>
+          </a:p>
+          <a:p>
+            <a:endParaRPr lang="en-US" sz="2700" dirty="0" smtClean="0"/>
+          </a:p>
+          <a:p>
+            <a:r>
+              <a:rPr lang="en-US" sz="2700" dirty="0" smtClean="0"/>
+              <a:t>Enrollment </a:t>
+            </a:r>
+            <a:r>
+              <a:rPr lang="en-US" sz="2700" dirty="0"/>
+              <a:t>Criteria: </a:t>
+            </a:r>
+            <a:r>
+              <a:rPr lang="en-US" sz="2700" dirty="0" smtClean="0"/>
+              <a:t>Pediatric patients </a:t>
+            </a:r>
+            <a:r>
+              <a:rPr lang="en-US" sz="2700" dirty="0" smtClean="0"/>
+              <a:t>4 - 18 </a:t>
+            </a:r>
+            <a:r>
+              <a:rPr lang="en-US" sz="2700" dirty="0" smtClean="0"/>
+              <a:t>years of age, </a:t>
+            </a:r>
+            <a:r>
+              <a:rPr lang="en-US" sz="2700" dirty="0" smtClean="0"/>
+              <a:t>with a visit during the measurement period, who have an active diagnosis of ADHD, and have documentation of the mean inattentive and/or hyperactive subtype scores for their baseline screening.</a:t>
+            </a:r>
+            <a:endParaRPr lang="en-US" sz="2700" dirty="0" smtClean="0"/>
           </a:p>
           <a:p>
             <a:endParaRPr lang="en-US" dirty="0"/>
+          </a:p>
+          <a:p>
+            <a:endParaRPr lang="en-US" sz="2800" dirty="0"/>
           </a:p>
         </p:txBody>
       </p:sp>
       <p:sp>
         <p:nvSpPr>
-          <p:cNvPr id="4" name="Title 1"/>
-          <p:cNvSpPr txBox="1">
-            <a:spLocks/>
-          </p:cNvSpPr>
+          <p:cNvPr id="5" name="TextBox 4"/>
+          <p:cNvSpPr txBox="1"/>
           <p:nvPr/>
         </p:nvSpPr>
         <p:spPr>
           <a:xfrm>
-            <a:off x="838200" y="365126"/>
-            <a:ext cx="10515600" cy="804594"/>
+            <a:off x="10368470" y="6388924"/>
+            <a:ext cx="1778885" cy="369332"/>
           </a:xfrm>
           <a:prstGeom prst="rect">
             <a:avLst/>
           </a:prstGeom>
+          <a:noFill/>
         </p:spPr>
         <p:txBody>
-          <a:bodyPr vert="horz" lIns="91440" tIns="45720" rIns="91440" bIns="45720" rtlCol="0" anchor="ctr">
-            <a:normAutofit/>
+          <a:bodyPr wrap="none" rtlCol="0">
+            <a:spAutoFit/>
           </a:bodyPr>
-          <a:lstStyle>
-            <a:lvl1pPr algn="l" defTabSz="914400" rtl="0" eaLnBrk="1" latinLnBrk="0" hangingPunct="1">
-              <a:lnSpc>
-                <a:spcPct val="90000"/>
-              </a:lnSpc>
-              <a:spcBef>
-                <a:spcPct val="0"/>
-              </a:spcBef>
-              <a:buNone/>
-              <a:defRPr sz="4400" kern="1200">
-                <a:solidFill>
-                  <a:schemeClr val="tx1"/>
-                </a:solidFill>
-                <a:latin typeface="+mj-lt"/>
-                <a:ea typeface="+mj-ea"/>
-                <a:cs typeface="+mj-cs"/>
-              </a:defRPr>
-            </a:lvl1pPr>
-          </a:lstStyle>
-          <a:p>
-            <a:r>
-              <a:rPr lang="en-US" sz="3200" dirty="0" smtClean="0">
-                <a:solidFill>
-                  <a:srgbClr val="0070C0"/>
+          <a:lstStyle/>
+          <a:p>
+            <a:r>
+              <a:rPr lang="en-US" dirty="0">
+                <a:solidFill>
+                  <a:schemeClr val="bg1">
+                    <a:lumMod val="75000"/>
+                  </a:schemeClr>
                 </a:solidFill>
               </a:rPr>
-              <a:t>Commonly Requested CDW Support Services</a:t>
-            </a:r>
-            <a:endParaRPr lang="en-US" sz="3200" dirty="0">
+              <a:t>h</a:t>
+            </a:r>
+            <a:r>
+              <a:rPr lang="en-US" dirty="0" smtClean="0">
+                <a:solidFill>
+                  <a:schemeClr val="bg1">
+                    <a:lumMod val="75000"/>
+                  </a:schemeClr>
+                </a:solidFill>
+              </a:rPr>
+              <a:t>enry-intubate-1</a:t>
+            </a:r>
+            <a:endParaRPr lang="en-US" dirty="0">
               <a:solidFill>
-                <a:srgbClr val="0070C0"/>
+                <a:schemeClr val="bg1">
+                  <a:lumMod val="75000"/>
+                </a:schemeClr>
               </a:solidFill>
             </a:endParaRPr>
           </a:p>
@@ -7841,17 +7911,24 @@
     </p:spTree>
     <p:extLst>
       <p:ext uri="{BB962C8B-B14F-4D97-AF65-F5344CB8AC3E}">
-        <p14:creationId xmlns:p14="http://schemas.microsoft.com/office/powerpoint/2010/main" val="1988775386"/>
+        <p14:creationId xmlns:p14="http://schemas.microsoft.com/office/powerpoint/2010/main" val="1968032947"/>
       </p:ext>
     </p:extLst>
   </p:cSld>
   <p:clrMapOvr>
     <a:masterClrMapping/>
   </p:clrMapOvr>
+  <p:timing>
+    <p:tnLst>
+      <p:par>
+        <p:cTn id="1" dur="indefinite" restart="never" nodeType="tmRoot"/>
+      </p:par>
+    </p:tnLst>
+  </p:timing>
 </p:sld>
 </file>
 
-<file path=ppt/slides/slide25.xml><?xml version="1.0" encoding="utf-8"?>
+<file path=ppt/slides/slide26.xml><?xml version="1.0" encoding="utf-8"?>
 <p:sld xmlns:a="http://schemas.openxmlformats.org/drawingml/2006/main" xmlns:r="http://schemas.openxmlformats.org/officeDocument/2006/relationships" xmlns:p="http://schemas.openxmlformats.org/presentationml/2006/main">
   <p:cSld>
     <p:spTree>
@@ -7878,16 +7955,347 @@
             <p:ph type="title"/>
           </p:nvPr>
         </p:nvSpPr>
-        <p:spPr/>
+        <p:spPr>
+          <a:xfrm>
+            <a:off x="530629" y="240434"/>
+            <a:ext cx="10515600" cy="665653"/>
+          </a:xfrm>
+        </p:spPr>
         <p:txBody>
-          <a:bodyPr/>
+          <a:bodyPr>
+            <a:normAutofit fontScale="90000"/>
+          </a:bodyPr>
           <a:lstStyle/>
           <a:p>
             <a:r>
+              <a:rPr lang="en-US" b="1" i="1" dirty="0">
+                <a:solidFill>
+                  <a:srgbClr val="0070C0"/>
+                </a:solidFill>
+              </a:rPr>
+              <a:t>Mathematica</a:t>
+            </a:r>
+            <a:endParaRPr lang="en-US" dirty="0"/>
+          </a:p>
+        </p:txBody>
+      </p:sp>
+      <p:pic>
+        <p:nvPicPr>
+          <p:cNvPr id="4" name="Picture 3"/>
+          <p:cNvPicPr>
+            <a:picLocks noChangeAspect="1"/>
+          </p:cNvPicPr>
+          <p:nvPr/>
+        </p:nvPicPr>
+        <p:blipFill>
+          <a:blip r:embed="rId2"/>
+          <a:stretch>
+            <a:fillRect/>
+          </a:stretch>
+        </p:blipFill>
+        <p:spPr>
+          <a:xfrm>
+            <a:off x="4080164" y="551846"/>
+            <a:ext cx="6734211" cy="4106099"/>
+          </a:xfrm>
+          <a:prstGeom prst="rect">
+            <a:avLst/>
+          </a:prstGeom>
+        </p:spPr>
+      </p:pic>
+      <p:pic>
+        <p:nvPicPr>
+          <p:cNvPr id="5" name="Picture 4"/>
+          <p:cNvPicPr>
+            <a:picLocks noChangeAspect="1"/>
+          </p:cNvPicPr>
+          <p:nvPr/>
+        </p:nvPicPr>
+        <p:blipFill>
+          <a:blip r:embed="rId3"/>
+          <a:stretch>
+            <a:fillRect/>
+          </a:stretch>
+        </p:blipFill>
+        <p:spPr>
+          <a:xfrm>
+            <a:off x="2651759" y="4829489"/>
+            <a:ext cx="9339869" cy="1758240"/>
+          </a:xfrm>
+          <a:prstGeom prst="rect">
+            <a:avLst/>
+          </a:prstGeom>
+        </p:spPr>
+      </p:pic>
+      <p:sp>
+        <p:nvSpPr>
+          <p:cNvPr id="8" name="Rectangle 7"/>
+          <p:cNvSpPr/>
+          <p:nvPr/>
+        </p:nvSpPr>
+        <p:spPr>
+          <a:xfrm>
+            <a:off x="9185564" y="3798916"/>
+            <a:ext cx="1521229" cy="157942"/>
+          </a:xfrm>
+          <a:prstGeom prst="rect">
+            <a:avLst/>
+          </a:prstGeom>
+          <a:noFill/>
+          <a:ln w="22225">
+            <a:solidFill>
+              <a:srgbClr val="FF0000"/>
+            </a:solidFill>
+          </a:ln>
+        </p:spPr>
+        <p:style>
+          <a:lnRef idx="2">
+            <a:schemeClr val="accent1">
+              <a:shade val="50000"/>
+            </a:schemeClr>
+          </a:lnRef>
+          <a:fillRef idx="1">
+            <a:schemeClr val="accent1"/>
+          </a:fillRef>
+          <a:effectRef idx="0">
+            <a:schemeClr val="accent1"/>
+          </a:effectRef>
+          <a:fontRef idx="minor">
+            <a:schemeClr val="lt1"/>
+          </a:fontRef>
+        </p:style>
+        <p:txBody>
+          <a:bodyPr rtlCol="0" anchor="ctr"/>
+          <a:lstStyle/>
+          <a:p>
+            <a:pPr algn="ctr"/>
+            <a:endParaRPr lang="en-US"/>
+          </a:p>
+        </p:txBody>
+      </p:sp>
+      <p:sp>
+        <p:nvSpPr>
+          <p:cNvPr id="9" name="Rectangle 8"/>
+          <p:cNvSpPr/>
+          <p:nvPr/>
+        </p:nvSpPr>
+        <p:spPr>
+          <a:xfrm>
+            <a:off x="2651759" y="5660967"/>
+            <a:ext cx="490452" cy="926762"/>
+          </a:xfrm>
+          <a:prstGeom prst="rect">
+            <a:avLst/>
+          </a:prstGeom>
+          <a:noFill/>
+          <a:ln w="22225">
+            <a:solidFill>
+              <a:srgbClr val="FF0000"/>
+            </a:solidFill>
+          </a:ln>
+        </p:spPr>
+        <p:style>
+          <a:lnRef idx="2">
+            <a:schemeClr val="accent1">
+              <a:shade val="50000"/>
+            </a:schemeClr>
+          </a:lnRef>
+          <a:fillRef idx="1">
+            <a:schemeClr val="accent1"/>
+          </a:fillRef>
+          <a:effectRef idx="0">
+            <a:schemeClr val="accent1"/>
+          </a:effectRef>
+          <a:fontRef idx="minor">
+            <a:schemeClr val="lt1"/>
+          </a:fontRef>
+        </p:style>
+        <p:txBody>
+          <a:bodyPr rtlCol="0" anchor="ctr"/>
+          <a:lstStyle/>
+          <a:p>
+            <a:pPr algn="ctr"/>
+            <a:endParaRPr lang="en-US"/>
+          </a:p>
+        </p:txBody>
+      </p:sp>
+      <p:sp>
+        <p:nvSpPr>
+          <p:cNvPr id="10" name="TextBox 9"/>
+          <p:cNvSpPr txBox="1"/>
+          <p:nvPr/>
+        </p:nvSpPr>
+        <p:spPr>
+          <a:xfrm>
+            <a:off x="679776" y="1350855"/>
+            <a:ext cx="3225338" cy="2862322"/>
+          </a:xfrm>
+          <a:prstGeom prst="rect">
+            <a:avLst/>
+          </a:prstGeom>
+          <a:noFill/>
+        </p:spPr>
+        <p:txBody>
+          <a:bodyPr wrap="square" rtlCol="0">
+            <a:spAutoFit/>
+          </a:bodyPr>
+          <a:lstStyle/>
+          <a:p>
+            <a:r>
               <a:rPr lang="en-US" dirty="0" smtClean="0"/>
-              <a:t>Advantages of using CDW instead of manual chart review</a:t>
-            </a:r>
-            <a:endParaRPr lang="en-US" dirty="0"/>
+              <a:t>This project required the application of </a:t>
+            </a:r>
+            <a:r>
+              <a:rPr lang="en-US" b="1" u="sng" dirty="0" smtClean="0">
+                <a:solidFill>
+                  <a:srgbClr val="FF0000"/>
+                </a:solidFill>
+              </a:rPr>
+              <a:t>value sets</a:t>
+            </a:r>
+            <a:r>
+              <a:rPr lang="en-US" dirty="0" smtClean="0"/>
+              <a:t>, defined as lists of codes and corresponding terms, from NLM-hosted standard clinical vocabularies (SNOMED, </a:t>
+            </a:r>
+            <a:r>
+              <a:rPr lang="en-US" dirty="0" err="1" smtClean="0"/>
+              <a:t>RxNorm</a:t>
+            </a:r>
+            <a:r>
+              <a:rPr lang="en-US" dirty="0" smtClean="0"/>
+              <a:t>, LOINC, and others) that define clinical concepts to support interoperable health information exchange.</a:t>
+            </a:r>
+          </a:p>
+        </p:txBody>
+      </p:sp>
+    </p:spTree>
+    <p:extLst>
+      <p:ext uri="{BB962C8B-B14F-4D97-AF65-F5344CB8AC3E}">
+        <p14:creationId xmlns:p14="http://schemas.microsoft.com/office/powerpoint/2010/main" val="2600574612"/>
+      </p:ext>
+    </p:extLst>
+  </p:cSld>
+  <p:clrMapOvr>
+    <a:masterClrMapping/>
+  </p:clrMapOvr>
+</p:sld>
+</file>
+
+<file path=ppt/slides/slide27.xml><?xml version="1.0" encoding="utf-8"?>
+<p:sld xmlns:a="http://schemas.openxmlformats.org/drawingml/2006/main" xmlns:r="http://schemas.openxmlformats.org/officeDocument/2006/relationships" xmlns:p="http://schemas.openxmlformats.org/presentationml/2006/main">
+  <p:cSld>
+    <p:spTree>
+      <p:nvGrpSpPr>
+        <p:cNvPr id="1" name=""/>
+        <p:cNvGrpSpPr/>
+        <p:nvPr/>
+      </p:nvGrpSpPr>
+      <p:grpSpPr>
+        <a:xfrm>
+          <a:off x="0" y="0"/>
+          <a:ext cx="0" cy="0"/>
+          <a:chOff x="0" y="0"/>
+          <a:chExt cx="0" cy="0"/>
+        </a:xfrm>
+      </p:grpSpPr>
+      <p:sp>
+        <p:nvSpPr>
+          <p:cNvPr id="2" name="Title 1"/>
+          <p:cNvSpPr>
+            <a:spLocks noGrp="1"/>
+          </p:cNvSpPr>
+          <p:nvPr>
+            <p:ph type="title"/>
+          </p:nvPr>
+        </p:nvSpPr>
+        <p:spPr>
+          <a:xfrm>
+            <a:off x="288758" y="-9554"/>
+            <a:ext cx="11682134" cy="1364528"/>
+          </a:xfrm>
+        </p:spPr>
+        <p:txBody>
+          <a:bodyPr>
+            <a:normAutofit/>
+          </a:bodyPr>
+          <a:lstStyle/>
+          <a:p>
+            <a:r>
+              <a:rPr lang="en-US" sz="3600" dirty="0">
+                <a:solidFill>
+                  <a:srgbClr val="0070C0"/>
+                </a:solidFill>
+              </a:rPr>
+              <a:t>Long-term </a:t>
+            </a:r>
+            <a:r>
+              <a:rPr lang="en-US" sz="3600" dirty="0" smtClean="0">
+                <a:solidFill>
+                  <a:srgbClr val="0070C0"/>
+                </a:solidFill>
+              </a:rPr>
+              <a:t>Clinical Outcomes </a:t>
+            </a:r>
+            <a:r>
+              <a:rPr lang="en-US" sz="3600" dirty="0">
+                <a:solidFill>
+                  <a:srgbClr val="0070C0"/>
+                </a:solidFill>
+              </a:rPr>
+              <a:t>of </a:t>
+            </a:r>
+            <a:r>
+              <a:rPr lang="en-US" sz="3600" dirty="0">
+                <a:solidFill>
+                  <a:srgbClr val="0070C0"/>
+                </a:solidFill>
+              </a:rPr>
+              <a:t>P</a:t>
+            </a:r>
+            <a:r>
+              <a:rPr lang="en-US" sz="3600" dirty="0" smtClean="0">
+                <a:solidFill>
+                  <a:srgbClr val="0070C0"/>
+                </a:solidFill>
+              </a:rPr>
+              <a:t>harmacist-led Care </a:t>
+            </a:r>
+            <a:br>
+              <a:rPr lang="en-US" sz="3600" dirty="0" smtClean="0">
+                <a:solidFill>
+                  <a:srgbClr val="0070C0"/>
+                </a:solidFill>
+              </a:rPr>
+            </a:br>
+            <a:r>
+              <a:rPr lang="en-US" sz="3600" dirty="0" smtClean="0">
+                <a:solidFill>
+                  <a:srgbClr val="0070C0"/>
+                </a:solidFill>
+              </a:rPr>
+              <a:t>in Type </a:t>
+            </a:r>
+            <a:r>
+              <a:rPr lang="en-US" sz="3600" dirty="0">
+                <a:solidFill>
+                  <a:srgbClr val="0070C0"/>
+                </a:solidFill>
+              </a:rPr>
+              <a:t>2 </a:t>
+            </a:r>
+            <a:r>
+              <a:rPr lang="en-US" sz="3600" dirty="0" smtClean="0">
+                <a:solidFill>
+                  <a:srgbClr val="0070C0"/>
+                </a:solidFill>
+              </a:rPr>
+              <a:t>Diabetes Mellitus</a:t>
+            </a:r>
+            <a:endParaRPr lang="en-US" sz="3600" dirty="0">
+              <a:solidFill>
+                <a:srgbClr val="0070C0"/>
+              </a:solidFill>
+            </a:endParaRPr>
           </a:p>
         </p:txBody>
       </p:sp>
@@ -7901,39 +8309,710 @@
             <p:ph idx="1"/>
           </p:nvPr>
         </p:nvSpPr>
-        <p:spPr/>
+        <p:spPr>
+          <a:xfrm>
+            <a:off x="185292" y="1504895"/>
+            <a:ext cx="11785600" cy="5253361"/>
+          </a:xfrm>
+        </p:spPr>
         <p:txBody>
-          <a:bodyPr/>
+          <a:bodyPr>
+            <a:normAutofit fontScale="92500" lnSpcReduction="10000"/>
+          </a:bodyPr>
           <a:lstStyle/>
           <a:p>
             <a:r>
               <a:rPr lang="en-US" dirty="0" smtClean="0"/>
-              <a:t>Time efficiency in the long-run</a:t>
-            </a:r>
-          </a:p>
-          <a:p>
+              <a:t>This was a multi-center</a:t>
+            </a:r>
+            <a:r>
+              <a:rPr lang="en-US" dirty="0"/>
+              <a:t>, retrospective cohort </a:t>
+            </a:r>
             <a:r>
               <a:rPr lang="en-US" dirty="0" smtClean="0"/>
-              <a:t>With established in-house expertise, we could deliver a list </a:t>
-            </a:r>
-            <a:r>
-              <a:rPr lang="en-US" smtClean="0"/>
-              <a:t>within two weeks.</a:t>
-            </a:r>
-            <a:endParaRPr lang="en-US"/>
+              <a:t>study. </a:t>
+            </a:r>
+            <a:endParaRPr lang="en-US" sz="2700" dirty="0" smtClean="0"/>
+          </a:p>
+          <a:p>
+            <a:endParaRPr lang="en-US" sz="2700" dirty="0" smtClean="0"/>
+          </a:p>
+          <a:p>
+            <a:r>
+              <a:rPr lang="en-US" sz="2700" dirty="0" smtClean="0"/>
+              <a:t>Primary Aim: </a:t>
+            </a:r>
+            <a:r>
+              <a:rPr lang="en-US" dirty="0" smtClean="0"/>
+              <a:t>To </a:t>
+            </a:r>
+            <a:r>
+              <a:rPr lang="en-US" dirty="0"/>
+              <a:t>determine the long-term clinical outcomes </a:t>
+            </a:r>
+            <a:r>
+              <a:rPr lang="en-US" dirty="0" smtClean="0"/>
+              <a:t>of </a:t>
+            </a:r>
+            <a:r>
+              <a:rPr lang="en-US" dirty="0"/>
+              <a:t>pharmacist-led care in </a:t>
+            </a:r>
+            <a:r>
+              <a:rPr lang="en-US" dirty="0" smtClean="0"/>
+              <a:t>comparison </a:t>
+            </a:r>
+            <a:r>
+              <a:rPr lang="en-US" dirty="0"/>
+              <a:t>to non-pharmacist led care in type 2 diabetes</a:t>
+            </a:r>
+            <a:r>
+              <a:rPr lang="en-US" dirty="0" smtClean="0"/>
+              <a:t>.</a:t>
+            </a:r>
+          </a:p>
+          <a:p>
+            <a:pPr lvl="1"/>
+            <a:r>
+              <a:rPr lang="en-US" sz="2000" dirty="0" smtClean="0"/>
+              <a:t>Change </a:t>
+            </a:r>
+            <a:r>
+              <a:rPr lang="en-US" sz="2000" dirty="0"/>
+              <a:t>in </a:t>
+            </a:r>
+            <a:r>
+              <a:rPr lang="en-US" sz="2000" dirty="0" smtClean="0"/>
+              <a:t>HgbA1c </a:t>
+            </a:r>
+            <a:r>
+              <a:rPr lang="en-US" sz="2000" dirty="0"/>
+              <a:t>from s</a:t>
+            </a:r>
+            <a:r>
+              <a:rPr lang="en-US" sz="2000" dirty="0" smtClean="0"/>
+              <a:t>tart </a:t>
+            </a:r>
+            <a:r>
+              <a:rPr lang="en-US" sz="2000" dirty="0"/>
+              <a:t>date up to 5 years of </a:t>
+            </a:r>
+            <a:r>
+              <a:rPr lang="en-US" sz="2000" dirty="0" smtClean="0"/>
+              <a:t>follow-up</a:t>
+            </a:r>
+          </a:p>
+          <a:p>
+            <a:pPr lvl="1"/>
+            <a:r>
+              <a:rPr lang="en-US" sz="2000" dirty="0" smtClean="0"/>
+              <a:t>Time </a:t>
+            </a:r>
+            <a:r>
+              <a:rPr lang="en-US" sz="2000" dirty="0"/>
+              <a:t>to patient-specific </a:t>
+            </a:r>
+            <a:r>
+              <a:rPr lang="en-US" sz="2000" dirty="0" smtClean="0"/>
+              <a:t>HgbA1c goal</a:t>
+            </a:r>
+          </a:p>
+          <a:p>
+            <a:pPr lvl="1"/>
+            <a:r>
+              <a:rPr lang="en-US" sz="2000" dirty="0"/>
+              <a:t>D</a:t>
+            </a:r>
+            <a:r>
+              <a:rPr lang="en-US" sz="2000" dirty="0" smtClean="0"/>
+              <a:t>uration </a:t>
+            </a:r>
+            <a:r>
+              <a:rPr lang="en-US" sz="2000" dirty="0"/>
+              <a:t>of </a:t>
+            </a:r>
+            <a:r>
+              <a:rPr lang="en-US" sz="2000" dirty="0" smtClean="0"/>
+              <a:t>HgbA1c </a:t>
+            </a:r>
+            <a:r>
+              <a:rPr lang="en-US" sz="2000" dirty="0"/>
+              <a:t>at or below patient-specific goal from initial attainment of goal until loss of </a:t>
+            </a:r>
+            <a:r>
+              <a:rPr lang="en-US" sz="2000" dirty="0" smtClean="0"/>
+              <a:t>goal</a:t>
+            </a:r>
+          </a:p>
+          <a:p>
+            <a:pPr lvl="1"/>
+            <a:r>
+              <a:rPr lang="en-US" sz="2000" dirty="0"/>
+              <a:t>P</a:t>
+            </a:r>
+            <a:r>
+              <a:rPr lang="en-US" sz="2000" dirty="0" smtClean="0"/>
+              <a:t>ercentage </a:t>
+            </a:r>
+            <a:r>
+              <a:rPr lang="en-US" sz="2000" dirty="0"/>
+              <a:t>of time at which </a:t>
+            </a:r>
+            <a:r>
+              <a:rPr lang="en-US" sz="2000" dirty="0" smtClean="0"/>
+              <a:t>HgbA1c </a:t>
+            </a:r>
+            <a:r>
+              <a:rPr lang="en-US" sz="2000" dirty="0"/>
+              <a:t>is at or below patient-specific </a:t>
+            </a:r>
+            <a:r>
+              <a:rPr lang="en-US" sz="2000" dirty="0" smtClean="0"/>
+              <a:t>goal</a:t>
+            </a:r>
+          </a:p>
+          <a:p>
+            <a:pPr lvl="1"/>
+            <a:r>
+              <a:rPr lang="en-US" sz="2000" dirty="0"/>
+              <a:t>Y</a:t>
+            </a:r>
+            <a:r>
+              <a:rPr lang="en-US" sz="2000" dirty="0" smtClean="0"/>
+              <a:t>early </a:t>
+            </a:r>
+            <a:r>
+              <a:rPr lang="en-US" sz="2000" dirty="0"/>
+              <a:t>completion of select components of the comprehensive diabetes medical </a:t>
+            </a:r>
+            <a:r>
+              <a:rPr lang="en-US" sz="2000" dirty="0" smtClean="0"/>
+              <a:t>evaluation</a:t>
+            </a:r>
+            <a:endParaRPr lang="en-US" sz="2300" dirty="0"/>
+          </a:p>
+          <a:p>
+            <a:endParaRPr lang="en-US" sz="2700" dirty="0" smtClean="0"/>
+          </a:p>
+          <a:p>
+            <a:r>
+              <a:rPr lang="en-US" sz="2700" dirty="0" smtClean="0"/>
+              <a:t>Enrollment </a:t>
+            </a:r>
+            <a:r>
+              <a:rPr lang="en-US" sz="2700" dirty="0"/>
+              <a:t>Criteria: </a:t>
+            </a:r>
+            <a:r>
+              <a:rPr lang="en-US" sz="2700" dirty="0" smtClean="0"/>
+              <a:t>Patients ages 18 years or greater, </a:t>
+            </a:r>
+            <a:r>
+              <a:rPr lang="en-US" sz="2700" dirty="0" smtClean="0"/>
+              <a:t>presenting for an initial appointment related to the management of </a:t>
+            </a:r>
+            <a:r>
+              <a:rPr lang="en-US" sz="2700" dirty="0" smtClean="0"/>
+              <a:t>Type II DM between January 1, 2008 and December 31, 2011. Included patients will be followed for a 5-year period. Patients are excluded if pregnant, if continuous care is not maintained for a period of 9 months, or if initial HgbA1c &lt;= 7.0%.</a:t>
+            </a:r>
+            <a:endParaRPr lang="en-US" sz="2700" dirty="0" smtClean="0"/>
+          </a:p>
+          <a:p>
+            <a:endParaRPr lang="en-US" dirty="0"/>
+          </a:p>
+          <a:p>
+            <a:endParaRPr lang="en-US" sz="2800" dirty="0"/>
+          </a:p>
+        </p:txBody>
+      </p:sp>
+      <p:sp>
+        <p:nvSpPr>
+          <p:cNvPr id="5" name="TextBox 4"/>
+          <p:cNvSpPr txBox="1"/>
+          <p:nvPr/>
+        </p:nvSpPr>
+        <p:spPr>
+          <a:xfrm>
+            <a:off x="10368470" y="6388924"/>
+            <a:ext cx="1778885" cy="369332"/>
+          </a:xfrm>
+          <a:prstGeom prst="rect">
+            <a:avLst/>
+          </a:prstGeom>
+          <a:noFill/>
+        </p:spPr>
+        <p:txBody>
+          <a:bodyPr wrap="none" rtlCol="0">
+            <a:spAutoFit/>
+          </a:bodyPr>
+          <a:lstStyle/>
+          <a:p>
+            <a:r>
+              <a:rPr lang="en-US" dirty="0">
+                <a:solidFill>
+                  <a:schemeClr val="bg1">
+                    <a:lumMod val="75000"/>
+                  </a:schemeClr>
+                </a:solidFill>
+              </a:rPr>
+              <a:t>h</a:t>
+            </a:r>
+            <a:r>
+              <a:rPr lang="en-US" dirty="0" smtClean="0">
+                <a:solidFill>
+                  <a:schemeClr val="bg1">
+                    <a:lumMod val="75000"/>
+                  </a:schemeClr>
+                </a:solidFill>
+              </a:rPr>
+              <a:t>enry-intubate-1</a:t>
+            </a:r>
+            <a:endParaRPr lang="en-US" dirty="0">
+              <a:solidFill>
+                <a:schemeClr val="bg1">
+                  <a:lumMod val="75000"/>
+                </a:schemeClr>
+              </a:solidFill>
+            </a:endParaRPr>
           </a:p>
         </p:txBody>
       </p:sp>
     </p:spTree>
     <p:extLst>
       <p:ext uri="{BB962C8B-B14F-4D97-AF65-F5344CB8AC3E}">
-        <p14:creationId xmlns:p14="http://schemas.microsoft.com/office/powerpoint/2010/main" val="3994496348"/>
+        <p14:creationId xmlns:p14="http://schemas.microsoft.com/office/powerpoint/2010/main" val="3370656970"/>
       </p:ext>
     </p:extLst>
   </p:cSld>
   <p:clrMapOvr>
     <a:masterClrMapping/>
   </p:clrMapOvr>
+  <p:timing>
+    <p:tnLst>
+      <p:par>
+        <p:cTn id="1" dur="indefinite" restart="never" nodeType="tmRoot"/>
+      </p:par>
+    </p:tnLst>
+  </p:timing>
+</p:sld>
+</file>
+
+<file path=ppt/slides/slide28.xml><?xml version="1.0" encoding="utf-8"?>
+<p:sld xmlns:a="http://schemas.openxmlformats.org/drawingml/2006/main" xmlns:r="http://schemas.openxmlformats.org/officeDocument/2006/relationships" xmlns:p="http://schemas.openxmlformats.org/presentationml/2006/main">
+  <p:cSld>
+    <p:spTree>
+      <p:nvGrpSpPr>
+        <p:cNvPr id="1" name=""/>
+        <p:cNvGrpSpPr/>
+        <p:nvPr/>
+      </p:nvGrpSpPr>
+      <p:grpSpPr>
+        <a:xfrm>
+          <a:off x="0" y="0"/>
+          <a:ext cx="0" cy="0"/>
+          <a:chOff x="0" y="0"/>
+          <a:chExt cx="0" cy="0"/>
+        </a:xfrm>
+      </p:grpSpPr>
+      <p:sp>
+        <p:nvSpPr>
+          <p:cNvPr id="2" name="Title 1"/>
+          <p:cNvSpPr>
+            <a:spLocks noGrp="1"/>
+          </p:cNvSpPr>
+          <p:nvPr>
+            <p:ph type="title"/>
+          </p:nvPr>
+        </p:nvSpPr>
+        <p:spPr>
+          <a:xfrm>
+            <a:off x="780011" y="207183"/>
+            <a:ext cx="10515600" cy="1325563"/>
+          </a:xfrm>
+        </p:spPr>
+        <p:txBody>
+          <a:bodyPr>
+            <a:normAutofit/>
+          </a:bodyPr>
+          <a:lstStyle/>
+          <a:p>
+            <a:r>
+              <a:rPr lang="en-US" sz="3600" dirty="0">
+                <a:solidFill>
+                  <a:srgbClr val="0070C0"/>
+                </a:solidFill>
+              </a:rPr>
+              <a:t>Long-term Clinical Outcomes of Pharmacist-led Care </a:t>
+            </a:r>
+            <a:br>
+              <a:rPr lang="en-US" sz="3600" dirty="0">
+                <a:solidFill>
+                  <a:srgbClr val="0070C0"/>
+                </a:solidFill>
+              </a:rPr>
+            </a:br>
+            <a:r>
+              <a:rPr lang="en-US" sz="3600" dirty="0">
+                <a:solidFill>
+                  <a:srgbClr val="0070C0"/>
+                </a:solidFill>
+              </a:rPr>
+              <a:t>in Type 2 Diabetes Mellitus</a:t>
+            </a:r>
+            <a:endParaRPr lang="en-US" sz="3600" dirty="0"/>
+          </a:p>
+        </p:txBody>
+      </p:sp>
+      <p:sp>
+        <p:nvSpPr>
+          <p:cNvPr id="3" name="Content Placeholder 2"/>
+          <p:cNvSpPr>
+            <a:spLocks noGrp="1"/>
+          </p:cNvSpPr>
+          <p:nvPr>
+            <p:ph idx="1"/>
+          </p:nvPr>
+        </p:nvSpPr>
+        <p:spPr>
+          <a:xfrm>
+            <a:off x="854825" y="1770611"/>
+            <a:ext cx="10515600" cy="4564294"/>
+          </a:xfrm>
+        </p:spPr>
+        <p:txBody>
+          <a:bodyPr/>
+          <a:lstStyle/>
+          <a:p>
+            <a:r>
+              <a:rPr lang="en-US" dirty="0" smtClean="0"/>
+              <a:t>For each cohort, the following datasets were provided:</a:t>
+            </a:r>
+          </a:p>
+          <a:p>
+            <a:pPr marL="0" indent="0">
+              <a:buNone/>
+            </a:pPr>
+            <a:endParaRPr lang="en-US" dirty="0" smtClean="0"/>
+          </a:p>
+          <a:p>
+            <a:pPr lvl="1"/>
+            <a:r>
+              <a:rPr lang="en-US" dirty="0" smtClean="0"/>
+              <a:t>A list of included patients and relevant demographics</a:t>
+            </a:r>
+          </a:p>
+          <a:p>
+            <a:pPr lvl="1"/>
+            <a:r>
+              <a:rPr lang="en-US" dirty="0" smtClean="0"/>
+              <a:t>The 5-year study period was defined for each included patient, where the start date was determined by the patient’s initial presentation for management of Type II DM.</a:t>
+            </a:r>
+          </a:p>
+          <a:p>
+            <a:pPr lvl="1"/>
+            <a:r>
+              <a:rPr lang="en-US" dirty="0" smtClean="0"/>
+              <a:t>A comprehensive appointment history</a:t>
+            </a:r>
+          </a:p>
+          <a:p>
+            <a:pPr lvl="1"/>
+            <a:r>
+              <a:rPr lang="en-US" dirty="0" smtClean="0"/>
+              <a:t>Active diagnoses</a:t>
+            </a:r>
+          </a:p>
+          <a:p>
+            <a:pPr lvl="1"/>
+            <a:r>
+              <a:rPr lang="en-US" dirty="0" smtClean="0"/>
+              <a:t>Active medications</a:t>
+            </a:r>
+          </a:p>
+          <a:p>
+            <a:pPr lvl="1"/>
+            <a:r>
+              <a:rPr lang="en-US" dirty="0" smtClean="0"/>
+              <a:t>Clinical outcomes to include HbgA1c, blood pressure, diabetic eye and foot exams, influenza and pneumococcal vaccines, lipid profile, and nephropathy</a:t>
+            </a:r>
+          </a:p>
+          <a:p>
+            <a:pPr lvl="2"/>
+            <a:endParaRPr lang="en-US" dirty="0" smtClean="0"/>
+          </a:p>
+          <a:p>
+            <a:pPr lvl="1"/>
+            <a:endParaRPr lang="en-US" dirty="0"/>
+          </a:p>
+        </p:txBody>
+      </p:sp>
+    </p:spTree>
+    <p:extLst>
+      <p:ext uri="{BB962C8B-B14F-4D97-AF65-F5344CB8AC3E}">
+        <p14:creationId xmlns:p14="http://schemas.microsoft.com/office/powerpoint/2010/main" val="2591061279"/>
+      </p:ext>
+    </p:extLst>
+  </p:cSld>
+  <p:clrMapOvr>
+    <a:masterClrMapping/>
+  </p:clrMapOvr>
+</p:sld>
+</file>
+
+<file path=ppt/slides/slide29.xml><?xml version="1.0" encoding="utf-8"?>
+<p:sld xmlns:a="http://schemas.openxmlformats.org/drawingml/2006/main" xmlns:r="http://schemas.openxmlformats.org/officeDocument/2006/relationships" xmlns:p="http://schemas.openxmlformats.org/presentationml/2006/main">
+  <p:cSld>
+    <p:spTree>
+      <p:nvGrpSpPr>
+        <p:cNvPr id="1" name=""/>
+        <p:cNvGrpSpPr/>
+        <p:nvPr/>
+      </p:nvGrpSpPr>
+      <p:grpSpPr>
+        <a:xfrm>
+          <a:off x="0" y="0"/>
+          <a:ext cx="0" cy="0"/>
+          <a:chOff x="0" y="0"/>
+          <a:chExt cx="0" cy="0"/>
+        </a:xfrm>
+      </p:grpSpPr>
+      <p:sp>
+        <p:nvSpPr>
+          <p:cNvPr id="2" name="Title 1"/>
+          <p:cNvSpPr>
+            <a:spLocks noGrp="1"/>
+          </p:cNvSpPr>
+          <p:nvPr>
+            <p:ph type="title"/>
+          </p:nvPr>
+        </p:nvSpPr>
+        <p:spPr>
+          <a:xfrm>
+            <a:off x="288758" y="-9554"/>
+            <a:ext cx="11682134" cy="1364528"/>
+          </a:xfrm>
+        </p:spPr>
+        <p:txBody>
+          <a:bodyPr>
+            <a:normAutofit/>
+          </a:bodyPr>
+          <a:lstStyle/>
+          <a:p>
+            <a:r>
+              <a:rPr lang="en-US" sz="3600" dirty="0">
+                <a:solidFill>
+                  <a:srgbClr val="0070C0"/>
+                </a:solidFill>
+              </a:rPr>
+              <a:t>An assessment of a newly initiated transitions of care clinic at an academic health center</a:t>
+            </a:r>
+          </a:p>
+        </p:txBody>
+      </p:sp>
+      <p:sp>
+        <p:nvSpPr>
+          <p:cNvPr id="3" name="Content Placeholder 2"/>
+          <p:cNvSpPr>
+            <a:spLocks noGrp="1"/>
+          </p:cNvSpPr>
+          <p:nvPr>
+            <p:ph idx="1"/>
+          </p:nvPr>
+        </p:nvSpPr>
+        <p:spPr>
+          <a:xfrm>
+            <a:off x="185292" y="1609397"/>
+            <a:ext cx="11785600" cy="4779527"/>
+          </a:xfrm>
+        </p:spPr>
+        <p:txBody>
+          <a:bodyPr>
+            <a:normAutofit fontScale="92500" lnSpcReduction="10000"/>
+          </a:bodyPr>
+          <a:lstStyle/>
+          <a:p>
+            <a:r>
+              <a:rPr lang="en-US" dirty="0" smtClean="0"/>
+              <a:t>Retrospective, observational study</a:t>
+            </a:r>
+            <a:endParaRPr lang="en-US" sz="2700" dirty="0" smtClean="0"/>
+          </a:p>
+          <a:p>
+            <a:endParaRPr lang="en-US" sz="2700" dirty="0" smtClean="0"/>
+          </a:p>
+          <a:p>
+            <a:r>
+              <a:rPr lang="en-US" sz="2700" dirty="0" smtClean="0"/>
+              <a:t>Study Aims: </a:t>
+            </a:r>
+          </a:p>
+          <a:p>
+            <a:pPr lvl="1"/>
+            <a:r>
+              <a:rPr lang="en-US" dirty="0"/>
+              <a:t>(1) all-cause hospital admissions 1 year pre- and post-transitions of care clinic intervention</a:t>
+            </a:r>
+          </a:p>
+          <a:p>
+            <a:pPr lvl="1"/>
+            <a:r>
+              <a:rPr lang="en-US" dirty="0"/>
+              <a:t>(2) 30-day all-cause readmissions pre- and post-transitions of care clinic intervention</a:t>
+            </a:r>
+          </a:p>
+          <a:p>
+            <a:pPr lvl="1"/>
+            <a:r>
+              <a:rPr lang="en-US" dirty="0"/>
+              <a:t>(3) all-cause emergency department (ED) utilization 1 year pre- and post-transitions of care </a:t>
+            </a:r>
+            <a:r>
+              <a:rPr lang="en-US" dirty="0" smtClean="0"/>
+              <a:t>clinic </a:t>
+            </a:r>
+          </a:p>
+          <a:p>
+            <a:pPr lvl="1"/>
+            <a:r>
+              <a:rPr lang="en-US" dirty="0" smtClean="0"/>
+              <a:t>intervention</a:t>
+            </a:r>
+            <a:endParaRPr lang="en-US" dirty="0"/>
+          </a:p>
+          <a:p>
+            <a:pPr lvl="1"/>
+            <a:r>
+              <a:rPr lang="en-US" dirty="0"/>
+              <a:t>(4) </a:t>
+            </a:r>
+            <a:r>
+              <a:rPr lang="en-US" dirty="0" smtClean="0"/>
+              <a:t>cost </a:t>
+            </a:r>
+            <a:r>
+              <a:rPr lang="en-US" dirty="0"/>
+              <a:t>analysis of an existing transitions of care </a:t>
+            </a:r>
+            <a:r>
+              <a:rPr lang="en-US" dirty="0" smtClean="0"/>
+              <a:t>clinic</a:t>
+            </a:r>
+            <a:endParaRPr lang="en-US" sz="6800" dirty="0" smtClean="0"/>
+          </a:p>
+          <a:p>
+            <a:endParaRPr lang="en-US" sz="2700" dirty="0" smtClean="0"/>
+          </a:p>
+          <a:p>
+            <a:r>
+              <a:rPr lang="en-US" dirty="0" smtClean="0"/>
+              <a:t>Enrollment criteria: All patients, ages 18 and older, </a:t>
+            </a:r>
+            <a:r>
+              <a:rPr lang="en-US" dirty="0"/>
+              <a:t>who </a:t>
+            </a:r>
+            <a:r>
+              <a:rPr lang="en-US" dirty="0" smtClean="0"/>
+              <a:t>received care from the Transition </a:t>
+            </a:r>
+            <a:r>
+              <a:rPr lang="en-US" dirty="0"/>
+              <a:t>of </a:t>
+            </a:r>
+            <a:r>
+              <a:rPr lang="en-US" dirty="0" smtClean="0"/>
+              <a:t>Care (</a:t>
+            </a:r>
+            <a:r>
+              <a:rPr lang="en-US" dirty="0" err="1" smtClean="0"/>
+              <a:t>ToC</a:t>
+            </a:r>
+            <a:r>
+              <a:rPr lang="en-US" dirty="0" smtClean="0"/>
+              <a:t>) Clinic between </a:t>
+            </a:r>
+            <a:r>
+              <a:rPr lang="en-US" dirty="0"/>
+              <a:t>June 12, 2017 and January 12, </a:t>
+            </a:r>
+            <a:r>
+              <a:rPr lang="en-US" dirty="0" smtClean="0"/>
+              <a:t>2018. </a:t>
+            </a:r>
+            <a:endParaRPr lang="en-US" sz="2800" dirty="0"/>
+          </a:p>
+        </p:txBody>
+      </p:sp>
+      <p:sp>
+        <p:nvSpPr>
+          <p:cNvPr id="5" name="TextBox 4"/>
+          <p:cNvSpPr txBox="1"/>
+          <p:nvPr/>
+        </p:nvSpPr>
+        <p:spPr>
+          <a:xfrm>
+            <a:off x="10368470" y="6388924"/>
+            <a:ext cx="1778885" cy="369332"/>
+          </a:xfrm>
+          <a:prstGeom prst="rect">
+            <a:avLst/>
+          </a:prstGeom>
+          <a:noFill/>
+        </p:spPr>
+        <p:txBody>
+          <a:bodyPr wrap="none" rtlCol="0">
+            <a:spAutoFit/>
+          </a:bodyPr>
+          <a:lstStyle/>
+          <a:p>
+            <a:r>
+              <a:rPr lang="en-US" dirty="0">
+                <a:solidFill>
+                  <a:schemeClr val="bg1">
+                    <a:lumMod val="75000"/>
+                  </a:schemeClr>
+                </a:solidFill>
+              </a:rPr>
+              <a:t>h</a:t>
+            </a:r>
+            <a:r>
+              <a:rPr lang="en-US" dirty="0" smtClean="0">
+                <a:solidFill>
+                  <a:schemeClr val="bg1">
+                    <a:lumMod val="75000"/>
+                  </a:schemeClr>
+                </a:solidFill>
+              </a:rPr>
+              <a:t>enry-intubate-1</a:t>
+            </a:r>
+            <a:endParaRPr lang="en-US" dirty="0">
+              <a:solidFill>
+                <a:schemeClr val="bg1">
+                  <a:lumMod val="75000"/>
+                </a:schemeClr>
+              </a:solidFill>
+            </a:endParaRPr>
+          </a:p>
+        </p:txBody>
+      </p:sp>
+    </p:spTree>
+    <p:extLst>
+      <p:ext uri="{BB962C8B-B14F-4D97-AF65-F5344CB8AC3E}">
+        <p14:creationId xmlns:p14="http://schemas.microsoft.com/office/powerpoint/2010/main" val="1680729927"/>
+      </p:ext>
+    </p:extLst>
+  </p:cSld>
+  <p:clrMapOvr>
+    <a:masterClrMapping/>
+  </p:clrMapOvr>
+  <p:timing>
+    <p:tnLst>
+      <p:par>
+        <p:cTn id="1" dur="indefinite" restart="never" nodeType="tmRoot"/>
+      </p:par>
+    </p:tnLst>
+  </p:timing>
 </p:sld>
 </file>
 
@@ -8110,6 +9189,4539 @@
       </p:par>
     </p:tnLst>
   </p:timing>
+</p:sld>
+</file>
+
+<file path=ppt/slides/slide30.xml><?xml version="1.0" encoding="utf-8"?>
+<p:sld xmlns:a="http://schemas.openxmlformats.org/drawingml/2006/main" xmlns:r="http://schemas.openxmlformats.org/officeDocument/2006/relationships" xmlns:p="http://schemas.openxmlformats.org/presentationml/2006/main">
+  <p:cSld>
+    <p:spTree>
+      <p:nvGrpSpPr>
+        <p:cNvPr id="1" name=""/>
+        <p:cNvGrpSpPr/>
+        <p:nvPr/>
+      </p:nvGrpSpPr>
+      <p:grpSpPr>
+        <a:xfrm>
+          <a:off x="0" y="0"/>
+          <a:ext cx="0" cy="0"/>
+          <a:chOff x="0" y="0"/>
+          <a:chExt cx="0" cy="0"/>
+        </a:xfrm>
+      </p:grpSpPr>
+      <p:sp>
+        <p:nvSpPr>
+          <p:cNvPr id="2" name="Title 1"/>
+          <p:cNvSpPr>
+            <a:spLocks noGrp="1"/>
+          </p:cNvSpPr>
+          <p:nvPr>
+            <p:ph type="title"/>
+          </p:nvPr>
+        </p:nvSpPr>
+        <p:spPr>
+          <a:xfrm>
+            <a:off x="288758" y="-9554"/>
+            <a:ext cx="11682134" cy="1364528"/>
+          </a:xfrm>
+        </p:spPr>
+        <p:txBody>
+          <a:bodyPr>
+            <a:normAutofit/>
+          </a:bodyPr>
+          <a:lstStyle/>
+          <a:p>
+            <a:r>
+              <a:rPr lang="en-US" sz="3600" dirty="0">
+                <a:solidFill>
+                  <a:srgbClr val="0070C0"/>
+                </a:solidFill>
+              </a:rPr>
+              <a:t>An assessment of a newly initiated transitions of care clinic at an academic health center</a:t>
+            </a:r>
+          </a:p>
+        </p:txBody>
+      </p:sp>
+      <p:sp>
+        <p:nvSpPr>
+          <p:cNvPr id="3" name="Content Placeholder 2"/>
+          <p:cNvSpPr>
+            <a:spLocks noGrp="1"/>
+          </p:cNvSpPr>
+          <p:nvPr>
+            <p:ph idx="1"/>
+          </p:nvPr>
+        </p:nvSpPr>
+        <p:spPr>
+          <a:xfrm>
+            <a:off x="185292" y="1487978"/>
+            <a:ext cx="11785600" cy="5187141"/>
+          </a:xfrm>
+        </p:spPr>
+        <p:txBody>
+          <a:bodyPr>
+            <a:normAutofit fontScale="92500" lnSpcReduction="10000"/>
+          </a:bodyPr>
+          <a:lstStyle/>
+          <a:p>
+            <a:r>
+              <a:rPr lang="en-US" dirty="0" smtClean="0"/>
+              <a:t>Evaluate the frequency of hospital </a:t>
+            </a:r>
+            <a:r>
+              <a:rPr lang="en-US" dirty="0"/>
+              <a:t>admission, 30-day readmission, and ED utilization </a:t>
+            </a:r>
+            <a:r>
+              <a:rPr lang="en-US" dirty="0" smtClean="0"/>
+              <a:t>1 year </a:t>
+            </a:r>
+            <a:r>
+              <a:rPr lang="en-US" dirty="0"/>
+              <a:t>prior to </a:t>
+            </a:r>
+            <a:r>
+              <a:rPr lang="en-US" dirty="0" smtClean="0"/>
+              <a:t>each </a:t>
+            </a:r>
+            <a:r>
+              <a:rPr lang="en-US" dirty="0" err="1" smtClean="0"/>
+              <a:t>patients’s</a:t>
+            </a:r>
+            <a:r>
+              <a:rPr lang="en-US" dirty="0" smtClean="0"/>
+              <a:t> </a:t>
+            </a:r>
+            <a:r>
+              <a:rPr lang="en-US" dirty="0"/>
+              <a:t>initial </a:t>
+            </a:r>
+            <a:r>
+              <a:rPr lang="en-US" dirty="0" err="1" smtClean="0"/>
+              <a:t>ToC</a:t>
+            </a:r>
+            <a:r>
+              <a:rPr lang="en-US" dirty="0" smtClean="0"/>
+              <a:t> visit in comparison to the </a:t>
+            </a:r>
+            <a:r>
+              <a:rPr lang="en-US" dirty="0" err="1" smtClean="0"/>
+              <a:t>the</a:t>
+            </a:r>
+            <a:r>
+              <a:rPr lang="en-US" dirty="0" smtClean="0"/>
+              <a:t> same outcomes after the patient’s </a:t>
+            </a:r>
+            <a:r>
+              <a:rPr lang="en-US" dirty="0"/>
+              <a:t>initial visit in the </a:t>
+            </a:r>
+            <a:r>
+              <a:rPr lang="en-US" dirty="0" err="1"/>
+              <a:t>ToC</a:t>
+            </a:r>
+            <a:r>
+              <a:rPr lang="en-US" dirty="0"/>
+              <a:t> service</a:t>
+            </a:r>
+            <a:r>
+              <a:rPr lang="en-US" dirty="0" smtClean="0"/>
+              <a:t>.</a:t>
+            </a:r>
+          </a:p>
+          <a:p>
+            <a:endParaRPr lang="en-US" dirty="0"/>
+          </a:p>
+          <a:p>
+            <a:r>
+              <a:rPr lang="en-US" i="1" dirty="0" smtClean="0"/>
+              <a:t>Demographic variables</a:t>
+            </a:r>
+            <a:r>
+              <a:rPr lang="en-US" dirty="0" smtClean="0"/>
+              <a:t>: inpatient and outpatient medical record number, patient name, account number, date of birth, gender, race, ethnicity, insurance, and zip code</a:t>
+            </a:r>
+          </a:p>
+          <a:p>
+            <a:r>
+              <a:rPr lang="en-US" i="1" dirty="0" smtClean="0"/>
+              <a:t>Inpatient variables</a:t>
+            </a:r>
+            <a:r>
+              <a:rPr lang="en-US" dirty="0" smtClean="0"/>
+              <a:t>: date of admission, date of discharge, length of stay, discharge diagnoses (1-50), DRG, place of service, charges, payments</a:t>
+            </a:r>
+          </a:p>
+          <a:p>
+            <a:r>
+              <a:rPr lang="en-US" i="1" dirty="0" smtClean="0"/>
+              <a:t>Outpatient variables</a:t>
+            </a:r>
+            <a:r>
+              <a:rPr lang="en-US" dirty="0" smtClean="0"/>
+              <a:t>: </a:t>
+            </a:r>
+          </a:p>
+          <a:p>
+            <a:pPr lvl="1"/>
+            <a:r>
+              <a:rPr lang="en-US" dirty="0" smtClean="0"/>
+              <a:t>Appointments: date and time, type, reason, provider, duration, status</a:t>
+            </a:r>
+          </a:p>
+          <a:p>
+            <a:pPr lvl="1"/>
+            <a:r>
+              <a:rPr lang="en-US" dirty="0" smtClean="0"/>
+              <a:t>Medications: medication name, generic name, start date, stop date</a:t>
+            </a:r>
+          </a:p>
+          <a:p>
+            <a:pPr lvl="1"/>
+            <a:r>
+              <a:rPr lang="en-US" dirty="0" smtClean="0"/>
+              <a:t>Diagnoses: ICD code, code description, start date, stop date</a:t>
+            </a:r>
+          </a:p>
+          <a:p>
+            <a:pPr lvl="1"/>
+            <a:r>
+              <a:rPr lang="en-US" dirty="0" smtClean="0"/>
+              <a:t>Invoices: invoice number, location of care, provider name, charge, payments, diagnoses, </a:t>
+            </a:r>
+            <a:r>
+              <a:rPr lang="en-US" dirty="0" err="1" smtClean="0"/>
+              <a:t>cpt</a:t>
+            </a:r>
+            <a:r>
+              <a:rPr lang="en-US" dirty="0" smtClean="0"/>
+              <a:t> codes</a:t>
+            </a:r>
+            <a:endParaRPr lang="en-US" sz="2800" dirty="0"/>
+          </a:p>
+        </p:txBody>
+      </p:sp>
+      <p:sp>
+        <p:nvSpPr>
+          <p:cNvPr id="5" name="TextBox 4"/>
+          <p:cNvSpPr txBox="1"/>
+          <p:nvPr/>
+        </p:nvSpPr>
+        <p:spPr>
+          <a:xfrm>
+            <a:off x="10368470" y="6388924"/>
+            <a:ext cx="1778885" cy="369332"/>
+          </a:xfrm>
+          <a:prstGeom prst="rect">
+            <a:avLst/>
+          </a:prstGeom>
+          <a:noFill/>
+        </p:spPr>
+        <p:txBody>
+          <a:bodyPr wrap="none" rtlCol="0">
+            <a:spAutoFit/>
+          </a:bodyPr>
+          <a:lstStyle/>
+          <a:p>
+            <a:r>
+              <a:rPr lang="en-US" dirty="0">
+                <a:solidFill>
+                  <a:schemeClr val="bg1">
+                    <a:lumMod val="75000"/>
+                  </a:schemeClr>
+                </a:solidFill>
+              </a:rPr>
+              <a:t>h</a:t>
+            </a:r>
+            <a:r>
+              <a:rPr lang="en-US" dirty="0" smtClean="0">
+                <a:solidFill>
+                  <a:schemeClr val="bg1">
+                    <a:lumMod val="75000"/>
+                  </a:schemeClr>
+                </a:solidFill>
+              </a:rPr>
+              <a:t>enry-intubate-1</a:t>
+            </a:r>
+            <a:endParaRPr lang="en-US" dirty="0">
+              <a:solidFill>
+                <a:schemeClr val="bg1">
+                  <a:lumMod val="75000"/>
+                </a:schemeClr>
+              </a:solidFill>
+            </a:endParaRPr>
+          </a:p>
+        </p:txBody>
+      </p:sp>
+    </p:spTree>
+    <p:extLst>
+      <p:ext uri="{BB962C8B-B14F-4D97-AF65-F5344CB8AC3E}">
+        <p14:creationId xmlns:p14="http://schemas.microsoft.com/office/powerpoint/2010/main" val="3070807417"/>
+      </p:ext>
+    </p:extLst>
+  </p:cSld>
+  <p:clrMapOvr>
+    <a:masterClrMapping/>
+  </p:clrMapOvr>
+  <p:timing>
+    <p:tnLst>
+      <p:par>
+        <p:cTn id="1" dur="indefinite" restart="never" nodeType="tmRoot"/>
+      </p:par>
+    </p:tnLst>
+  </p:timing>
+</p:sld>
+</file>
+
+<file path=ppt/slides/slide31.xml><?xml version="1.0" encoding="utf-8"?>
+<p:sld xmlns:a="http://schemas.openxmlformats.org/drawingml/2006/main" xmlns:r="http://schemas.openxmlformats.org/officeDocument/2006/relationships" xmlns:p="http://schemas.openxmlformats.org/presentationml/2006/main">
+  <p:cSld>
+    <p:spTree>
+      <p:nvGrpSpPr>
+        <p:cNvPr id="1" name=""/>
+        <p:cNvGrpSpPr/>
+        <p:nvPr/>
+      </p:nvGrpSpPr>
+      <p:grpSpPr>
+        <a:xfrm>
+          <a:off x="0" y="0"/>
+          <a:ext cx="0" cy="0"/>
+          <a:chOff x="0" y="0"/>
+          <a:chExt cx="0" cy="0"/>
+        </a:xfrm>
+      </p:grpSpPr>
+      <p:sp>
+        <p:nvSpPr>
+          <p:cNvPr id="2" name="Title 1"/>
+          <p:cNvSpPr>
+            <a:spLocks noGrp="1"/>
+          </p:cNvSpPr>
+          <p:nvPr>
+            <p:ph type="title"/>
+          </p:nvPr>
+        </p:nvSpPr>
+        <p:spPr>
+          <a:xfrm>
+            <a:off x="838200" y="215348"/>
+            <a:ext cx="10515600" cy="1325563"/>
+          </a:xfrm>
+        </p:spPr>
+        <p:txBody>
+          <a:bodyPr>
+            <a:normAutofit/>
+          </a:bodyPr>
+          <a:lstStyle/>
+          <a:p>
+            <a:r>
+              <a:rPr lang="en-US" sz="3600" dirty="0" smtClean="0">
+                <a:solidFill>
+                  <a:srgbClr val="0070C0"/>
+                </a:solidFill>
+              </a:rPr>
+              <a:t>Implementation of Post-Partum Depression Screening in a General Pediatric Clinic</a:t>
+            </a:r>
+            <a:endParaRPr lang="en-US" sz="3600" dirty="0">
+              <a:solidFill>
+                <a:srgbClr val="0070C0"/>
+              </a:solidFill>
+            </a:endParaRPr>
+          </a:p>
+        </p:txBody>
+      </p:sp>
+      <p:sp>
+        <p:nvSpPr>
+          <p:cNvPr id="3" name="Content Placeholder 2"/>
+          <p:cNvSpPr>
+            <a:spLocks noGrp="1"/>
+          </p:cNvSpPr>
+          <p:nvPr>
+            <p:ph sz="half" idx="1"/>
+          </p:nvPr>
+        </p:nvSpPr>
+        <p:spPr>
+          <a:xfrm>
+            <a:off x="530770" y="1825625"/>
+            <a:ext cx="5181600" cy="4351338"/>
+          </a:xfrm>
+        </p:spPr>
+        <p:txBody>
+          <a:bodyPr>
+            <a:normAutofit fontScale="92500" lnSpcReduction="20000"/>
+          </a:bodyPr>
+          <a:lstStyle/>
+          <a:p>
+            <a:r>
+              <a:rPr lang="en-US" dirty="0" smtClean="0"/>
+              <a:t>CQI project with administrative outcome measures</a:t>
+            </a:r>
+          </a:p>
+          <a:p>
+            <a:endParaRPr lang="en-US" dirty="0"/>
+          </a:p>
+          <a:p>
+            <a:r>
+              <a:rPr lang="en-US" dirty="0" smtClean="0"/>
+              <a:t>Investigators requested recurring reports to:</a:t>
+            </a:r>
+          </a:p>
+          <a:p>
+            <a:pPr lvl="1"/>
+            <a:r>
+              <a:rPr lang="en-US" dirty="0" smtClean="0"/>
+              <a:t>monitor compliance with utilization of the PHQ-9 screener at select appointments </a:t>
+            </a:r>
+          </a:p>
+          <a:p>
+            <a:pPr lvl="1"/>
+            <a:r>
+              <a:rPr lang="en-US" dirty="0" smtClean="0"/>
+              <a:t>assess the prevalence of PPD in new mothers</a:t>
+            </a:r>
+          </a:p>
+          <a:p>
+            <a:pPr lvl="1"/>
+            <a:endParaRPr lang="en-US" dirty="0"/>
+          </a:p>
+          <a:p>
+            <a:r>
+              <a:rPr lang="en-US" dirty="0" smtClean="0"/>
+              <a:t>Inclusion criteria: well child check appointments for children ages 1 day to 6 months of age.</a:t>
+            </a:r>
+          </a:p>
+          <a:p>
+            <a:endParaRPr lang="en-US" dirty="0"/>
+          </a:p>
+          <a:p>
+            <a:pPr marL="0" indent="0">
+              <a:buNone/>
+            </a:pPr>
+            <a:endParaRPr lang="en-US" dirty="0" smtClean="0"/>
+          </a:p>
+          <a:p>
+            <a:endParaRPr lang="en-US" dirty="0" smtClean="0"/>
+          </a:p>
+          <a:p>
+            <a:endParaRPr lang="en-US" dirty="0" smtClean="0"/>
+          </a:p>
+          <a:p>
+            <a:endParaRPr lang="en-US" dirty="0"/>
+          </a:p>
+        </p:txBody>
+      </p:sp>
+      <p:sp>
+        <p:nvSpPr>
+          <p:cNvPr id="4" name="Content Placeholder 3"/>
+          <p:cNvSpPr>
+            <a:spLocks noGrp="1"/>
+          </p:cNvSpPr>
+          <p:nvPr>
+            <p:ph sz="half" idx="2"/>
+          </p:nvPr>
+        </p:nvSpPr>
+        <p:spPr>
+          <a:xfrm>
+            <a:off x="6306211" y="1825625"/>
+            <a:ext cx="5181600" cy="4351338"/>
+          </a:xfrm>
+        </p:spPr>
+        <p:txBody>
+          <a:bodyPr>
+            <a:normAutofit fontScale="92500" lnSpcReduction="20000"/>
+          </a:bodyPr>
+          <a:lstStyle/>
+          <a:p>
+            <a:r>
+              <a:rPr lang="en-US" dirty="0"/>
+              <a:t>Variables provided: </a:t>
+            </a:r>
+          </a:p>
+          <a:p>
+            <a:pPr lvl="1"/>
+            <a:r>
+              <a:rPr lang="en-US" dirty="0"/>
+              <a:t>Medical record number</a:t>
+            </a:r>
+          </a:p>
+          <a:p>
+            <a:pPr lvl="1"/>
+            <a:r>
+              <a:rPr lang="en-US" dirty="0"/>
+              <a:t>Date of service</a:t>
+            </a:r>
+          </a:p>
+          <a:p>
+            <a:pPr lvl="1"/>
+            <a:r>
+              <a:rPr lang="en-US" dirty="0"/>
+              <a:t>Provider name</a:t>
+            </a:r>
+          </a:p>
+          <a:p>
+            <a:pPr lvl="1"/>
+            <a:r>
+              <a:rPr lang="en-US" dirty="0"/>
+              <a:t>Screened performed (Y/N) &amp; date</a:t>
+            </a:r>
+          </a:p>
+          <a:p>
+            <a:pPr lvl="1"/>
+            <a:r>
+              <a:rPr lang="en-US" dirty="0"/>
+              <a:t>Declination of screen</a:t>
+            </a:r>
+          </a:p>
+          <a:p>
+            <a:pPr lvl="1"/>
+            <a:r>
+              <a:rPr lang="en-US" dirty="0"/>
+              <a:t>Score</a:t>
+            </a:r>
+          </a:p>
+          <a:p>
+            <a:pPr lvl="1"/>
+            <a:r>
+              <a:rPr lang="en-US" dirty="0"/>
+              <a:t>Severity</a:t>
+            </a:r>
+          </a:p>
+          <a:p>
+            <a:pPr lvl="1"/>
+            <a:r>
+              <a:rPr lang="en-US" dirty="0"/>
+              <a:t>Summary</a:t>
+            </a:r>
+          </a:p>
+          <a:p>
+            <a:pPr lvl="1"/>
+            <a:r>
+              <a:rPr lang="en-US" dirty="0"/>
+              <a:t>Resources Provided</a:t>
+            </a:r>
+          </a:p>
+          <a:p>
+            <a:pPr lvl="1"/>
+            <a:r>
+              <a:rPr lang="en-US" dirty="0"/>
+              <a:t>Comments</a:t>
+            </a:r>
+          </a:p>
+          <a:p>
+            <a:pPr lvl="1"/>
+            <a:r>
+              <a:rPr lang="en-US" dirty="0"/>
+              <a:t>Count of previous screens administered</a:t>
+            </a:r>
+          </a:p>
+          <a:p>
+            <a:pPr lvl="1"/>
+            <a:r>
+              <a:rPr lang="en-US" dirty="0"/>
+              <a:t>Last screen date</a:t>
+            </a:r>
+          </a:p>
+        </p:txBody>
+      </p:sp>
+      <p:sp>
+        <p:nvSpPr>
+          <p:cNvPr id="5" name="TextBox 4"/>
+          <p:cNvSpPr txBox="1"/>
+          <p:nvPr/>
+        </p:nvSpPr>
+        <p:spPr>
+          <a:xfrm>
+            <a:off x="10368470" y="6388924"/>
+            <a:ext cx="1778885" cy="369332"/>
+          </a:xfrm>
+          <a:prstGeom prst="rect">
+            <a:avLst/>
+          </a:prstGeom>
+          <a:noFill/>
+        </p:spPr>
+        <p:txBody>
+          <a:bodyPr wrap="none" rtlCol="0">
+            <a:spAutoFit/>
+          </a:bodyPr>
+          <a:lstStyle/>
+          <a:p>
+            <a:r>
+              <a:rPr lang="en-US" dirty="0">
+                <a:solidFill>
+                  <a:schemeClr val="bg1">
+                    <a:lumMod val="75000"/>
+                  </a:schemeClr>
+                </a:solidFill>
+              </a:rPr>
+              <a:t>h</a:t>
+            </a:r>
+            <a:r>
+              <a:rPr lang="en-US" dirty="0" smtClean="0">
+                <a:solidFill>
+                  <a:schemeClr val="bg1">
+                    <a:lumMod val="75000"/>
+                  </a:schemeClr>
+                </a:solidFill>
+              </a:rPr>
+              <a:t>enry-intubate-1</a:t>
+            </a:r>
+            <a:endParaRPr lang="en-US" dirty="0">
+              <a:solidFill>
+                <a:schemeClr val="bg1">
+                  <a:lumMod val="75000"/>
+                </a:schemeClr>
+              </a:solidFill>
+            </a:endParaRPr>
+          </a:p>
+        </p:txBody>
+      </p:sp>
+    </p:spTree>
+    <p:extLst>
+      <p:ext uri="{BB962C8B-B14F-4D97-AF65-F5344CB8AC3E}">
+        <p14:creationId xmlns:p14="http://schemas.microsoft.com/office/powerpoint/2010/main" val="945358082"/>
+      </p:ext>
+    </p:extLst>
+  </p:cSld>
+  <p:clrMapOvr>
+    <a:masterClrMapping/>
+  </p:clrMapOvr>
+  <p:timing>
+    <p:tnLst>
+      <p:par>
+        <p:cTn id="1" dur="indefinite" restart="never" nodeType="tmRoot"/>
+      </p:par>
+    </p:tnLst>
+  </p:timing>
+</p:sld>
+</file>
+
+<file path=ppt/slides/slide32.xml><?xml version="1.0" encoding="utf-8"?>
+<p:sld xmlns:a="http://schemas.openxmlformats.org/drawingml/2006/main" xmlns:r="http://schemas.openxmlformats.org/officeDocument/2006/relationships" xmlns:p="http://schemas.openxmlformats.org/presentationml/2006/main">
+  <p:cSld>
+    <p:spTree>
+      <p:nvGrpSpPr>
+        <p:cNvPr id="1" name=""/>
+        <p:cNvGrpSpPr/>
+        <p:nvPr/>
+      </p:nvGrpSpPr>
+      <p:grpSpPr>
+        <a:xfrm>
+          <a:off x="0" y="0"/>
+          <a:ext cx="0" cy="0"/>
+          <a:chOff x="0" y="0"/>
+          <a:chExt cx="0" cy="0"/>
+        </a:xfrm>
+      </p:grpSpPr>
+      <p:sp>
+        <p:nvSpPr>
+          <p:cNvPr id="2" name="Title 1"/>
+          <p:cNvSpPr>
+            <a:spLocks noGrp="1"/>
+          </p:cNvSpPr>
+          <p:nvPr>
+            <p:ph type="title" idx="4294967295"/>
+          </p:nvPr>
+        </p:nvSpPr>
+        <p:spPr>
+          <a:xfrm>
+            <a:off x="699247" y="141007"/>
+            <a:ext cx="10515600" cy="804863"/>
+          </a:xfrm>
+        </p:spPr>
+        <p:txBody>
+          <a:bodyPr>
+            <a:normAutofit/>
+          </a:bodyPr>
+          <a:lstStyle/>
+          <a:p>
+            <a:pPr algn="ctr"/>
+            <a:r>
+              <a:rPr lang="en-US" sz="3200" dirty="0">
+                <a:solidFill>
+                  <a:srgbClr val="0070C0"/>
+                </a:solidFill>
+              </a:rPr>
+              <a:t>Clinical </a:t>
+            </a:r>
+            <a:r>
+              <a:rPr lang="en-US" sz="3200" dirty="0" smtClean="0">
+                <a:solidFill>
+                  <a:srgbClr val="0070C0"/>
+                </a:solidFill>
+              </a:rPr>
+              <a:t>Trials </a:t>
+            </a:r>
+            <a:r>
+              <a:rPr lang="en-US" sz="3200" dirty="0">
+                <a:solidFill>
+                  <a:srgbClr val="0070C0"/>
+                </a:solidFill>
+              </a:rPr>
+              <a:t>&amp; Other Research Studies Supported by the CDW</a:t>
+            </a:r>
+          </a:p>
+        </p:txBody>
+      </p:sp>
+      <p:graphicFrame>
+        <p:nvGraphicFramePr>
+          <p:cNvPr id="4" name="Table 3"/>
+          <p:cNvGraphicFramePr>
+            <a:graphicFrameLocks noGrp="1"/>
+          </p:cNvGraphicFramePr>
+          <p:nvPr>
+            <p:extLst>
+              <p:ext uri="{D42A27DB-BD31-4B8C-83A1-F6EECF244321}">
+                <p14:modId xmlns:p14="http://schemas.microsoft.com/office/powerpoint/2010/main" val="1765383447"/>
+              </p:ext>
+            </p:extLst>
+          </p:nvPr>
+        </p:nvGraphicFramePr>
+        <p:xfrm>
+          <a:off x="462810" y="1345921"/>
+          <a:ext cx="5373220" cy="5108664"/>
+        </p:xfrm>
+        <a:graphic>
+          <a:graphicData uri="http://schemas.openxmlformats.org/drawingml/2006/table">
+            <a:tbl>
+              <a:tblPr>
+                <a:tableStyleId>{5C22544A-7EE6-4342-B048-85BDC9FD1C3A}</a:tableStyleId>
+              </a:tblPr>
+              <a:tblGrid>
+                <a:gridCol w="3021582">
+                  <a:extLst>
+                    <a:ext uri="{9D8B030D-6E8A-4147-A177-3AD203B41FA5}">
+                      <a16:colId xmlns:a16="http://schemas.microsoft.com/office/drawing/2014/main" val="1356431335"/>
+                    </a:ext>
+                  </a:extLst>
+                </a:gridCol>
+                <a:gridCol w="1175819">
+                  <a:extLst>
+                    <a:ext uri="{9D8B030D-6E8A-4147-A177-3AD203B41FA5}">
+                      <a16:colId xmlns:a16="http://schemas.microsoft.com/office/drawing/2014/main" val="4074852346"/>
+                    </a:ext>
+                  </a:extLst>
+                </a:gridCol>
+                <a:gridCol w="1175819">
+                  <a:extLst>
+                    <a:ext uri="{9D8B030D-6E8A-4147-A177-3AD203B41FA5}">
+                      <a16:colId xmlns:a16="http://schemas.microsoft.com/office/drawing/2014/main" val="715510892"/>
+                    </a:ext>
+                  </a:extLst>
+                </a:gridCol>
+              </a:tblGrid>
+              <a:tr h="232212">
+                <a:tc>
+                  <a:txBody>
+                    <a:bodyPr/>
+                    <a:lstStyle/>
+                    <a:p>
+                      <a:pPr algn="l" fontAlgn="b"/>
+                      <a:r>
+                        <a:rPr lang="en-US" sz="1100" b="1" u="none" strike="noStrike" dirty="0">
+                          <a:effectLst/>
+                        </a:rPr>
+                        <a:t>Short Name</a:t>
+                      </a:r>
+                      <a:endParaRPr lang="en-US" sz="1100" b="1" i="0" u="none" strike="noStrike" dirty="0">
+                        <a:solidFill>
+                          <a:srgbClr val="000000"/>
+                        </a:solidFill>
+                        <a:effectLst/>
+                        <a:latin typeface="Calibri" panose="020F0502020204030204" pitchFamily="34" charset="0"/>
+                      </a:endParaRPr>
+                    </a:p>
+                  </a:txBody>
+                  <a:tcPr marL="7620" marR="7620" marT="7620" marB="0" anchor="b"/>
+                </a:tc>
+                <a:tc>
+                  <a:txBody>
+                    <a:bodyPr/>
+                    <a:lstStyle/>
+                    <a:p>
+                      <a:pPr algn="l" fontAlgn="b"/>
+                      <a:r>
+                        <a:rPr lang="en-US" sz="1100" b="1" u="none" strike="noStrike" dirty="0">
+                          <a:effectLst/>
+                        </a:rPr>
+                        <a:t>PI</a:t>
+                      </a:r>
+                      <a:endParaRPr lang="en-US" sz="1100" b="1" i="0" u="none" strike="noStrike" dirty="0">
+                        <a:solidFill>
+                          <a:srgbClr val="000000"/>
+                        </a:solidFill>
+                        <a:effectLst/>
+                        <a:latin typeface="Calibri" panose="020F0502020204030204" pitchFamily="34" charset="0"/>
+                      </a:endParaRPr>
+                    </a:p>
+                  </a:txBody>
+                  <a:tcPr marL="7620" marR="7620" marT="7620" marB="0" anchor="b"/>
+                </a:tc>
+                <a:tc>
+                  <a:txBody>
+                    <a:bodyPr/>
+                    <a:lstStyle/>
+                    <a:p>
+                      <a:pPr algn="l" fontAlgn="b"/>
+                      <a:r>
+                        <a:rPr lang="en-US" sz="1100" b="1" u="none" strike="noStrike" dirty="0">
+                          <a:effectLst/>
+                        </a:rPr>
+                        <a:t>Department</a:t>
+                      </a:r>
+                      <a:endParaRPr lang="en-US" sz="1100" b="1" i="0" u="none" strike="noStrike" dirty="0">
+                        <a:solidFill>
+                          <a:srgbClr val="000000"/>
+                        </a:solidFill>
+                        <a:effectLst/>
+                        <a:latin typeface="Calibri" panose="020F0502020204030204" pitchFamily="34" charset="0"/>
+                      </a:endParaRPr>
+                    </a:p>
+                  </a:txBody>
+                  <a:tcPr marL="7620" marR="7620" marT="7620" marB="0" anchor="b"/>
+                </a:tc>
+                <a:extLst>
+                  <a:ext uri="{0D108BD9-81ED-4DB2-BD59-A6C34878D82A}">
+                    <a16:rowId xmlns:a16="http://schemas.microsoft.com/office/drawing/2014/main" val="1236399335"/>
+                  </a:ext>
+                </a:extLst>
+              </a:tr>
+              <a:tr h="232212">
+                <a:tc>
+                  <a:txBody>
+                    <a:bodyPr/>
+                    <a:lstStyle/>
+                    <a:p>
+                      <a:pPr algn="l" fontAlgn="b"/>
+                      <a:r>
+                        <a:rPr lang="en-US" sz="1100" u="none" strike="noStrike" dirty="0">
+                          <a:effectLst/>
+                        </a:rPr>
+                        <a:t>Asthma Outcomes</a:t>
+                      </a:r>
+                      <a:endParaRPr lang="en-US" sz="1100" b="0" i="0" u="none" strike="noStrike" dirty="0">
+                        <a:solidFill>
+                          <a:srgbClr val="000000"/>
+                        </a:solidFill>
+                        <a:effectLst/>
+                        <a:latin typeface="Calibri" panose="020F0502020204030204" pitchFamily="34" charset="0"/>
+                      </a:endParaRPr>
+                    </a:p>
+                  </a:txBody>
+                  <a:tcPr marL="7620" marR="7620" marT="7620" marB="0" anchor="b"/>
+                </a:tc>
+                <a:tc>
+                  <a:txBody>
+                    <a:bodyPr/>
+                    <a:lstStyle/>
+                    <a:p>
+                      <a:pPr algn="l" fontAlgn="b"/>
+                      <a:r>
+                        <a:rPr lang="en-US" sz="1100" u="none" strike="noStrike" dirty="0">
+                          <a:effectLst/>
+                        </a:rPr>
+                        <a:t>M. Naifeh</a:t>
+                      </a:r>
+                      <a:endParaRPr lang="en-US" sz="1100" b="0" i="0" u="none" strike="noStrike" dirty="0">
+                        <a:solidFill>
+                          <a:srgbClr val="000000"/>
+                        </a:solidFill>
+                        <a:effectLst/>
+                        <a:latin typeface="Calibri" panose="020F0502020204030204" pitchFamily="34" charset="0"/>
+                      </a:endParaRPr>
+                    </a:p>
+                  </a:txBody>
+                  <a:tcPr marL="7620" marR="7620" marT="7620" marB="0" anchor="b"/>
+                </a:tc>
+                <a:tc>
+                  <a:txBody>
+                    <a:bodyPr/>
+                    <a:lstStyle/>
+                    <a:p>
+                      <a:pPr algn="l" fontAlgn="b"/>
+                      <a:r>
+                        <a:rPr lang="en-US" sz="1100" u="none" strike="noStrike" dirty="0">
+                          <a:effectLst/>
+                        </a:rPr>
+                        <a:t>Pediatrics</a:t>
+                      </a:r>
+                      <a:endParaRPr lang="en-US" sz="1100" b="0" i="0" u="none" strike="noStrike" dirty="0">
+                        <a:solidFill>
+                          <a:srgbClr val="000000"/>
+                        </a:solidFill>
+                        <a:effectLst/>
+                        <a:latin typeface="Calibri" panose="020F0502020204030204" pitchFamily="34" charset="0"/>
+                      </a:endParaRPr>
+                    </a:p>
+                  </a:txBody>
+                  <a:tcPr marL="7620" marR="7620" marT="7620" marB="0" anchor="b"/>
+                </a:tc>
+                <a:extLst>
+                  <a:ext uri="{0D108BD9-81ED-4DB2-BD59-A6C34878D82A}">
+                    <a16:rowId xmlns:a16="http://schemas.microsoft.com/office/drawing/2014/main" val="3548785687"/>
+                  </a:ext>
+                </a:extLst>
+              </a:tr>
+              <a:tr h="232212">
+                <a:tc>
+                  <a:txBody>
+                    <a:bodyPr/>
+                    <a:lstStyle/>
+                    <a:p>
+                      <a:pPr algn="l" fontAlgn="b"/>
+                      <a:r>
+                        <a:rPr lang="en-US" sz="1100" u="none" strike="noStrike">
+                          <a:effectLst/>
+                        </a:rPr>
+                        <a:t>Pediatric Diabetic Ketoacidosis</a:t>
+                      </a:r>
+                      <a:endParaRPr lang="en-US" sz="1100" b="0" i="0" u="none" strike="noStrike">
+                        <a:solidFill>
+                          <a:srgbClr val="000000"/>
+                        </a:solidFill>
+                        <a:effectLst/>
+                        <a:latin typeface="Calibri" panose="020F0502020204030204" pitchFamily="34" charset="0"/>
+                      </a:endParaRPr>
+                    </a:p>
+                  </a:txBody>
+                  <a:tcPr marL="7620" marR="7620" marT="7620" marB="0" anchor="b"/>
+                </a:tc>
+                <a:tc>
+                  <a:txBody>
+                    <a:bodyPr/>
+                    <a:lstStyle/>
+                    <a:p>
+                      <a:pPr algn="l" fontAlgn="b"/>
+                      <a:r>
+                        <a:rPr lang="en-US" sz="1100" u="none" strike="noStrike">
+                          <a:effectLst/>
+                        </a:rPr>
+                        <a:t>M. Marin</a:t>
+                      </a:r>
+                      <a:endParaRPr lang="en-US" sz="1100" b="0" i="0" u="none" strike="noStrike">
+                        <a:solidFill>
+                          <a:srgbClr val="000000"/>
+                        </a:solidFill>
+                        <a:effectLst/>
+                        <a:latin typeface="Calibri" panose="020F0502020204030204" pitchFamily="34" charset="0"/>
+                      </a:endParaRPr>
+                    </a:p>
+                  </a:txBody>
+                  <a:tcPr marL="7620" marR="7620" marT="7620" marB="0" anchor="b"/>
+                </a:tc>
+                <a:tc>
+                  <a:txBody>
+                    <a:bodyPr/>
+                    <a:lstStyle/>
+                    <a:p>
+                      <a:pPr algn="l" fontAlgn="b"/>
+                      <a:r>
+                        <a:rPr lang="en-US" sz="1100" u="none" strike="noStrike">
+                          <a:effectLst/>
+                        </a:rPr>
+                        <a:t>Pediatrics</a:t>
+                      </a:r>
+                      <a:endParaRPr lang="en-US" sz="1100" b="0" i="0" u="none" strike="noStrike">
+                        <a:solidFill>
+                          <a:srgbClr val="000000"/>
+                        </a:solidFill>
+                        <a:effectLst/>
+                        <a:latin typeface="Calibri" panose="020F0502020204030204" pitchFamily="34" charset="0"/>
+                      </a:endParaRPr>
+                    </a:p>
+                  </a:txBody>
+                  <a:tcPr marL="7620" marR="7620" marT="7620" marB="0" anchor="b"/>
+                </a:tc>
+                <a:extLst>
+                  <a:ext uri="{0D108BD9-81ED-4DB2-BD59-A6C34878D82A}">
+                    <a16:rowId xmlns:a16="http://schemas.microsoft.com/office/drawing/2014/main" val="949879066"/>
+                  </a:ext>
+                </a:extLst>
+              </a:tr>
+              <a:tr h="232212">
+                <a:tc>
+                  <a:txBody>
+                    <a:bodyPr/>
+                    <a:lstStyle/>
+                    <a:p>
+                      <a:pPr algn="l" fontAlgn="b"/>
+                      <a:r>
+                        <a:rPr lang="en-US" sz="1100" u="none" strike="noStrike">
+                          <a:effectLst/>
+                        </a:rPr>
+                        <a:t>Anxiety &amp; Depression Education</a:t>
+                      </a:r>
+                      <a:endParaRPr lang="en-US" sz="1100" b="0" i="0" u="none" strike="noStrike">
+                        <a:solidFill>
+                          <a:srgbClr val="000000"/>
+                        </a:solidFill>
+                        <a:effectLst/>
+                        <a:latin typeface="Calibri" panose="020F0502020204030204" pitchFamily="34" charset="0"/>
+                      </a:endParaRPr>
+                    </a:p>
+                  </a:txBody>
+                  <a:tcPr marL="7620" marR="7620" marT="7620" marB="0" anchor="b"/>
+                </a:tc>
+                <a:tc>
+                  <a:txBody>
+                    <a:bodyPr/>
+                    <a:lstStyle/>
+                    <a:p>
+                      <a:pPr algn="l" fontAlgn="b"/>
+                      <a:r>
+                        <a:rPr lang="en-US" sz="1100" u="none" strike="noStrike">
+                          <a:effectLst/>
+                        </a:rPr>
+                        <a:t>A. Bax</a:t>
+                      </a:r>
+                      <a:endParaRPr lang="en-US" sz="1100" b="0" i="0" u="none" strike="noStrike">
+                        <a:solidFill>
+                          <a:srgbClr val="000000"/>
+                        </a:solidFill>
+                        <a:effectLst/>
+                        <a:latin typeface="Calibri" panose="020F0502020204030204" pitchFamily="34" charset="0"/>
+                      </a:endParaRPr>
+                    </a:p>
+                  </a:txBody>
+                  <a:tcPr marL="7620" marR="7620" marT="7620" marB="0" anchor="b"/>
+                </a:tc>
+                <a:tc>
+                  <a:txBody>
+                    <a:bodyPr/>
+                    <a:lstStyle/>
+                    <a:p>
+                      <a:pPr algn="l" fontAlgn="b"/>
+                      <a:r>
+                        <a:rPr lang="en-US" sz="1100" u="none" strike="noStrike">
+                          <a:effectLst/>
+                        </a:rPr>
+                        <a:t>Pediatrics</a:t>
+                      </a:r>
+                      <a:endParaRPr lang="en-US" sz="1100" b="0" i="0" u="none" strike="noStrike">
+                        <a:solidFill>
+                          <a:srgbClr val="000000"/>
+                        </a:solidFill>
+                        <a:effectLst/>
+                        <a:latin typeface="Calibri" panose="020F0502020204030204" pitchFamily="34" charset="0"/>
+                      </a:endParaRPr>
+                    </a:p>
+                  </a:txBody>
+                  <a:tcPr marL="7620" marR="7620" marT="7620" marB="0" anchor="b"/>
+                </a:tc>
+                <a:extLst>
+                  <a:ext uri="{0D108BD9-81ED-4DB2-BD59-A6C34878D82A}">
+                    <a16:rowId xmlns:a16="http://schemas.microsoft.com/office/drawing/2014/main" val="3222670053"/>
+                  </a:ext>
+                </a:extLst>
+              </a:tr>
+              <a:tr h="232212">
+                <a:tc>
+                  <a:txBody>
+                    <a:bodyPr/>
+                    <a:lstStyle/>
+                    <a:p>
+                      <a:pPr algn="l" fontAlgn="b"/>
+                      <a:r>
+                        <a:rPr lang="en-US" sz="1100" u="none" strike="noStrike">
+                          <a:effectLst/>
+                        </a:rPr>
+                        <a:t>Obesity in Foster Care</a:t>
+                      </a:r>
+                      <a:endParaRPr lang="en-US" sz="1100" b="0" i="0" u="none" strike="noStrike">
+                        <a:solidFill>
+                          <a:srgbClr val="000000"/>
+                        </a:solidFill>
+                        <a:effectLst/>
+                        <a:latin typeface="Calibri" panose="020F0502020204030204" pitchFamily="34" charset="0"/>
+                      </a:endParaRPr>
+                    </a:p>
+                  </a:txBody>
+                  <a:tcPr marL="7620" marR="7620" marT="7620" marB="0" anchor="b"/>
+                </a:tc>
+                <a:tc>
+                  <a:txBody>
+                    <a:bodyPr/>
+                    <a:lstStyle/>
+                    <a:p>
+                      <a:pPr algn="l" fontAlgn="b"/>
+                      <a:r>
+                        <a:rPr lang="en-US" sz="1100" u="none" strike="noStrike">
+                          <a:effectLst/>
+                        </a:rPr>
+                        <a:t>N. Torres-Garcia</a:t>
+                      </a:r>
+                      <a:endParaRPr lang="en-US" sz="1100" b="0" i="0" u="none" strike="noStrike">
+                        <a:solidFill>
+                          <a:srgbClr val="000000"/>
+                        </a:solidFill>
+                        <a:effectLst/>
+                        <a:latin typeface="Calibri" panose="020F0502020204030204" pitchFamily="34" charset="0"/>
+                      </a:endParaRPr>
+                    </a:p>
+                  </a:txBody>
+                  <a:tcPr marL="7620" marR="7620" marT="7620" marB="0" anchor="b"/>
+                </a:tc>
+                <a:tc>
+                  <a:txBody>
+                    <a:bodyPr/>
+                    <a:lstStyle/>
+                    <a:p>
+                      <a:pPr algn="l" fontAlgn="b"/>
+                      <a:r>
+                        <a:rPr lang="en-US" sz="1100" u="none" strike="noStrike">
+                          <a:effectLst/>
+                        </a:rPr>
+                        <a:t>Pediatrics</a:t>
+                      </a:r>
+                      <a:endParaRPr lang="en-US" sz="1100" b="0" i="0" u="none" strike="noStrike">
+                        <a:solidFill>
+                          <a:srgbClr val="000000"/>
+                        </a:solidFill>
+                        <a:effectLst/>
+                        <a:latin typeface="Calibri" panose="020F0502020204030204" pitchFamily="34" charset="0"/>
+                      </a:endParaRPr>
+                    </a:p>
+                  </a:txBody>
+                  <a:tcPr marL="7620" marR="7620" marT="7620" marB="0" anchor="b"/>
+                </a:tc>
+                <a:extLst>
+                  <a:ext uri="{0D108BD9-81ED-4DB2-BD59-A6C34878D82A}">
+                    <a16:rowId xmlns:a16="http://schemas.microsoft.com/office/drawing/2014/main" val="1661099666"/>
+                  </a:ext>
+                </a:extLst>
+              </a:tr>
+              <a:tr h="232212">
+                <a:tc>
+                  <a:txBody>
+                    <a:bodyPr/>
+                    <a:lstStyle/>
+                    <a:p>
+                      <a:pPr algn="l" fontAlgn="b"/>
+                      <a:r>
+                        <a:rPr lang="en-US" sz="1100" u="none" strike="noStrike">
+                          <a:effectLst/>
+                        </a:rPr>
+                        <a:t>Posterior Cruciate Ligament Avulsions</a:t>
+                      </a:r>
+                      <a:endParaRPr lang="en-US" sz="1100" b="0" i="0" u="none" strike="noStrike">
+                        <a:solidFill>
+                          <a:srgbClr val="000000"/>
+                        </a:solidFill>
+                        <a:effectLst/>
+                        <a:latin typeface="Calibri" panose="020F0502020204030204" pitchFamily="34" charset="0"/>
+                      </a:endParaRPr>
+                    </a:p>
+                  </a:txBody>
+                  <a:tcPr marL="7620" marR="7620" marT="7620" marB="0" anchor="b"/>
+                </a:tc>
+                <a:tc>
+                  <a:txBody>
+                    <a:bodyPr/>
+                    <a:lstStyle/>
+                    <a:p>
+                      <a:pPr algn="l" fontAlgn="b"/>
+                      <a:r>
+                        <a:rPr lang="en-US" sz="1100" u="none" strike="noStrike">
+                          <a:effectLst/>
+                        </a:rPr>
+                        <a:t>S. Algan</a:t>
+                      </a:r>
+                      <a:endParaRPr lang="en-US" sz="1100" b="0" i="0" u="none" strike="noStrike">
+                        <a:solidFill>
+                          <a:srgbClr val="000000"/>
+                        </a:solidFill>
+                        <a:effectLst/>
+                        <a:latin typeface="Calibri" panose="020F0502020204030204" pitchFamily="34" charset="0"/>
+                      </a:endParaRPr>
+                    </a:p>
+                  </a:txBody>
+                  <a:tcPr marL="7620" marR="7620" marT="7620" marB="0" anchor="b"/>
+                </a:tc>
+                <a:tc>
+                  <a:txBody>
+                    <a:bodyPr/>
+                    <a:lstStyle/>
+                    <a:p>
+                      <a:pPr algn="l" fontAlgn="b"/>
+                      <a:r>
+                        <a:rPr lang="en-US" sz="1100" u="none" strike="noStrike">
+                          <a:effectLst/>
+                        </a:rPr>
+                        <a:t>Orthopedics</a:t>
+                      </a:r>
+                      <a:endParaRPr lang="en-US" sz="1100" b="0" i="0" u="none" strike="noStrike">
+                        <a:solidFill>
+                          <a:srgbClr val="000000"/>
+                        </a:solidFill>
+                        <a:effectLst/>
+                        <a:latin typeface="Calibri" panose="020F0502020204030204" pitchFamily="34" charset="0"/>
+                      </a:endParaRPr>
+                    </a:p>
+                  </a:txBody>
+                  <a:tcPr marL="7620" marR="7620" marT="7620" marB="0" anchor="b"/>
+                </a:tc>
+                <a:extLst>
+                  <a:ext uri="{0D108BD9-81ED-4DB2-BD59-A6C34878D82A}">
+                    <a16:rowId xmlns:a16="http://schemas.microsoft.com/office/drawing/2014/main" val="4172047643"/>
+                  </a:ext>
+                </a:extLst>
+              </a:tr>
+              <a:tr h="232212">
+                <a:tc>
+                  <a:txBody>
+                    <a:bodyPr/>
+                    <a:lstStyle/>
+                    <a:p>
+                      <a:pPr algn="l" fontAlgn="b"/>
+                      <a:r>
+                        <a:rPr lang="en-US" sz="1100" u="none" strike="noStrike">
+                          <a:effectLst/>
+                        </a:rPr>
+                        <a:t>Avulsion Fractures (Tibia &amp; Fibula)</a:t>
+                      </a:r>
+                      <a:endParaRPr lang="en-US" sz="1100" b="0" i="0" u="none" strike="noStrike">
+                        <a:solidFill>
+                          <a:srgbClr val="000000"/>
+                        </a:solidFill>
+                        <a:effectLst/>
+                        <a:latin typeface="Calibri" panose="020F0502020204030204" pitchFamily="34" charset="0"/>
+                      </a:endParaRPr>
+                    </a:p>
+                  </a:txBody>
+                  <a:tcPr marL="7620" marR="7620" marT="7620" marB="0" anchor="b"/>
+                </a:tc>
+                <a:tc>
+                  <a:txBody>
+                    <a:bodyPr/>
+                    <a:lstStyle/>
+                    <a:p>
+                      <a:pPr algn="l" fontAlgn="b"/>
+                      <a:r>
+                        <a:rPr lang="en-US" sz="1100" u="none" strike="noStrike">
+                          <a:effectLst/>
+                        </a:rPr>
+                        <a:t>S. Algan</a:t>
+                      </a:r>
+                      <a:endParaRPr lang="en-US" sz="1100" b="0" i="0" u="none" strike="noStrike">
+                        <a:solidFill>
+                          <a:srgbClr val="000000"/>
+                        </a:solidFill>
+                        <a:effectLst/>
+                        <a:latin typeface="Calibri" panose="020F0502020204030204" pitchFamily="34" charset="0"/>
+                      </a:endParaRPr>
+                    </a:p>
+                  </a:txBody>
+                  <a:tcPr marL="7620" marR="7620" marT="7620" marB="0" anchor="b"/>
+                </a:tc>
+                <a:tc>
+                  <a:txBody>
+                    <a:bodyPr/>
+                    <a:lstStyle/>
+                    <a:p>
+                      <a:pPr algn="l" fontAlgn="b"/>
+                      <a:r>
+                        <a:rPr lang="en-US" sz="1100" u="none" strike="noStrike">
+                          <a:effectLst/>
+                        </a:rPr>
+                        <a:t>Orthopedics</a:t>
+                      </a:r>
+                      <a:endParaRPr lang="en-US" sz="1100" b="0" i="0" u="none" strike="noStrike">
+                        <a:solidFill>
+                          <a:srgbClr val="000000"/>
+                        </a:solidFill>
+                        <a:effectLst/>
+                        <a:latin typeface="Calibri" panose="020F0502020204030204" pitchFamily="34" charset="0"/>
+                      </a:endParaRPr>
+                    </a:p>
+                  </a:txBody>
+                  <a:tcPr marL="7620" marR="7620" marT="7620" marB="0" anchor="b"/>
+                </a:tc>
+                <a:extLst>
+                  <a:ext uri="{0D108BD9-81ED-4DB2-BD59-A6C34878D82A}">
+                    <a16:rowId xmlns:a16="http://schemas.microsoft.com/office/drawing/2014/main" val="1057878429"/>
+                  </a:ext>
+                </a:extLst>
+              </a:tr>
+              <a:tr h="232212">
+                <a:tc>
+                  <a:txBody>
+                    <a:bodyPr/>
+                    <a:lstStyle/>
+                    <a:p>
+                      <a:pPr algn="l" fontAlgn="b"/>
+                      <a:r>
+                        <a:rPr lang="en-US" sz="1100" u="none" strike="noStrike">
+                          <a:effectLst/>
+                        </a:rPr>
+                        <a:t>Avulsion Fractures (Femur)</a:t>
+                      </a:r>
+                      <a:endParaRPr lang="en-US" sz="1100" b="0" i="0" u="none" strike="noStrike">
+                        <a:solidFill>
+                          <a:srgbClr val="000000"/>
+                        </a:solidFill>
+                        <a:effectLst/>
+                        <a:latin typeface="Calibri" panose="020F0502020204030204" pitchFamily="34" charset="0"/>
+                      </a:endParaRPr>
+                    </a:p>
+                  </a:txBody>
+                  <a:tcPr marL="7620" marR="7620" marT="7620" marB="0" anchor="b"/>
+                </a:tc>
+                <a:tc>
+                  <a:txBody>
+                    <a:bodyPr/>
+                    <a:lstStyle/>
+                    <a:p>
+                      <a:pPr algn="l" fontAlgn="b"/>
+                      <a:r>
+                        <a:rPr lang="en-US" sz="1100" u="none" strike="noStrike">
+                          <a:effectLst/>
+                        </a:rPr>
+                        <a:t>S. Algan</a:t>
+                      </a:r>
+                      <a:endParaRPr lang="en-US" sz="1100" b="0" i="0" u="none" strike="noStrike">
+                        <a:solidFill>
+                          <a:srgbClr val="000000"/>
+                        </a:solidFill>
+                        <a:effectLst/>
+                        <a:latin typeface="Calibri" panose="020F0502020204030204" pitchFamily="34" charset="0"/>
+                      </a:endParaRPr>
+                    </a:p>
+                  </a:txBody>
+                  <a:tcPr marL="7620" marR="7620" marT="7620" marB="0" anchor="b"/>
+                </a:tc>
+                <a:tc>
+                  <a:txBody>
+                    <a:bodyPr/>
+                    <a:lstStyle/>
+                    <a:p>
+                      <a:pPr algn="l" fontAlgn="b"/>
+                      <a:r>
+                        <a:rPr lang="en-US" sz="1100" u="none" strike="noStrike">
+                          <a:effectLst/>
+                        </a:rPr>
+                        <a:t>Orthopedics</a:t>
+                      </a:r>
+                      <a:endParaRPr lang="en-US" sz="1100" b="0" i="0" u="none" strike="noStrike">
+                        <a:solidFill>
+                          <a:srgbClr val="000000"/>
+                        </a:solidFill>
+                        <a:effectLst/>
+                        <a:latin typeface="Calibri" panose="020F0502020204030204" pitchFamily="34" charset="0"/>
+                      </a:endParaRPr>
+                    </a:p>
+                  </a:txBody>
+                  <a:tcPr marL="7620" marR="7620" marT="7620" marB="0" anchor="b"/>
+                </a:tc>
+                <a:extLst>
+                  <a:ext uri="{0D108BD9-81ED-4DB2-BD59-A6C34878D82A}">
+                    <a16:rowId xmlns:a16="http://schemas.microsoft.com/office/drawing/2014/main" val="2151953881"/>
+                  </a:ext>
+                </a:extLst>
+              </a:tr>
+              <a:tr h="232212">
+                <a:tc>
+                  <a:txBody>
+                    <a:bodyPr/>
+                    <a:lstStyle/>
+                    <a:p>
+                      <a:pPr algn="l" fontAlgn="b"/>
+                      <a:r>
+                        <a:rPr lang="en-US" sz="1100" u="none" strike="noStrike">
+                          <a:effectLst/>
+                        </a:rPr>
+                        <a:t>STI Screening</a:t>
+                      </a:r>
+                      <a:endParaRPr lang="en-US" sz="1100" b="0" i="0" u="none" strike="noStrike">
+                        <a:solidFill>
+                          <a:srgbClr val="000000"/>
+                        </a:solidFill>
+                        <a:effectLst/>
+                        <a:latin typeface="Calibri" panose="020F0502020204030204" pitchFamily="34" charset="0"/>
+                      </a:endParaRPr>
+                    </a:p>
+                  </a:txBody>
+                  <a:tcPr marL="7620" marR="7620" marT="7620" marB="0" anchor="b"/>
+                </a:tc>
+                <a:tc>
+                  <a:txBody>
+                    <a:bodyPr/>
+                    <a:lstStyle/>
+                    <a:p>
+                      <a:pPr algn="l" fontAlgn="b"/>
+                      <a:r>
+                        <a:rPr lang="en-US" sz="1100" u="none" strike="noStrike">
+                          <a:effectLst/>
+                        </a:rPr>
+                        <a:t>R. Leasure</a:t>
+                      </a:r>
+                      <a:endParaRPr lang="en-US" sz="1100" b="0" i="0" u="none" strike="noStrike">
+                        <a:solidFill>
+                          <a:srgbClr val="000000"/>
+                        </a:solidFill>
+                        <a:effectLst/>
+                        <a:latin typeface="Calibri" panose="020F0502020204030204" pitchFamily="34" charset="0"/>
+                      </a:endParaRPr>
+                    </a:p>
+                  </a:txBody>
+                  <a:tcPr marL="7620" marR="7620" marT="7620" marB="0" anchor="b"/>
+                </a:tc>
+                <a:tc>
+                  <a:txBody>
+                    <a:bodyPr/>
+                    <a:lstStyle/>
+                    <a:p>
+                      <a:pPr algn="l" fontAlgn="b"/>
+                      <a:r>
+                        <a:rPr lang="en-US" sz="1100" u="none" strike="noStrike">
+                          <a:effectLst/>
+                        </a:rPr>
+                        <a:t>Infectious Disease</a:t>
+                      </a:r>
+                      <a:endParaRPr lang="en-US" sz="1100" b="0" i="0" u="none" strike="noStrike">
+                        <a:solidFill>
+                          <a:srgbClr val="000000"/>
+                        </a:solidFill>
+                        <a:effectLst/>
+                        <a:latin typeface="Calibri" panose="020F0502020204030204" pitchFamily="34" charset="0"/>
+                      </a:endParaRPr>
+                    </a:p>
+                  </a:txBody>
+                  <a:tcPr marL="7620" marR="7620" marT="7620" marB="0" anchor="b"/>
+                </a:tc>
+                <a:extLst>
+                  <a:ext uri="{0D108BD9-81ED-4DB2-BD59-A6C34878D82A}">
+                    <a16:rowId xmlns:a16="http://schemas.microsoft.com/office/drawing/2014/main" val="3615318075"/>
+                  </a:ext>
+                </a:extLst>
+              </a:tr>
+              <a:tr h="232212">
+                <a:tc>
+                  <a:txBody>
+                    <a:bodyPr/>
+                    <a:lstStyle/>
+                    <a:p>
+                      <a:pPr algn="l" fontAlgn="b"/>
+                      <a:r>
+                        <a:rPr lang="en-US" sz="1100" u="none" strike="noStrike">
+                          <a:effectLst/>
+                        </a:rPr>
+                        <a:t>Interstitial Cystits Pain</a:t>
+                      </a:r>
+                      <a:endParaRPr lang="en-US" sz="1100" b="0" i="0" u="none" strike="noStrike">
+                        <a:solidFill>
+                          <a:srgbClr val="000000"/>
+                        </a:solidFill>
+                        <a:effectLst/>
+                        <a:latin typeface="Calibri" panose="020F0502020204030204" pitchFamily="34" charset="0"/>
+                      </a:endParaRPr>
+                    </a:p>
+                  </a:txBody>
+                  <a:tcPr marL="7620" marR="7620" marT="7620" marB="0" anchor="b"/>
+                </a:tc>
+                <a:tc>
+                  <a:txBody>
+                    <a:bodyPr/>
+                    <a:lstStyle/>
+                    <a:p>
+                      <a:pPr algn="l" fontAlgn="b"/>
+                      <a:r>
+                        <a:rPr lang="en-US" sz="1100" u="none" strike="noStrike">
+                          <a:effectLst/>
+                        </a:rPr>
+                        <a:t>L. Quiroz</a:t>
+                      </a:r>
+                      <a:endParaRPr lang="en-US" sz="1100" b="0" i="0" u="none" strike="noStrike">
+                        <a:solidFill>
+                          <a:srgbClr val="000000"/>
+                        </a:solidFill>
+                        <a:effectLst/>
+                        <a:latin typeface="Calibri" panose="020F0502020204030204" pitchFamily="34" charset="0"/>
+                      </a:endParaRPr>
+                    </a:p>
+                  </a:txBody>
+                  <a:tcPr marL="7620" marR="7620" marT="7620" marB="0" anchor="b"/>
+                </a:tc>
+                <a:tc>
+                  <a:txBody>
+                    <a:bodyPr/>
+                    <a:lstStyle/>
+                    <a:p>
+                      <a:pPr algn="l" fontAlgn="b"/>
+                      <a:r>
+                        <a:rPr lang="en-US" sz="1100" u="none" strike="noStrike">
+                          <a:effectLst/>
+                        </a:rPr>
+                        <a:t>Women's Health</a:t>
+                      </a:r>
+                      <a:endParaRPr lang="en-US" sz="1100" b="0" i="0" u="none" strike="noStrike">
+                        <a:solidFill>
+                          <a:srgbClr val="000000"/>
+                        </a:solidFill>
+                        <a:effectLst/>
+                        <a:latin typeface="Calibri" panose="020F0502020204030204" pitchFamily="34" charset="0"/>
+                      </a:endParaRPr>
+                    </a:p>
+                  </a:txBody>
+                  <a:tcPr marL="7620" marR="7620" marT="7620" marB="0" anchor="b"/>
+                </a:tc>
+                <a:extLst>
+                  <a:ext uri="{0D108BD9-81ED-4DB2-BD59-A6C34878D82A}">
+                    <a16:rowId xmlns:a16="http://schemas.microsoft.com/office/drawing/2014/main" val="1810581365"/>
+                  </a:ext>
+                </a:extLst>
+              </a:tr>
+              <a:tr h="232212">
+                <a:tc>
+                  <a:txBody>
+                    <a:bodyPr/>
+                    <a:lstStyle/>
+                    <a:p>
+                      <a:pPr algn="l" fontAlgn="b"/>
+                      <a:r>
+                        <a:rPr lang="en-US" sz="1100" u="none" strike="noStrike">
+                          <a:effectLst/>
+                        </a:rPr>
+                        <a:t>Pharmacist-Led Care</a:t>
+                      </a:r>
+                      <a:endParaRPr lang="en-US" sz="1100" b="0" i="0" u="none" strike="noStrike">
+                        <a:solidFill>
+                          <a:srgbClr val="000000"/>
+                        </a:solidFill>
+                        <a:effectLst/>
+                        <a:latin typeface="Calibri" panose="020F0502020204030204" pitchFamily="34" charset="0"/>
+                      </a:endParaRPr>
+                    </a:p>
+                  </a:txBody>
+                  <a:tcPr marL="7620" marR="7620" marT="7620" marB="0" anchor="b"/>
+                </a:tc>
+                <a:tc>
+                  <a:txBody>
+                    <a:bodyPr/>
+                    <a:lstStyle/>
+                    <a:p>
+                      <a:pPr algn="l" fontAlgn="b"/>
+                      <a:r>
+                        <a:rPr lang="en-US" sz="1100" u="none" strike="noStrike">
+                          <a:effectLst/>
+                        </a:rPr>
+                        <a:t>T. Truong</a:t>
+                      </a:r>
+                      <a:endParaRPr lang="en-US" sz="1100" b="0" i="0" u="none" strike="noStrike">
+                        <a:solidFill>
+                          <a:srgbClr val="000000"/>
+                        </a:solidFill>
+                        <a:effectLst/>
+                        <a:latin typeface="Calibri" panose="020F0502020204030204" pitchFamily="34" charset="0"/>
+                      </a:endParaRPr>
+                    </a:p>
+                  </a:txBody>
+                  <a:tcPr marL="7620" marR="7620" marT="7620" marB="0" anchor="b"/>
+                </a:tc>
+                <a:tc>
+                  <a:txBody>
+                    <a:bodyPr/>
+                    <a:lstStyle/>
+                    <a:p>
+                      <a:pPr algn="l" fontAlgn="b"/>
+                      <a:r>
+                        <a:rPr lang="en-US" sz="1100" u="none" strike="noStrike">
+                          <a:effectLst/>
+                        </a:rPr>
+                        <a:t>Pharmacy</a:t>
+                      </a:r>
+                      <a:endParaRPr lang="en-US" sz="1100" b="0" i="0" u="none" strike="noStrike">
+                        <a:solidFill>
+                          <a:srgbClr val="000000"/>
+                        </a:solidFill>
+                        <a:effectLst/>
+                        <a:latin typeface="Calibri" panose="020F0502020204030204" pitchFamily="34" charset="0"/>
+                      </a:endParaRPr>
+                    </a:p>
+                  </a:txBody>
+                  <a:tcPr marL="7620" marR="7620" marT="7620" marB="0" anchor="b"/>
+                </a:tc>
+                <a:extLst>
+                  <a:ext uri="{0D108BD9-81ED-4DB2-BD59-A6C34878D82A}">
+                    <a16:rowId xmlns:a16="http://schemas.microsoft.com/office/drawing/2014/main" val="240284698"/>
+                  </a:ext>
+                </a:extLst>
+              </a:tr>
+              <a:tr h="232212">
+                <a:tc>
+                  <a:txBody>
+                    <a:bodyPr/>
+                    <a:lstStyle/>
+                    <a:p>
+                      <a:pPr algn="l" fontAlgn="b"/>
+                      <a:r>
+                        <a:rPr lang="en-US" sz="1100" u="none" strike="noStrike">
+                          <a:effectLst/>
+                        </a:rPr>
+                        <a:t>POPS</a:t>
+                      </a:r>
+                      <a:endParaRPr lang="en-US" sz="1100" b="0" i="0" u="none" strike="noStrike">
+                        <a:solidFill>
+                          <a:srgbClr val="000000"/>
+                        </a:solidFill>
+                        <a:effectLst/>
+                        <a:latin typeface="Calibri" panose="020F0502020204030204" pitchFamily="34" charset="0"/>
+                      </a:endParaRPr>
+                    </a:p>
+                  </a:txBody>
+                  <a:tcPr marL="7620" marR="7620" marT="7620" marB="0" anchor="b"/>
+                </a:tc>
+                <a:tc>
+                  <a:txBody>
+                    <a:bodyPr/>
+                    <a:lstStyle/>
+                    <a:p>
+                      <a:pPr algn="l" fontAlgn="b"/>
+                      <a:r>
+                        <a:rPr lang="en-US" sz="1100" u="none" strike="noStrike">
+                          <a:effectLst/>
+                        </a:rPr>
+                        <a:t>C. Allen</a:t>
+                      </a:r>
+                      <a:endParaRPr lang="en-US" sz="1100" b="0" i="0" u="none" strike="noStrike">
+                        <a:solidFill>
+                          <a:srgbClr val="000000"/>
+                        </a:solidFill>
+                        <a:effectLst/>
+                        <a:latin typeface="Calibri" panose="020F0502020204030204" pitchFamily="34" charset="0"/>
+                      </a:endParaRPr>
+                    </a:p>
+                  </a:txBody>
+                  <a:tcPr marL="7620" marR="7620" marT="7620" marB="0" anchor="b"/>
+                </a:tc>
+                <a:tc>
+                  <a:txBody>
+                    <a:bodyPr/>
+                    <a:lstStyle/>
+                    <a:p>
+                      <a:pPr algn="l" fontAlgn="b"/>
+                      <a:r>
+                        <a:rPr lang="en-US" sz="1100" u="none" strike="noStrike">
+                          <a:effectLst/>
+                        </a:rPr>
+                        <a:t>Pediatrics</a:t>
+                      </a:r>
+                      <a:endParaRPr lang="en-US" sz="1100" b="0" i="0" u="none" strike="noStrike">
+                        <a:solidFill>
+                          <a:srgbClr val="000000"/>
+                        </a:solidFill>
+                        <a:effectLst/>
+                        <a:latin typeface="Calibri" panose="020F0502020204030204" pitchFamily="34" charset="0"/>
+                      </a:endParaRPr>
+                    </a:p>
+                  </a:txBody>
+                  <a:tcPr marL="7620" marR="7620" marT="7620" marB="0" anchor="b"/>
+                </a:tc>
+                <a:extLst>
+                  <a:ext uri="{0D108BD9-81ED-4DB2-BD59-A6C34878D82A}">
+                    <a16:rowId xmlns:a16="http://schemas.microsoft.com/office/drawing/2014/main" val="2906176452"/>
+                  </a:ext>
+                </a:extLst>
+              </a:tr>
+              <a:tr h="232212">
+                <a:tc>
+                  <a:txBody>
+                    <a:bodyPr/>
+                    <a:lstStyle/>
+                    <a:p>
+                      <a:pPr algn="l" fontAlgn="b"/>
+                      <a:r>
+                        <a:rPr lang="en-US" sz="1100" u="none" strike="noStrike">
+                          <a:effectLst/>
+                        </a:rPr>
+                        <a:t>NAMCS</a:t>
+                      </a:r>
+                      <a:endParaRPr lang="en-US" sz="1100" b="0" i="0" u="none" strike="noStrike">
+                        <a:solidFill>
+                          <a:srgbClr val="000000"/>
+                        </a:solidFill>
+                        <a:effectLst/>
+                        <a:latin typeface="Calibri" panose="020F0502020204030204" pitchFamily="34" charset="0"/>
+                      </a:endParaRPr>
+                    </a:p>
+                  </a:txBody>
+                  <a:tcPr marL="7620" marR="7620" marT="7620" marB="0" anchor="b"/>
+                </a:tc>
+                <a:tc>
+                  <a:txBody>
+                    <a:bodyPr/>
+                    <a:lstStyle/>
+                    <a:p>
+                      <a:pPr algn="l" fontAlgn="b"/>
+                      <a:r>
+                        <a:rPr lang="en-US" sz="1100" u="none" strike="noStrike">
+                          <a:effectLst/>
+                        </a:rPr>
+                        <a:t>S. Gillaspy</a:t>
+                      </a:r>
+                      <a:endParaRPr lang="en-US" sz="1100" b="0" i="0" u="none" strike="noStrike">
+                        <a:solidFill>
+                          <a:srgbClr val="000000"/>
+                        </a:solidFill>
+                        <a:effectLst/>
+                        <a:latin typeface="Calibri" panose="020F0502020204030204" pitchFamily="34" charset="0"/>
+                      </a:endParaRPr>
+                    </a:p>
+                  </a:txBody>
+                  <a:tcPr marL="7620" marR="7620" marT="7620" marB="0" anchor="b"/>
+                </a:tc>
+                <a:tc>
+                  <a:txBody>
+                    <a:bodyPr/>
+                    <a:lstStyle/>
+                    <a:p>
+                      <a:pPr algn="l" fontAlgn="b"/>
+                      <a:r>
+                        <a:rPr lang="en-US" sz="1100" u="none" strike="noStrike">
+                          <a:effectLst/>
+                        </a:rPr>
+                        <a:t>Pediatrics</a:t>
+                      </a:r>
+                      <a:endParaRPr lang="en-US" sz="1100" b="0" i="0" u="none" strike="noStrike">
+                        <a:solidFill>
+                          <a:srgbClr val="000000"/>
+                        </a:solidFill>
+                        <a:effectLst/>
+                        <a:latin typeface="Calibri" panose="020F0502020204030204" pitchFamily="34" charset="0"/>
+                      </a:endParaRPr>
+                    </a:p>
+                  </a:txBody>
+                  <a:tcPr marL="7620" marR="7620" marT="7620" marB="0" anchor="b"/>
+                </a:tc>
+                <a:extLst>
+                  <a:ext uri="{0D108BD9-81ED-4DB2-BD59-A6C34878D82A}">
+                    <a16:rowId xmlns:a16="http://schemas.microsoft.com/office/drawing/2014/main" val="3562986470"/>
+                  </a:ext>
+                </a:extLst>
+              </a:tr>
+              <a:tr h="232212">
+                <a:tc>
+                  <a:txBody>
+                    <a:bodyPr/>
+                    <a:lstStyle/>
+                    <a:p>
+                      <a:pPr algn="l" fontAlgn="b"/>
+                      <a:r>
+                        <a:rPr lang="en-US" sz="1100" u="none" strike="noStrike">
+                          <a:effectLst/>
+                        </a:rPr>
+                        <a:t>Preschool Behavior</a:t>
+                      </a:r>
+                      <a:endParaRPr lang="en-US" sz="1100" b="0" i="0" u="none" strike="noStrike">
+                        <a:solidFill>
+                          <a:srgbClr val="000000"/>
+                        </a:solidFill>
+                        <a:effectLst/>
+                        <a:latin typeface="Calibri" panose="020F0502020204030204" pitchFamily="34" charset="0"/>
+                      </a:endParaRPr>
+                    </a:p>
+                  </a:txBody>
+                  <a:tcPr marL="7620" marR="7620" marT="7620" marB="0" anchor="b"/>
+                </a:tc>
+                <a:tc>
+                  <a:txBody>
+                    <a:bodyPr/>
+                    <a:lstStyle/>
+                    <a:p>
+                      <a:pPr algn="l" fontAlgn="b"/>
+                      <a:r>
+                        <a:rPr lang="en-US" sz="1100" u="none" strike="noStrike">
+                          <a:effectLst/>
+                        </a:rPr>
+                        <a:t>A. Bax</a:t>
+                      </a:r>
+                      <a:endParaRPr lang="en-US" sz="1100" b="0" i="0" u="none" strike="noStrike">
+                        <a:solidFill>
+                          <a:srgbClr val="000000"/>
+                        </a:solidFill>
+                        <a:effectLst/>
+                        <a:latin typeface="Calibri" panose="020F0502020204030204" pitchFamily="34" charset="0"/>
+                      </a:endParaRPr>
+                    </a:p>
+                  </a:txBody>
+                  <a:tcPr marL="7620" marR="7620" marT="7620" marB="0" anchor="b"/>
+                </a:tc>
+                <a:tc>
+                  <a:txBody>
+                    <a:bodyPr/>
+                    <a:lstStyle/>
+                    <a:p>
+                      <a:pPr algn="l" fontAlgn="b"/>
+                      <a:r>
+                        <a:rPr lang="en-US" sz="1100" u="none" strike="noStrike">
+                          <a:effectLst/>
+                        </a:rPr>
+                        <a:t>Pediatrics</a:t>
+                      </a:r>
+                      <a:endParaRPr lang="en-US" sz="1100" b="0" i="0" u="none" strike="noStrike">
+                        <a:solidFill>
+                          <a:srgbClr val="000000"/>
+                        </a:solidFill>
+                        <a:effectLst/>
+                        <a:latin typeface="Calibri" panose="020F0502020204030204" pitchFamily="34" charset="0"/>
+                      </a:endParaRPr>
+                    </a:p>
+                  </a:txBody>
+                  <a:tcPr marL="7620" marR="7620" marT="7620" marB="0" anchor="b"/>
+                </a:tc>
+                <a:extLst>
+                  <a:ext uri="{0D108BD9-81ED-4DB2-BD59-A6C34878D82A}">
+                    <a16:rowId xmlns:a16="http://schemas.microsoft.com/office/drawing/2014/main" val="1671168545"/>
+                  </a:ext>
+                </a:extLst>
+              </a:tr>
+              <a:tr h="232212">
+                <a:tc>
+                  <a:txBody>
+                    <a:bodyPr/>
+                    <a:lstStyle/>
+                    <a:p>
+                      <a:pPr algn="l" fontAlgn="b"/>
+                      <a:r>
+                        <a:rPr lang="en-US" sz="1100" u="none" strike="noStrike">
+                          <a:effectLst/>
+                        </a:rPr>
+                        <a:t>Psychology Consults</a:t>
+                      </a:r>
+                      <a:endParaRPr lang="en-US" sz="1100" b="0" i="0" u="none" strike="noStrike">
+                        <a:solidFill>
+                          <a:srgbClr val="000000"/>
+                        </a:solidFill>
+                        <a:effectLst/>
+                        <a:latin typeface="Calibri" panose="020F0502020204030204" pitchFamily="34" charset="0"/>
+                      </a:endParaRPr>
+                    </a:p>
+                  </a:txBody>
+                  <a:tcPr marL="7620" marR="7620" marT="7620" marB="0" anchor="b"/>
+                </a:tc>
+                <a:tc>
+                  <a:txBody>
+                    <a:bodyPr/>
+                    <a:lstStyle/>
+                    <a:p>
+                      <a:pPr algn="l" fontAlgn="b"/>
+                      <a:r>
+                        <a:rPr lang="en-US" sz="1100" u="none" strike="noStrike">
+                          <a:effectLst/>
+                        </a:rPr>
+                        <a:t>S. Gillaspy</a:t>
+                      </a:r>
+                      <a:endParaRPr lang="en-US" sz="1100" b="0" i="0" u="none" strike="noStrike">
+                        <a:solidFill>
+                          <a:srgbClr val="000000"/>
+                        </a:solidFill>
+                        <a:effectLst/>
+                        <a:latin typeface="Calibri" panose="020F0502020204030204" pitchFamily="34" charset="0"/>
+                      </a:endParaRPr>
+                    </a:p>
+                  </a:txBody>
+                  <a:tcPr marL="7620" marR="7620" marT="7620" marB="0" anchor="b"/>
+                </a:tc>
+                <a:tc>
+                  <a:txBody>
+                    <a:bodyPr/>
+                    <a:lstStyle/>
+                    <a:p>
+                      <a:pPr algn="l" fontAlgn="b"/>
+                      <a:r>
+                        <a:rPr lang="en-US" sz="1100" u="none" strike="noStrike">
+                          <a:effectLst/>
+                        </a:rPr>
+                        <a:t>Pediatrics</a:t>
+                      </a:r>
+                      <a:endParaRPr lang="en-US" sz="1100" b="0" i="0" u="none" strike="noStrike">
+                        <a:solidFill>
+                          <a:srgbClr val="000000"/>
+                        </a:solidFill>
+                        <a:effectLst/>
+                        <a:latin typeface="Calibri" panose="020F0502020204030204" pitchFamily="34" charset="0"/>
+                      </a:endParaRPr>
+                    </a:p>
+                  </a:txBody>
+                  <a:tcPr marL="7620" marR="7620" marT="7620" marB="0" anchor="b"/>
+                </a:tc>
+                <a:extLst>
+                  <a:ext uri="{0D108BD9-81ED-4DB2-BD59-A6C34878D82A}">
+                    <a16:rowId xmlns:a16="http://schemas.microsoft.com/office/drawing/2014/main" val="2432487341"/>
+                  </a:ext>
+                </a:extLst>
+              </a:tr>
+              <a:tr h="232212">
+                <a:tc>
+                  <a:txBody>
+                    <a:bodyPr/>
+                    <a:lstStyle/>
+                    <a:p>
+                      <a:pPr algn="l" fontAlgn="b"/>
+                      <a:r>
+                        <a:rPr lang="en-US" sz="1100" u="none" strike="noStrike">
+                          <a:effectLst/>
+                        </a:rPr>
+                        <a:t>Chronic Hypertension in Pregnancy</a:t>
+                      </a:r>
+                      <a:endParaRPr lang="en-US" sz="1100" b="0" i="0" u="none" strike="noStrike">
+                        <a:solidFill>
+                          <a:srgbClr val="000000"/>
+                        </a:solidFill>
+                        <a:effectLst/>
+                        <a:latin typeface="Calibri" panose="020F0502020204030204" pitchFamily="34" charset="0"/>
+                      </a:endParaRPr>
+                    </a:p>
+                  </a:txBody>
+                  <a:tcPr marL="7620" marR="7620" marT="7620" marB="0" anchor="b"/>
+                </a:tc>
+                <a:tc>
+                  <a:txBody>
+                    <a:bodyPr/>
+                    <a:lstStyle/>
+                    <a:p>
+                      <a:pPr algn="l" fontAlgn="b"/>
+                      <a:r>
+                        <a:rPr lang="en-US" sz="1100" u="none" strike="noStrike">
+                          <a:effectLst/>
+                        </a:rPr>
+                        <a:t>R. Edwards</a:t>
+                      </a:r>
+                      <a:endParaRPr lang="en-US" sz="1100" b="0" i="0" u="none" strike="noStrike">
+                        <a:solidFill>
+                          <a:srgbClr val="000000"/>
+                        </a:solidFill>
+                        <a:effectLst/>
+                        <a:latin typeface="Calibri" panose="020F0502020204030204" pitchFamily="34" charset="0"/>
+                      </a:endParaRPr>
+                    </a:p>
+                  </a:txBody>
+                  <a:tcPr marL="7620" marR="7620" marT="7620" marB="0" anchor="b"/>
+                </a:tc>
+                <a:tc>
+                  <a:txBody>
+                    <a:bodyPr/>
+                    <a:lstStyle/>
+                    <a:p>
+                      <a:pPr algn="l" fontAlgn="b"/>
+                      <a:r>
+                        <a:rPr lang="en-US" sz="1100" u="none" strike="noStrike">
+                          <a:effectLst/>
+                        </a:rPr>
+                        <a:t>Women's Health</a:t>
+                      </a:r>
+                      <a:endParaRPr lang="en-US" sz="1100" b="0" i="0" u="none" strike="noStrike">
+                        <a:solidFill>
+                          <a:srgbClr val="000000"/>
+                        </a:solidFill>
+                        <a:effectLst/>
+                        <a:latin typeface="Calibri" panose="020F0502020204030204" pitchFamily="34" charset="0"/>
+                      </a:endParaRPr>
+                    </a:p>
+                  </a:txBody>
+                  <a:tcPr marL="7620" marR="7620" marT="7620" marB="0" anchor="b"/>
+                </a:tc>
+                <a:extLst>
+                  <a:ext uri="{0D108BD9-81ED-4DB2-BD59-A6C34878D82A}">
+                    <a16:rowId xmlns:a16="http://schemas.microsoft.com/office/drawing/2014/main" val="823347675"/>
+                  </a:ext>
+                </a:extLst>
+              </a:tr>
+              <a:tr h="232212">
+                <a:tc>
+                  <a:txBody>
+                    <a:bodyPr/>
+                    <a:lstStyle/>
+                    <a:p>
+                      <a:pPr algn="l" fontAlgn="b"/>
+                      <a:r>
+                        <a:rPr lang="en-US" sz="1100" u="none" strike="noStrike">
+                          <a:effectLst/>
+                        </a:rPr>
+                        <a:t>High Blood Pressure in Children</a:t>
+                      </a:r>
+                      <a:endParaRPr lang="en-US" sz="1100" b="0" i="0" u="none" strike="noStrike">
+                        <a:solidFill>
+                          <a:srgbClr val="000000"/>
+                        </a:solidFill>
+                        <a:effectLst/>
+                        <a:latin typeface="Calibri" panose="020F0502020204030204" pitchFamily="34" charset="0"/>
+                      </a:endParaRPr>
+                    </a:p>
+                  </a:txBody>
+                  <a:tcPr marL="7620" marR="7620" marT="7620" marB="0" anchor="b"/>
+                </a:tc>
+                <a:tc>
+                  <a:txBody>
+                    <a:bodyPr/>
+                    <a:lstStyle/>
+                    <a:p>
+                      <a:pPr algn="l" fontAlgn="b"/>
+                      <a:r>
+                        <a:rPr lang="en-US" sz="1100" u="none" strike="noStrike">
+                          <a:effectLst/>
+                        </a:rPr>
+                        <a:t>N. Connolley</a:t>
+                      </a:r>
+                      <a:endParaRPr lang="en-US" sz="1100" b="0" i="0" u="none" strike="noStrike">
+                        <a:solidFill>
+                          <a:srgbClr val="000000"/>
+                        </a:solidFill>
+                        <a:effectLst/>
+                        <a:latin typeface="Calibri" panose="020F0502020204030204" pitchFamily="34" charset="0"/>
+                      </a:endParaRPr>
+                    </a:p>
+                  </a:txBody>
+                  <a:tcPr marL="7620" marR="7620" marT="7620" marB="0" anchor="b"/>
+                </a:tc>
+                <a:tc>
+                  <a:txBody>
+                    <a:bodyPr/>
+                    <a:lstStyle/>
+                    <a:p>
+                      <a:pPr algn="l" fontAlgn="b"/>
+                      <a:r>
+                        <a:rPr lang="en-US" sz="1100" u="none" strike="noStrike">
+                          <a:effectLst/>
+                        </a:rPr>
+                        <a:t>Pediatrics</a:t>
+                      </a:r>
+                      <a:endParaRPr lang="en-US" sz="1100" b="0" i="0" u="none" strike="noStrike">
+                        <a:solidFill>
+                          <a:srgbClr val="000000"/>
+                        </a:solidFill>
+                        <a:effectLst/>
+                        <a:latin typeface="Calibri" panose="020F0502020204030204" pitchFamily="34" charset="0"/>
+                      </a:endParaRPr>
+                    </a:p>
+                  </a:txBody>
+                  <a:tcPr marL="7620" marR="7620" marT="7620" marB="0" anchor="b"/>
+                </a:tc>
+                <a:extLst>
+                  <a:ext uri="{0D108BD9-81ED-4DB2-BD59-A6C34878D82A}">
+                    <a16:rowId xmlns:a16="http://schemas.microsoft.com/office/drawing/2014/main" val="3888237083"/>
+                  </a:ext>
+                </a:extLst>
+              </a:tr>
+              <a:tr h="232212">
+                <a:tc>
+                  <a:txBody>
+                    <a:bodyPr/>
+                    <a:lstStyle/>
+                    <a:p>
+                      <a:pPr algn="l" fontAlgn="b"/>
+                      <a:r>
+                        <a:rPr lang="en-US" sz="1100" u="none" strike="noStrike">
+                          <a:effectLst/>
+                        </a:rPr>
+                        <a:t>Sickle Cell Disease Transition Program</a:t>
+                      </a:r>
+                      <a:endParaRPr lang="en-US" sz="1100" b="0" i="0" u="none" strike="noStrike">
+                        <a:solidFill>
+                          <a:srgbClr val="000000"/>
+                        </a:solidFill>
+                        <a:effectLst/>
+                        <a:latin typeface="Calibri" panose="020F0502020204030204" pitchFamily="34" charset="0"/>
+                      </a:endParaRPr>
+                    </a:p>
+                  </a:txBody>
+                  <a:tcPr marL="7620" marR="7620" marT="7620" marB="0" anchor="b"/>
+                </a:tc>
+                <a:tc>
+                  <a:txBody>
+                    <a:bodyPr/>
+                    <a:lstStyle/>
+                    <a:p>
+                      <a:pPr algn="l" fontAlgn="b"/>
+                      <a:r>
+                        <a:rPr lang="en-US" sz="1100" u="none" strike="noStrike">
+                          <a:effectLst/>
+                        </a:rPr>
+                        <a:t>A. Sinha</a:t>
+                      </a:r>
+                      <a:endParaRPr lang="en-US" sz="1100" b="0" i="0" u="none" strike="noStrike">
+                        <a:solidFill>
+                          <a:srgbClr val="000000"/>
+                        </a:solidFill>
+                        <a:effectLst/>
+                        <a:latin typeface="Calibri" panose="020F0502020204030204" pitchFamily="34" charset="0"/>
+                      </a:endParaRPr>
+                    </a:p>
+                  </a:txBody>
+                  <a:tcPr marL="7620" marR="7620" marT="7620" marB="0" anchor="b"/>
+                </a:tc>
+                <a:tc>
+                  <a:txBody>
+                    <a:bodyPr/>
+                    <a:lstStyle/>
+                    <a:p>
+                      <a:pPr algn="l" fontAlgn="b"/>
+                      <a:r>
+                        <a:rPr lang="en-US" sz="1100" u="none" strike="noStrike">
+                          <a:effectLst/>
+                        </a:rPr>
+                        <a:t>Pediatrics</a:t>
+                      </a:r>
+                      <a:endParaRPr lang="en-US" sz="1100" b="0" i="0" u="none" strike="noStrike">
+                        <a:solidFill>
+                          <a:srgbClr val="000000"/>
+                        </a:solidFill>
+                        <a:effectLst/>
+                        <a:latin typeface="Calibri" panose="020F0502020204030204" pitchFamily="34" charset="0"/>
+                      </a:endParaRPr>
+                    </a:p>
+                  </a:txBody>
+                  <a:tcPr marL="7620" marR="7620" marT="7620" marB="0" anchor="b"/>
+                </a:tc>
+                <a:extLst>
+                  <a:ext uri="{0D108BD9-81ED-4DB2-BD59-A6C34878D82A}">
+                    <a16:rowId xmlns:a16="http://schemas.microsoft.com/office/drawing/2014/main" val="1186328292"/>
+                  </a:ext>
+                </a:extLst>
+              </a:tr>
+              <a:tr h="232212">
+                <a:tc>
+                  <a:txBody>
+                    <a:bodyPr/>
+                    <a:lstStyle/>
+                    <a:p>
+                      <a:pPr algn="l" fontAlgn="b"/>
+                      <a:r>
+                        <a:rPr lang="en-US" sz="1100" u="none" strike="noStrike">
+                          <a:effectLst/>
+                        </a:rPr>
+                        <a:t>Brain Tumors</a:t>
+                      </a:r>
+                      <a:endParaRPr lang="en-US" sz="1100" b="0" i="0" u="none" strike="noStrike">
+                        <a:solidFill>
+                          <a:srgbClr val="000000"/>
+                        </a:solidFill>
+                        <a:effectLst/>
+                        <a:latin typeface="Calibri" panose="020F0502020204030204" pitchFamily="34" charset="0"/>
+                      </a:endParaRPr>
+                    </a:p>
+                  </a:txBody>
+                  <a:tcPr marL="7620" marR="7620" marT="7620" marB="0" anchor="b"/>
+                </a:tc>
+                <a:tc>
+                  <a:txBody>
+                    <a:bodyPr/>
+                    <a:lstStyle/>
+                    <a:p>
+                      <a:pPr algn="l" fontAlgn="b"/>
+                      <a:r>
+                        <a:rPr lang="en-US" sz="1100" u="none" strike="noStrike">
+                          <a:effectLst/>
+                        </a:rPr>
+                        <a:t>J. Battiste</a:t>
+                      </a:r>
+                      <a:endParaRPr lang="en-US" sz="1100" b="0" i="0" u="none" strike="noStrike">
+                        <a:solidFill>
+                          <a:srgbClr val="000000"/>
+                        </a:solidFill>
+                        <a:effectLst/>
+                        <a:latin typeface="Calibri" panose="020F0502020204030204" pitchFamily="34" charset="0"/>
+                      </a:endParaRPr>
+                    </a:p>
+                  </a:txBody>
+                  <a:tcPr marL="7620" marR="7620" marT="7620" marB="0" anchor="b"/>
+                </a:tc>
+                <a:tc>
+                  <a:txBody>
+                    <a:bodyPr/>
+                    <a:lstStyle/>
+                    <a:p>
+                      <a:pPr algn="l" fontAlgn="b"/>
+                      <a:r>
+                        <a:rPr lang="en-US" sz="1100" u="none" strike="noStrike">
+                          <a:effectLst/>
+                        </a:rPr>
+                        <a:t>Cancer Center</a:t>
+                      </a:r>
+                      <a:endParaRPr lang="en-US" sz="1100" b="0" i="0" u="none" strike="noStrike">
+                        <a:solidFill>
+                          <a:srgbClr val="000000"/>
+                        </a:solidFill>
+                        <a:effectLst/>
+                        <a:latin typeface="Calibri" panose="020F0502020204030204" pitchFamily="34" charset="0"/>
+                      </a:endParaRPr>
+                    </a:p>
+                  </a:txBody>
+                  <a:tcPr marL="7620" marR="7620" marT="7620" marB="0" anchor="b"/>
+                </a:tc>
+                <a:extLst>
+                  <a:ext uri="{0D108BD9-81ED-4DB2-BD59-A6C34878D82A}">
+                    <a16:rowId xmlns:a16="http://schemas.microsoft.com/office/drawing/2014/main" val="4173546526"/>
+                  </a:ext>
+                </a:extLst>
+              </a:tr>
+              <a:tr h="232212">
+                <a:tc>
+                  <a:txBody>
+                    <a:bodyPr/>
+                    <a:lstStyle/>
+                    <a:p>
+                      <a:pPr algn="l" fontAlgn="b"/>
+                      <a:r>
+                        <a:rPr lang="en-US" sz="1100" u="none" strike="noStrike">
+                          <a:effectLst/>
+                        </a:rPr>
+                        <a:t>Pelvic Floor Disorders</a:t>
+                      </a:r>
+                      <a:endParaRPr lang="en-US" sz="1100" b="0" i="0" u="none" strike="noStrike">
+                        <a:solidFill>
+                          <a:srgbClr val="000000"/>
+                        </a:solidFill>
+                        <a:effectLst/>
+                        <a:latin typeface="Calibri" panose="020F0502020204030204" pitchFamily="34" charset="0"/>
+                      </a:endParaRPr>
+                    </a:p>
+                  </a:txBody>
+                  <a:tcPr marL="7620" marR="7620" marT="7620" marB="0" anchor="b"/>
+                </a:tc>
+                <a:tc>
+                  <a:txBody>
+                    <a:bodyPr/>
+                    <a:lstStyle/>
+                    <a:p>
+                      <a:pPr algn="l" fontAlgn="b"/>
+                      <a:r>
+                        <a:rPr lang="en-US" sz="1100" u="none" strike="noStrike">
+                          <a:effectLst/>
+                        </a:rPr>
+                        <a:t>L. Quiroz</a:t>
+                      </a:r>
+                      <a:endParaRPr lang="en-US" sz="1100" b="0" i="0" u="none" strike="noStrike">
+                        <a:solidFill>
+                          <a:srgbClr val="000000"/>
+                        </a:solidFill>
+                        <a:effectLst/>
+                        <a:latin typeface="Calibri" panose="020F0502020204030204" pitchFamily="34" charset="0"/>
+                      </a:endParaRPr>
+                    </a:p>
+                  </a:txBody>
+                  <a:tcPr marL="7620" marR="7620" marT="7620" marB="0" anchor="b"/>
+                </a:tc>
+                <a:tc>
+                  <a:txBody>
+                    <a:bodyPr/>
+                    <a:lstStyle/>
+                    <a:p>
+                      <a:pPr algn="l" fontAlgn="b"/>
+                      <a:r>
+                        <a:rPr lang="en-US" sz="1100" u="none" strike="noStrike">
+                          <a:effectLst/>
+                        </a:rPr>
+                        <a:t>Women's Health</a:t>
+                      </a:r>
+                      <a:endParaRPr lang="en-US" sz="1100" b="0" i="0" u="none" strike="noStrike">
+                        <a:solidFill>
+                          <a:srgbClr val="000000"/>
+                        </a:solidFill>
+                        <a:effectLst/>
+                        <a:latin typeface="Calibri" panose="020F0502020204030204" pitchFamily="34" charset="0"/>
+                      </a:endParaRPr>
+                    </a:p>
+                  </a:txBody>
+                  <a:tcPr marL="7620" marR="7620" marT="7620" marB="0" anchor="b"/>
+                </a:tc>
+                <a:extLst>
+                  <a:ext uri="{0D108BD9-81ED-4DB2-BD59-A6C34878D82A}">
+                    <a16:rowId xmlns:a16="http://schemas.microsoft.com/office/drawing/2014/main" val="4247627454"/>
+                  </a:ext>
+                </a:extLst>
+              </a:tr>
+              <a:tr h="232212">
+                <a:tc>
+                  <a:txBody>
+                    <a:bodyPr/>
+                    <a:lstStyle/>
+                    <a:p>
+                      <a:pPr algn="l" fontAlgn="b"/>
+                      <a:r>
+                        <a:rPr lang="en-US" sz="1100" u="none" strike="noStrike">
+                          <a:effectLst/>
+                        </a:rPr>
+                        <a:t>Cancer Patient Navigation Program</a:t>
+                      </a:r>
+                      <a:endParaRPr lang="en-US" sz="1100" b="0" i="0" u="none" strike="noStrike">
+                        <a:solidFill>
+                          <a:srgbClr val="000000"/>
+                        </a:solidFill>
+                        <a:effectLst/>
+                        <a:latin typeface="Calibri" panose="020F0502020204030204" pitchFamily="34" charset="0"/>
+                      </a:endParaRPr>
+                    </a:p>
+                  </a:txBody>
+                  <a:tcPr marL="7620" marR="7620" marT="7620" marB="0" anchor="b"/>
+                </a:tc>
+                <a:tc>
+                  <a:txBody>
+                    <a:bodyPr/>
+                    <a:lstStyle/>
+                    <a:p>
+                      <a:pPr algn="l" fontAlgn="b"/>
+                      <a:r>
+                        <a:rPr lang="en-US" sz="1100" u="none" strike="noStrike">
+                          <a:effectLst/>
+                        </a:rPr>
+                        <a:t>J. Vidrine</a:t>
+                      </a:r>
+                      <a:endParaRPr lang="en-US" sz="1100" b="0" i="0" u="none" strike="noStrike">
+                        <a:solidFill>
+                          <a:srgbClr val="000000"/>
+                        </a:solidFill>
+                        <a:effectLst/>
+                        <a:latin typeface="Calibri" panose="020F0502020204030204" pitchFamily="34" charset="0"/>
+                      </a:endParaRPr>
+                    </a:p>
+                  </a:txBody>
+                  <a:tcPr marL="7620" marR="7620" marT="7620" marB="0" anchor="b"/>
+                </a:tc>
+                <a:tc>
+                  <a:txBody>
+                    <a:bodyPr/>
+                    <a:lstStyle/>
+                    <a:p>
+                      <a:pPr algn="l" fontAlgn="b"/>
+                      <a:r>
+                        <a:rPr lang="en-US" sz="1100" u="none" strike="noStrike">
+                          <a:effectLst/>
+                        </a:rPr>
+                        <a:t>Cancer Center</a:t>
+                      </a:r>
+                      <a:endParaRPr lang="en-US" sz="1100" b="0" i="0" u="none" strike="noStrike">
+                        <a:solidFill>
+                          <a:srgbClr val="000000"/>
+                        </a:solidFill>
+                        <a:effectLst/>
+                        <a:latin typeface="Calibri" panose="020F0502020204030204" pitchFamily="34" charset="0"/>
+                      </a:endParaRPr>
+                    </a:p>
+                  </a:txBody>
+                  <a:tcPr marL="7620" marR="7620" marT="7620" marB="0" anchor="b"/>
+                </a:tc>
+                <a:extLst>
+                  <a:ext uri="{0D108BD9-81ED-4DB2-BD59-A6C34878D82A}">
+                    <a16:rowId xmlns:a16="http://schemas.microsoft.com/office/drawing/2014/main" val="2227278853"/>
+                  </a:ext>
+                </a:extLst>
+              </a:tr>
+              <a:tr h="232212">
+                <a:tc>
+                  <a:txBody>
+                    <a:bodyPr/>
+                    <a:lstStyle/>
+                    <a:p>
+                      <a:pPr algn="l" fontAlgn="b"/>
+                      <a:r>
+                        <a:rPr lang="en-US" sz="1100" u="none" strike="noStrike">
+                          <a:effectLst/>
+                        </a:rPr>
+                        <a:t>Medical Homes for Youth in Foster Care</a:t>
+                      </a:r>
+                      <a:endParaRPr lang="en-US" sz="1100" b="0" i="0" u="none" strike="noStrike">
+                        <a:solidFill>
+                          <a:srgbClr val="000000"/>
+                        </a:solidFill>
+                        <a:effectLst/>
+                        <a:latin typeface="Calibri" panose="020F0502020204030204" pitchFamily="34" charset="0"/>
+                      </a:endParaRPr>
+                    </a:p>
+                  </a:txBody>
+                  <a:tcPr marL="7620" marR="7620" marT="7620" marB="0" anchor="b"/>
+                </a:tc>
+                <a:tc>
+                  <a:txBody>
+                    <a:bodyPr/>
+                    <a:lstStyle/>
+                    <a:p>
+                      <a:pPr algn="l" fontAlgn="b"/>
+                      <a:r>
+                        <a:rPr lang="en-US" sz="1100" u="none" strike="noStrike">
+                          <a:effectLst/>
+                        </a:rPr>
+                        <a:t>S. Gillaspy</a:t>
+                      </a:r>
+                      <a:endParaRPr lang="en-US" sz="1100" b="0" i="0" u="none" strike="noStrike">
+                        <a:solidFill>
+                          <a:srgbClr val="000000"/>
+                        </a:solidFill>
+                        <a:effectLst/>
+                        <a:latin typeface="Calibri" panose="020F0502020204030204" pitchFamily="34" charset="0"/>
+                      </a:endParaRPr>
+                    </a:p>
+                  </a:txBody>
+                  <a:tcPr marL="7620" marR="7620" marT="7620" marB="0" anchor="b"/>
+                </a:tc>
+                <a:tc>
+                  <a:txBody>
+                    <a:bodyPr/>
+                    <a:lstStyle/>
+                    <a:p>
+                      <a:pPr algn="l" fontAlgn="b"/>
+                      <a:r>
+                        <a:rPr lang="en-US" sz="1100" u="none" strike="noStrike" dirty="0">
+                          <a:effectLst/>
+                        </a:rPr>
+                        <a:t>Pediatrics</a:t>
+                      </a:r>
+                      <a:endParaRPr lang="en-US" sz="1100" b="0" i="0" u="none" strike="noStrike" dirty="0">
+                        <a:solidFill>
+                          <a:srgbClr val="000000"/>
+                        </a:solidFill>
+                        <a:effectLst/>
+                        <a:latin typeface="Calibri" panose="020F0502020204030204" pitchFamily="34" charset="0"/>
+                      </a:endParaRPr>
+                    </a:p>
+                  </a:txBody>
+                  <a:tcPr marL="7620" marR="7620" marT="7620" marB="0" anchor="b"/>
+                </a:tc>
+                <a:extLst>
+                  <a:ext uri="{0D108BD9-81ED-4DB2-BD59-A6C34878D82A}">
+                    <a16:rowId xmlns:a16="http://schemas.microsoft.com/office/drawing/2014/main" val="2842433311"/>
+                  </a:ext>
+                </a:extLst>
+              </a:tr>
+            </a:tbl>
+          </a:graphicData>
+        </a:graphic>
+      </p:graphicFrame>
+      <p:graphicFrame>
+        <p:nvGraphicFramePr>
+          <p:cNvPr id="5" name="Table 4"/>
+          <p:cNvGraphicFramePr>
+            <a:graphicFrameLocks noGrp="1"/>
+          </p:cNvGraphicFramePr>
+          <p:nvPr>
+            <p:extLst>
+              <p:ext uri="{D42A27DB-BD31-4B8C-83A1-F6EECF244321}">
+                <p14:modId xmlns:p14="http://schemas.microsoft.com/office/powerpoint/2010/main" val="2642423080"/>
+              </p:ext>
+            </p:extLst>
+          </p:nvPr>
+        </p:nvGraphicFramePr>
+        <p:xfrm>
+          <a:off x="6182294" y="1338171"/>
+          <a:ext cx="5400116" cy="5116419"/>
+        </p:xfrm>
+        <a:graphic>
+          <a:graphicData uri="http://schemas.openxmlformats.org/drawingml/2006/table">
+            <a:tbl>
+              <a:tblPr>
+                <a:tableStyleId>{5C22544A-7EE6-4342-B048-85BDC9FD1C3A}</a:tableStyleId>
+              </a:tblPr>
+              <a:tblGrid>
+                <a:gridCol w="3036706">
+                  <a:extLst>
+                    <a:ext uri="{9D8B030D-6E8A-4147-A177-3AD203B41FA5}">
+                      <a16:colId xmlns:a16="http://schemas.microsoft.com/office/drawing/2014/main" val="1022886225"/>
+                    </a:ext>
+                  </a:extLst>
+                </a:gridCol>
+                <a:gridCol w="1181705">
+                  <a:extLst>
+                    <a:ext uri="{9D8B030D-6E8A-4147-A177-3AD203B41FA5}">
+                      <a16:colId xmlns:a16="http://schemas.microsoft.com/office/drawing/2014/main" val="2020208361"/>
+                    </a:ext>
+                  </a:extLst>
+                </a:gridCol>
+                <a:gridCol w="1181705">
+                  <a:extLst>
+                    <a:ext uri="{9D8B030D-6E8A-4147-A177-3AD203B41FA5}">
+                      <a16:colId xmlns:a16="http://schemas.microsoft.com/office/drawing/2014/main" val="2629210063"/>
+                    </a:ext>
+                  </a:extLst>
+                </a:gridCol>
+              </a:tblGrid>
+              <a:tr h="222453">
+                <a:tc>
+                  <a:txBody>
+                    <a:bodyPr/>
+                    <a:lstStyle/>
+                    <a:p>
+                      <a:pPr algn="l" fontAlgn="b"/>
+                      <a:r>
+                        <a:rPr lang="en-US" sz="1100" b="1" u="none" strike="noStrike" dirty="0">
+                          <a:effectLst/>
+                        </a:rPr>
+                        <a:t>Short Name</a:t>
+                      </a:r>
+                      <a:endParaRPr lang="en-US" sz="1100" b="1" i="0" u="none" strike="noStrike" dirty="0">
+                        <a:solidFill>
+                          <a:srgbClr val="000000"/>
+                        </a:solidFill>
+                        <a:effectLst/>
+                        <a:latin typeface="Calibri" panose="020F0502020204030204" pitchFamily="34" charset="0"/>
+                      </a:endParaRPr>
+                    </a:p>
+                  </a:txBody>
+                  <a:tcPr marL="7620" marR="7620" marT="7620" marB="0" anchor="b"/>
+                </a:tc>
+                <a:tc>
+                  <a:txBody>
+                    <a:bodyPr/>
+                    <a:lstStyle/>
+                    <a:p>
+                      <a:pPr algn="l" fontAlgn="b"/>
+                      <a:r>
+                        <a:rPr lang="en-US" sz="1100" b="1" u="none" strike="noStrike" dirty="0">
+                          <a:effectLst/>
+                        </a:rPr>
+                        <a:t>PI</a:t>
+                      </a:r>
+                      <a:endParaRPr lang="en-US" sz="1100" b="1" i="0" u="none" strike="noStrike" dirty="0">
+                        <a:solidFill>
+                          <a:srgbClr val="000000"/>
+                        </a:solidFill>
+                        <a:effectLst/>
+                        <a:latin typeface="Calibri" panose="020F0502020204030204" pitchFamily="34" charset="0"/>
+                      </a:endParaRPr>
+                    </a:p>
+                  </a:txBody>
+                  <a:tcPr marL="7620" marR="7620" marT="7620" marB="0" anchor="b"/>
+                </a:tc>
+                <a:tc>
+                  <a:txBody>
+                    <a:bodyPr/>
+                    <a:lstStyle/>
+                    <a:p>
+                      <a:pPr algn="l" fontAlgn="b"/>
+                      <a:r>
+                        <a:rPr lang="en-US" sz="1100" b="1" u="none" strike="noStrike" dirty="0">
+                          <a:effectLst/>
+                        </a:rPr>
+                        <a:t>Department</a:t>
+                      </a:r>
+                      <a:endParaRPr lang="en-US" sz="1100" b="1" i="0" u="none" strike="noStrike" dirty="0">
+                        <a:solidFill>
+                          <a:srgbClr val="000000"/>
+                        </a:solidFill>
+                        <a:effectLst/>
+                        <a:latin typeface="Calibri" panose="020F0502020204030204" pitchFamily="34" charset="0"/>
+                      </a:endParaRPr>
+                    </a:p>
+                  </a:txBody>
+                  <a:tcPr marL="7620" marR="7620" marT="7620" marB="0" anchor="b"/>
+                </a:tc>
+                <a:extLst>
+                  <a:ext uri="{0D108BD9-81ED-4DB2-BD59-A6C34878D82A}">
+                    <a16:rowId xmlns:a16="http://schemas.microsoft.com/office/drawing/2014/main" val="3352158023"/>
+                  </a:ext>
+                </a:extLst>
+              </a:tr>
+              <a:tr h="222453">
+                <a:tc>
+                  <a:txBody>
+                    <a:bodyPr/>
+                    <a:lstStyle/>
+                    <a:p>
+                      <a:pPr algn="l" fontAlgn="b"/>
+                      <a:r>
+                        <a:rPr lang="en-US" sz="1100" u="none" strike="noStrike" dirty="0">
+                          <a:effectLst/>
+                        </a:rPr>
+                        <a:t>Subtalar Arthrodesis</a:t>
+                      </a:r>
+                      <a:endParaRPr lang="en-US" sz="1100" b="0" i="0" u="none" strike="noStrike" dirty="0">
+                        <a:solidFill>
+                          <a:srgbClr val="000000"/>
+                        </a:solidFill>
+                        <a:effectLst/>
+                        <a:latin typeface="Calibri" panose="020F0502020204030204" pitchFamily="34" charset="0"/>
+                      </a:endParaRPr>
+                    </a:p>
+                  </a:txBody>
+                  <a:tcPr marL="7620" marR="7620" marT="7620" marB="0" anchor="b"/>
+                </a:tc>
+                <a:tc>
+                  <a:txBody>
+                    <a:bodyPr/>
+                    <a:lstStyle/>
+                    <a:p>
+                      <a:pPr algn="l" fontAlgn="b"/>
+                      <a:r>
+                        <a:rPr lang="en-US" sz="1100" u="none" strike="noStrike" dirty="0">
+                          <a:effectLst/>
+                        </a:rPr>
+                        <a:t>A. Haleem</a:t>
+                      </a:r>
+                      <a:endParaRPr lang="en-US" sz="1100" b="0" i="0" u="none" strike="noStrike" dirty="0">
+                        <a:solidFill>
+                          <a:srgbClr val="000000"/>
+                        </a:solidFill>
+                        <a:effectLst/>
+                        <a:latin typeface="Calibri" panose="020F0502020204030204" pitchFamily="34" charset="0"/>
+                      </a:endParaRPr>
+                    </a:p>
+                  </a:txBody>
+                  <a:tcPr marL="7620" marR="7620" marT="7620" marB="0" anchor="b"/>
+                </a:tc>
+                <a:tc>
+                  <a:txBody>
+                    <a:bodyPr/>
+                    <a:lstStyle/>
+                    <a:p>
+                      <a:pPr algn="l" fontAlgn="b"/>
+                      <a:r>
+                        <a:rPr lang="en-US" sz="1100" u="none" strike="noStrike">
+                          <a:effectLst/>
+                        </a:rPr>
+                        <a:t>Orthopedics</a:t>
+                      </a:r>
+                      <a:endParaRPr lang="en-US" sz="1100" b="0" i="0" u="none" strike="noStrike">
+                        <a:solidFill>
+                          <a:srgbClr val="000000"/>
+                        </a:solidFill>
+                        <a:effectLst/>
+                        <a:latin typeface="Calibri" panose="020F0502020204030204" pitchFamily="34" charset="0"/>
+                      </a:endParaRPr>
+                    </a:p>
+                  </a:txBody>
+                  <a:tcPr marL="7620" marR="7620" marT="7620" marB="0" anchor="b"/>
+                </a:tc>
+                <a:extLst>
+                  <a:ext uri="{0D108BD9-81ED-4DB2-BD59-A6C34878D82A}">
+                    <a16:rowId xmlns:a16="http://schemas.microsoft.com/office/drawing/2014/main" val="4290189252"/>
+                  </a:ext>
+                </a:extLst>
+              </a:tr>
+              <a:tr h="222453">
+                <a:tc>
+                  <a:txBody>
+                    <a:bodyPr/>
+                    <a:lstStyle/>
+                    <a:p>
+                      <a:pPr algn="l" fontAlgn="b"/>
+                      <a:r>
+                        <a:rPr lang="en-US" sz="1100" u="none" strike="noStrike">
+                          <a:effectLst/>
+                        </a:rPr>
+                        <a:t>Pulmonary Hypertension</a:t>
+                      </a:r>
+                      <a:endParaRPr lang="en-US" sz="1100" b="0" i="0" u="none" strike="noStrike">
+                        <a:solidFill>
+                          <a:srgbClr val="000000"/>
+                        </a:solidFill>
+                        <a:effectLst/>
+                        <a:latin typeface="Calibri" panose="020F0502020204030204" pitchFamily="34" charset="0"/>
+                      </a:endParaRPr>
+                    </a:p>
+                  </a:txBody>
+                  <a:tcPr marL="7620" marR="7620" marT="7620" marB="0" anchor="b"/>
+                </a:tc>
+                <a:tc>
+                  <a:txBody>
+                    <a:bodyPr/>
+                    <a:lstStyle/>
+                    <a:p>
+                      <a:pPr algn="l" fontAlgn="b"/>
+                      <a:r>
+                        <a:rPr lang="en-US" sz="1100" u="none" strike="noStrike">
+                          <a:effectLst/>
+                        </a:rPr>
+                        <a:t>H. Bhardwaj</a:t>
+                      </a:r>
+                      <a:endParaRPr lang="en-US" sz="1100" b="0" i="0" u="none" strike="noStrike">
+                        <a:solidFill>
+                          <a:srgbClr val="000000"/>
+                        </a:solidFill>
+                        <a:effectLst/>
+                        <a:latin typeface="Calibri" panose="020F0502020204030204" pitchFamily="34" charset="0"/>
+                      </a:endParaRPr>
+                    </a:p>
+                  </a:txBody>
+                  <a:tcPr marL="7620" marR="7620" marT="7620" marB="0" anchor="b"/>
+                </a:tc>
+                <a:tc>
+                  <a:txBody>
+                    <a:bodyPr/>
+                    <a:lstStyle/>
+                    <a:p>
+                      <a:pPr algn="l" fontAlgn="b"/>
+                      <a:r>
+                        <a:rPr lang="en-US" sz="1100" u="none" strike="noStrike">
+                          <a:effectLst/>
+                        </a:rPr>
+                        <a:t>Cardiovasular</a:t>
+                      </a:r>
+                      <a:endParaRPr lang="en-US" sz="1100" b="0" i="0" u="none" strike="noStrike">
+                        <a:solidFill>
+                          <a:srgbClr val="000000"/>
+                        </a:solidFill>
+                        <a:effectLst/>
+                        <a:latin typeface="Calibri" panose="020F0502020204030204" pitchFamily="34" charset="0"/>
+                      </a:endParaRPr>
+                    </a:p>
+                  </a:txBody>
+                  <a:tcPr marL="7620" marR="7620" marT="7620" marB="0" anchor="b"/>
+                </a:tc>
+                <a:extLst>
+                  <a:ext uri="{0D108BD9-81ED-4DB2-BD59-A6C34878D82A}">
+                    <a16:rowId xmlns:a16="http://schemas.microsoft.com/office/drawing/2014/main" val="3727132500"/>
+                  </a:ext>
+                </a:extLst>
+              </a:tr>
+              <a:tr h="222453">
+                <a:tc>
+                  <a:txBody>
+                    <a:bodyPr/>
+                    <a:lstStyle/>
+                    <a:p>
+                      <a:pPr algn="l" fontAlgn="b"/>
+                      <a:r>
+                        <a:rPr lang="en-US" sz="1100" u="none" strike="noStrike">
+                          <a:effectLst/>
+                        </a:rPr>
+                        <a:t>Pelvis &amp; Acetabulum Fractures</a:t>
+                      </a:r>
+                      <a:endParaRPr lang="en-US" sz="1100" b="0" i="0" u="none" strike="noStrike">
+                        <a:solidFill>
+                          <a:srgbClr val="000000"/>
+                        </a:solidFill>
+                        <a:effectLst/>
+                        <a:latin typeface="Calibri" panose="020F0502020204030204" pitchFamily="34" charset="0"/>
+                      </a:endParaRPr>
+                    </a:p>
+                  </a:txBody>
+                  <a:tcPr marL="7620" marR="7620" marT="7620" marB="0" anchor="b"/>
+                </a:tc>
+                <a:tc>
+                  <a:txBody>
+                    <a:bodyPr/>
+                    <a:lstStyle/>
+                    <a:p>
+                      <a:pPr algn="l" fontAlgn="b"/>
+                      <a:r>
+                        <a:rPr lang="en-US" sz="1100" u="none" strike="noStrike">
+                          <a:effectLst/>
+                        </a:rPr>
+                        <a:t>D. Teague</a:t>
+                      </a:r>
+                      <a:endParaRPr lang="en-US" sz="1100" b="0" i="0" u="none" strike="noStrike">
+                        <a:solidFill>
+                          <a:srgbClr val="000000"/>
+                        </a:solidFill>
+                        <a:effectLst/>
+                        <a:latin typeface="Calibri" panose="020F0502020204030204" pitchFamily="34" charset="0"/>
+                      </a:endParaRPr>
+                    </a:p>
+                  </a:txBody>
+                  <a:tcPr marL="7620" marR="7620" marT="7620" marB="0" anchor="b"/>
+                </a:tc>
+                <a:tc>
+                  <a:txBody>
+                    <a:bodyPr/>
+                    <a:lstStyle/>
+                    <a:p>
+                      <a:pPr algn="l" fontAlgn="b"/>
+                      <a:r>
+                        <a:rPr lang="en-US" sz="1100" u="none" strike="noStrike">
+                          <a:effectLst/>
+                        </a:rPr>
+                        <a:t>Orthopedics</a:t>
+                      </a:r>
+                      <a:endParaRPr lang="en-US" sz="1100" b="0" i="0" u="none" strike="noStrike">
+                        <a:solidFill>
+                          <a:srgbClr val="000000"/>
+                        </a:solidFill>
+                        <a:effectLst/>
+                        <a:latin typeface="Calibri" panose="020F0502020204030204" pitchFamily="34" charset="0"/>
+                      </a:endParaRPr>
+                    </a:p>
+                  </a:txBody>
+                  <a:tcPr marL="7620" marR="7620" marT="7620" marB="0" anchor="b"/>
+                </a:tc>
+                <a:extLst>
+                  <a:ext uri="{0D108BD9-81ED-4DB2-BD59-A6C34878D82A}">
+                    <a16:rowId xmlns:a16="http://schemas.microsoft.com/office/drawing/2014/main" val="4208757681"/>
+                  </a:ext>
+                </a:extLst>
+              </a:tr>
+              <a:tr h="222453">
+                <a:tc>
+                  <a:txBody>
+                    <a:bodyPr/>
+                    <a:lstStyle/>
+                    <a:p>
+                      <a:pPr algn="l" fontAlgn="b"/>
+                      <a:r>
+                        <a:rPr lang="en-US" sz="1100" u="none" strike="noStrike">
+                          <a:effectLst/>
+                        </a:rPr>
+                        <a:t>Spica Casting</a:t>
+                      </a:r>
+                      <a:endParaRPr lang="en-US" sz="1100" b="0" i="0" u="none" strike="noStrike">
+                        <a:solidFill>
+                          <a:srgbClr val="000000"/>
+                        </a:solidFill>
+                        <a:effectLst/>
+                        <a:latin typeface="Calibri" panose="020F0502020204030204" pitchFamily="34" charset="0"/>
+                      </a:endParaRPr>
+                    </a:p>
+                  </a:txBody>
+                  <a:tcPr marL="7620" marR="7620" marT="7620" marB="0" anchor="b"/>
+                </a:tc>
+                <a:tc>
+                  <a:txBody>
+                    <a:bodyPr/>
+                    <a:lstStyle/>
+                    <a:p>
+                      <a:pPr algn="l" fontAlgn="b"/>
+                      <a:r>
+                        <a:rPr lang="en-US" sz="1100" u="none" strike="noStrike">
+                          <a:effectLst/>
+                        </a:rPr>
+                        <a:t>W. Puffinbarger</a:t>
+                      </a:r>
+                      <a:endParaRPr lang="en-US" sz="1100" b="0" i="0" u="none" strike="noStrike">
+                        <a:solidFill>
+                          <a:srgbClr val="000000"/>
+                        </a:solidFill>
+                        <a:effectLst/>
+                        <a:latin typeface="Calibri" panose="020F0502020204030204" pitchFamily="34" charset="0"/>
+                      </a:endParaRPr>
+                    </a:p>
+                  </a:txBody>
+                  <a:tcPr marL="7620" marR="7620" marT="7620" marB="0" anchor="b"/>
+                </a:tc>
+                <a:tc>
+                  <a:txBody>
+                    <a:bodyPr/>
+                    <a:lstStyle/>
+                    <a:p>
+                      <a:pPr algn="l" fontAlgn="b"/>
+                      <a:r>
+                        <a:rPr lang="en-US" sz="1100" u="none" strike="noStrike">
+                          <a:effectLst/>
+                        </a:rPr>
+                        <a:t>Orthopedics</a:t>
+                      </a:r>
+                      <a:endParaRPr lang="en-US" sz="1100" b="0" i="0" u="none" strike="noStrike">
+                        <a:solidFill>
+                          <a:srgbClr val="000000"/>
+                        </a:solidFill>
+                        <a:effectLst/>
+                        <a:latin typeface="Calibri" panose="020F0502020204030204" pitchFamily="34" charset="0"/>
+                      </a:endParaRPr>
+                    </a:p>
+                  </a:txBody>
+                  <a:tcPr marL="7620" marR="7620" marT="7620" marB="0" anchor="b"/>
+                </a:tc>
+                <a:extLst>
+                  <a:ext uri="{0D108BD9-81ED-4DB2-BD59-A6C34878D82A}">
+                    <a16:rowId xmlns:a16="http://schemas.microsoft.com/office/drawing/2014/main" val="2929237673"/>
+                  </a:ext>
+                </a:extLst>
+              </a:tr>
+              <a:tr h="222453">
+                <a:tc>
+                  <a:txBody>
+                    <a:bodyPr/>
+                    <a:lstStyle/>
+                    <a:p>
+                      <a:pPr algn="l" fontAlgn="b"/>
+                      <a:r>
+                        <a:rPr lang="en-US" sz="1100" u="none" strike="noStrike">
+                          <a:effectLst/>
+                        </a:rPr>
+                        <a:t>Fragile X Syndrome</a:t>
+                      </a:r>
+                      <a:endParaRPr lang="en-US" sz="1100" b="0" i="0" u="none" strike="noStrike">
+                        <a:solidFill>
+                          <a:srgbClr val="000000"/>
+                        </a:solidFill>
+                        <a:effectLst/>
+                        <a:latin typeface="Calibri" panose="020F0502020204030204" pitchFamily="34" charset="0"/>
+                      </a:endParaRPr>
+                    </a:p>
+                  </a:txBody>
+                  <a:tcPr marL="7620" marR="7620" marT="7620" marB="0" anchor="b"/>
+                </a:tc>
+                <a:tc>
+                  <a:txBody>
+                    <a:bodyPr/>
+                    <a:lstStyle/>
+                    <a:p>
+                      <a:pPr algn="l" fontAlgn="b"/>
+                      <a:r>
+                        <a:rPr lang="en-US" sz="1100" u="none" strike="noStrike">
+                          <a:effectLst/>
+                        </a:rPr>
+                        <a:t>L. Ethridge</a:t>
+                      </a:r>
+                      <a:endParaRPr lang="en-US" sz="1100" b="0" i="0" u="none" strike="noStrike">
+                        <a:solidFill>
+                          <a:srgbClr val="000000"/>
+                        </a:solidFill>
+                        <a:effectLst/>
+                        <a:latin typeface="Calibri" panose="020F0502020204030204" pitchFamily="34" charset="0"/>
+                      </a:endParaRPr>
+                    </a:p>
+                  </a:txBody>
+                  <a:tcPr marL="7620" marR="7620" marT="7620" marB="0" anchor="b"/>
+                </a:tc>
+                <a:tc>
+                  <a:txBody>
+                    <a:bodyPr/>
+                    <a:lstStyle/>
+                    <a:p>
+                      <a:pPr algn="l" fontAlgn="b"/>
+                      <a:r>
+                        <a:rPr lang="en-US" sz="1100" u="none" strike="noStrike">
+                          <a:effectLst/>
+                        </a:rPr>
+                        <a:t>Pediatrics</a:t>
+                      </a:r>
+                      <a:endParaRPr lang="en-US" sz="1100" b="0" i="0" u="none" strike="noStrike">
+                        <a:solidFill>
+                          <a:srgbClr val="000000"/>
+                        </a:solidFill>
+                        <a:effectLst/>
+                        <a:latin typeface="Calibri" panose="020F0502020204030204" pitchFamily="34" charset="0"/>
+                      </a:endParaRPr>
+                    </a:p>
+                  </a:txBody>
+                  <a:tcPr marL="7620" marR="7620" marT="7620" marB="0" anchor="b"/>
+                </a:tc>
+                <a:extLst>
+                  <a:ext uri="{0D108BD9-81ED-4DB2-BD59-A6C34878D82A}">
+                    <a16:rowId xmlns:a16="http://schemas.microsoft.com/office/drawing/2014/main" val="2848627066"/>
+                  </a:ext>
+                </a:extLst>
+              </a:tr>
+              <a:tr h="222453">
+                <a:tc>
+                  <a:txBody>
+                    <a:bodyPr/>
+                    <a:lstStyle/>
+                    <a:p>
+                      <a:pPr algn="l" fontAlgn="b"/>
+                      <a:r>
+                        <a:rPr lang="en-US" sz="1100" u="none" strike="noStrike">
+                          <a:effectLst/>
+                        </a:rPr>
+                        <a:t>Splinting with Side Struts</a:t>
+                      </a:r>
+                      <a:endParaRPr lang="en-US" sz="1100" b="0" i="0" u="none" strike="noStrike">
+                        <a:solidFill>
+                          <a:srgbClr val="000000"/>
+                        </a:solidFill>
+                        <a:effectLst/>
+                        <a:latin typeface="Calibri" panose="020F0502020204030204" pitchFamily="34" charset="0"/>
+                      </a:endParaRPr>
+                    </a:p>
+                  </a:txBody>
+                  <a:tcPr marL="7620" marR="7620" marT="7620" marB="0" anchor="b"/>
+                </a:tc>
+                <a:tc>
+                  <a:txBody>
+                    <a:bodyPr/>
+                    <a:lstStyle/>
+                    <a:p>
+                      <a:pPr algn="l" fontAlgn="b"/>
+                      <a:r>
+                        <a:rPr lang="en-US" sz="1100" u="none" strike="noStrike">
+                          <a:effectLst/>
+                        </a:rPr>
+                        <a:t>T. Lewis</a:t>
+                      </a:r>
+                      <a:endParaRPr lang="en-US" sz="1100" b="0" i="0" u="none" strike="noStrike">
+                        <a:solidFill>
+                          <a:srgbClr val="000000"/>
+                        </a:solidFill>
+                        <a:effectLst/>
+                        <a:latin typeface="Calibri" panose="020F0502020204030204" pitchFamily="34" charset="0"/>
+                      </a:endParaRPr>
+                    </a:p>
+                  </a:txBody>
+                  <a:tcPr marL="7620" marR="7620" marT="7620" marB="0" anchor="b"/>
+                </a:tc>
+                <a:tc>
+                  <a:txBody>
+                    <a:bodyPr/>
+                    <a:lstStyle/>
+                    <a:p>
+                      <a:pPr algn="l" fontAlgn="b"/>
+                      <a:r>
+                        <a:rPr lang="en-US" sz="1100" u="none" strike="noStrike">
+                          <a:effectLst/>
+                        </a:rPr>
+                        <a:t>Orthopedics</a:t>
+                      </a:r>
+                      <a:endParaRPr lang="en-US" sz="1100" b="0" i="0" u="none" strike="noStrike">
+                        <a:solidFill>
+                          <a:srgbClr val="000000"/>
+                        </a:solidFill>
+                        <a:effectLst/>
+                        <a:latin typeface="Calibri" panose="020F0502020204030204" pitchFamily="34" charset="0"/>
+                      </a:endParaRPr>
+                    </a:p>
+                  </a:txBody>
+                  <a:tcPr marL="7620" marR="7620" marT="7620" marB="0" anchor="b"/>
+                </a:tc>
+                <a:extLst>
+                  <a:ext uri="{0D108BD9-81ED-4DB2-BD59-A6C34878D82A}">
+                    <a16:rowId xmlns:a16="http://schemas.microsoft.com/office/drawing/2014/main" val="1011726148"/>
+                  </a:ext>
+                </a:extLst>
+              </a:tr>
+              <a:tr h="222453">
+                <a:tc>
+                  <a:txBody>
+                    <a:bodyPr/>
+                    <a:lstStyle/>
+                    <a:p>
+                      <a:pPr algn="l" fontAlgn="b"/>
+                      <a:r>
+                        <a:rPr lang="en-US" sz="1100" u="none" strike="noStrike" dirty="0" smtClean="0">
+                          <a:effectLst/>
+                        </a:rPr>
+                        <a:t>Humeral </a:t>
+                      </a:r>
+                      <a:r>
+                        <a:rPr lang="en-US" sz="1100" u="none" strike="noStrike" dirty="0">
+                          <a:effectLst/>
+                        </a:rPr>
+                        <a:t>Fractures</a:t>
+                      </a:r>
+                      <a:endParaRPr lang="en-US" sz="1100" b="0" i="0" u="none" strike="noStrike" dirty="0">
+                        <a:solidFill>
+                          <a:srgbClr val="000000"/>
+                        </a:solidFill>
+                        <a:effectLst/>
+                        <a:latin typeface="Calibri" panose="020F0502020204030204" pitchFamily="34" charset="0"/>
+                      </a:endParaRPr>
+                    </a:p>
+                  </a:txBody>
+                  <a:tcPr marL="7620" marR="7620" marT="7620" marB="0" anchor="b"/>
+                </a:tc>
+                <a:tc>
+                  <a:txBody>
+                    <a:bodyPr/>
+                    <a:lstStyle/>
+                    <a:p>
+                      <a:pPr algn="l" fontAlgn="b"/>
+                      <a:r>
+                        <a:rPr lang="en-US" sz="1100" u="none" strike="noStrike">
+                          <a:effectLst/>
+                        </a:rPr>
+                        <a:t>D. Chong</a:t>
+                      </a:r>
+                      <a:endParaRPr lang="en-US" sz="1100" b="0" i="0" u="none" strike="noStrike">
+                        <a:solidFill>
+                          <a:srgbClr val="000000"/>
+                        </a:solidFill>
+                        <a:effectLst/>
+                        <a:latin typeface="Calibri" panose="020F0502020204030204" pitchFamily="34" charset="0"/>
+                      </a:endParaRPr>
+                    </a:p>
+                  </a:txBody>
+                  <a:tcPr marL="7620" marR="7620" marT="7620" marB="0" anchor="b"/>
+                </a:tc>
+                <a:tc>
+                  <a:txBody>
+                    <a:bodyPr/>
+                    <a:lstStyle/>
+                    <a:p>
+                      <a:pPr algn="l" fontAlgn="b"/>
+                      <a:r>
+                        <a:rPr lang="en-US" sz="1100" u="none" strike="noStrike">
+                          <a:effectLst/>
+                        </a:rPr>
+                        <a:t>Orthopedics</a:t>
+                      </a:r>
+                      <a:endParaRPr lang="en-US" sz="1100" b="0" i="0" u="none" strike="noStrike">
+                        <a:solidFill>
+                          <a:srgbClr val="000000"/>
+                        </a:solidFill>
+                        <a:effectLst/>
+                        <a:latin typeface="Calibri" panose="020F0502020204030204" pitchFamily="34" charset="0"/>
+                      </a:endParaRPr>
+                    </a:p>
+                  </a:txBody>
+                  <a:tcPr marL="7620" marR="7620" marT="7620" marB="0" anchor="b"/>
+                </a:tc>
+                <a:extLst>
+                  <a:ext uri="{0D108BD9-81ED-4DB2-BD59-A6C34878D82A}">
+                    <a16:rowId xmlns:a16="http://schemas.microsoft.com/office/drawing/2014/main" val="17463372"/>
+                  </a:ext>
+                </a:extLst>
+              </a:tr>
+              <a:tr h="222453">
+                <a:tc>
+                  <a:txBody>
+                    <a:bodyPr/>
+                    <a:lstStyle/>
+                    <a:p>
+                      <a:pPr algn="l" fontAlgn="b"/>
+                      <a:r>
+                        <a:rPr lang="en-US" sz="1100" u="none" strike="noStrike">
+                          <a:effectLst/>
+                        </a:rPr>
+                        <a:t>Child Trauma Services</a:t>
+                      </a:r>
+                      <a:endParaRPr lang="en-US" sz="1100" b="0" i="0" u="none" strike="noStrike">
+                        <a:solidFill>
+                          <a:srgbClr val="000000"/>
+                        </a:solidFill>
+                        <a:effectLst/>
+                        <a:latin typeface="Calibri" panose="020F0502020204030204" pitchFamily="34" charset="0"/>
+                      </a:endParaRPr>
+                    </a:p>
+                  </a:txBody>
+                  <a:tcPr marL="7620" marR="7620" marT="7620" marB="0" anchor="b"/>
+                </a:tc>
+                <a:tc>
+                  <a:txBody>
+                    <a:bodyPr/>
+                    <a:lstStyle/>
+                    <a:p>
+                      <a:pPr algn="l" fontAlgn="b"/>
+                      <a:r>
+                        <a:rPr lang="en-US" sz="1100" u="none" strike="noStrike">
+                          <a:effectLst/>
+                        </a:rPr>
+                        <a:t>E. Risch</a:t>
+                      </a:r>
+                      <a:endParaRPr lang="en-US" sz="1100" b="0" i="0" u="none" strike="noStrike">
+                        <a:solidFill>
+                          <a:srgbClr val="000000"/>
+                        </a:solidFill>
+                        <a:effectLst/>
+                        <a:latin typeface="Calibri" panose="020F0502020204030204" pitchFamily="34" charset="0"/>
+                      </a:endParaRPr>
+                    </a:p>
+                  </a:txBody>
+                  <a:tcPr marL="7620" marR="7620" marT="7620" marB="0" anchor="b"/>
+                </a:tc>
+                <a:tc>
+                  <a:txBody>
+                    <a:bodyPr/>
+                    <a:lstStyle/>
+                    <a:p>
+                      <a:pPr algn="l" fontAlgn="b"/>
+                      <a:r>
+                        <a:rPr lang="en-US" sz="1100" u="none" strike="noStrike">
+                          <a:effectLst/>
+                        </a:rPr>
+                        <a:t>Pediatrics</a:t>
+                      </a:r>
+                      <a:endParaRPr lang="en-US" sz="1100" b="0" i="0" u="none" strike="noStrike">
+                        <a:solidFill>
+                          <a:srgbClr val="000000"/>
+                        </a:solidFill>
+                        <a:effectLst/>
+                        <a:latin typeface="Calibri" panose="020F0502020204030204" pitchFamily="34" charset="0"/>
+                      </a:endParaRPr>
+                    </a:p>
+                  </a:txBody>
+                  <a:tcPr marL="7620" marR="7620" marT="7620" marB="0" anchor="b"/>
+                </a:tc>
+                <a:extLst>
+                  <a:ext uri="{0D108BD9-81ED-4DB2-BD59-A6C34878D82A}">
+                    <a16:rowId xmlns:a16="http://schemas.microsoft.com/office/drawing/2014/main" val="1971138859"/>
+                  </a:ext>
+                </a:extLst>
+              </a:tr>
+              <a:tr h="222453">
+                <a:tc>
+                  <a:txBody>
+                    <a:bodyPr/>
+                    <a:lstStyle/>
+                    <a:p>
+                      <a:pPr algn="l" fontAlgn="b"/>
+                      <a:r>
+                        <a:rPr lang="en-US" sz="1100" u="none" strike="noStrike">
+                          <a:effectLst/>
+                        </a:rPr>
+                        <a:t>Humeral Fractures</a:t>
+                      </a:r>
+                      <a:endParaRPr lang="en-US" sz="1100" b="0" i="0" u="none" strike="noStrike">
+                        <a:solidFill>
+                          <a:srgbClr val="000000"/>
+                        </a:solidFill>
+                        <a:effectLst/>
+                        <a:latin typeface="Calibri" panose="020F0502020204030204" pitchFamily="34" charset="0"/>
+                      </a:endParaRPr>
+                    </a:p>
+                  </a:txBody>
+                  <a:tcPr marL="7620" marR="7620" marT="7620" marB="0" anchor="b"/>
+                </a:tc>
+                <a:tc>
+                  <a:txBody>
+                    <a:bodyPr/>
+                    <a:lstStyle/>
+                    <a:p>
+                      <a:pPr algn="l" fontAlgn="b"/>
+                      <a:r>
+                        <a:rPr lang="en-US" sz="1100" u="none" strike="noStrike">
+                          <a:effectLst/>
+                        </a:rPr>
+                        <a:t>D. Teague</a:t>
+                      </a:r>
+                      <a:endParaRPr lang="en-US" sz="1100" b="0" i="0" u="none" strike="noStrike">
+                        <a:solidFill>
+                          <a:srgbClr val="000000"/>
+                        </a:solidFill>
+                        <a:effectLst/>
+                        <a:latin typeface="Calibri" panose="020F0502020204030204" pitchFamily="34" charset="0"/>
+                      </a:endParaRPr>
+                    </a:p>
+                  </a:txBody>
+                  <a:tcPr marL="7620" marR="7620" marT="7620" marB="0" anchor="b"/>
+                </a:tc>
+                <a:tc>
+                  <a:txBody>
+                    <a:bodyPr/>
+                    <a:lstStyle/>
+                    <a:p>
+                      <a:pPr algn="l" fontAlgn="b"/>
+                      <a:r>
+                        <a:rPr lang="en-US" sz="1100" u="none" strike="noStrike">
+                          <a:effectLst/>
+                        </a:rPr>
+                        <a:t>Orthopedics</a:t>
+                      </a:r>
+                      <a:endParaRPr lang="en-US" sz="1100" b="0" i="0" u="none" strike="noStrike">
+                        <a:solidFill>
+                          <a:srgbClr val="000000"/>
+                        </a:solidFill>
+                        <a:effectLst/>
+                        <a:latin typeface="Calibri" panose="020F0502020204030204" pitchFamily="34" charset="0"/>
+                      </a:endParaRPr>
+                    </a:p>
+                  </a:txBody>
+                  <a:tcPr marL="7620" marR="7620" marT="7620" marB="0" anchor="b"/>
+                </a:tc>
+                <a:extLst>
+                  <a:ext uri="{0D108BD9-81ED-4DB2-BD59-A6C34878D82A}">
+                    <a16:rowId xmlns:a16="http://schemas.microsoft.com/office/drawing/2014/main" val="1508729639"/>
+                  </a:ext>
+                </a:extLst>
+              </a:tr>
+              <a:tr h="222453">
+                <a:tc>
+                  <a:txBody>
+                    <a:bodyPr/>
+                    <a:lstStyle/>
+                    <a:p>
+                      <a:pPr algn="l" fontAlgn="b"/>
+                      <a:r>
+                        <a:rPr lang="en-US" sz="1100" u="none" strike="noStrike">
+                          <a:effectLst/>
+                        </a:rPr>
+                        <a:t>Ashtma Population Management</a:t>
+                      </a:r>
+                      <a:endParaRPr lang="en-US" sz="1100" b="0" i="0" u="none" strike="noStrike">
+                        <a:solidFill>
+                          <a:srgbClr val="000000"/>
+                        </a:solidFill>
+                        <a:effectLst/>
+                        <a:latin typeface="Calibri" panose="020F0502020204030204" pitchFamily="34" charset="0"/>
+                      </a:endParaRPr>
+                    </a:p>
+                  </a:txBody>
+                  <a:tcPr marL="7620" marR="7620" marT="7620" marB="0" anchor="b"/>
+                </a:tc>
+                <a:tc>
+                  <a:txBody>
+                    <a:bodyPr/>
+                    <a:lstStyle/>
+                    <a:p>
+                      <a:pPr algn="l" fontAlgn="b"/>
+                      <a:r>
+                        <a:rPr lang="en-US" sz="1100" u="none" strike="noStrike">
+                          <a:effectLst/>
+                        </a:rPr>
+                        <a:t>D. Hahn</a:t>
+                      </a:r>
+                      <a:endParaRPr lang="en-US" sz="1100" b="0" i="0" u="none" strike="noStrike">
+                        <a:solidFill>
+                          <a:srgbClr val="000000"/>
+                        </a:solidFill>
+                        <a:effectLst/>
+                        <a:latin typeface="Calibri" panose="020F0502020204030204" pitchFamily="34" charset="0"/>
+                      </a:endParaRPr>
+                    </a:p>
+                  </a:txBody>
+                  <a:tcPr marL="7620" marR="7620" marT="7620" marB="0" anchor="b"/>
+                </a:tc>
+                <a:tc>
+                  <a:txBody>
+                    <a:bodyPr/>
+                    <a:lstStyle/>
+                    <a:p>
+                      <a:pPr algn="l" fontAlgn="b"/>
+                      <a:r>
+                        <a:rPr lang="en-US" sz="1100" u="none" strike="noStrike">
+                          <a:effectLst/>
+                        </a:rPr>
+                        <a:t>Pediatrics</a:t>
+                      </a:r>
+                      <a:endParaRPr lang="en-US" sz="1100" b="0" i="0" u="none" strike="noStrike">
+                        <a:solidFill>
+                          <a:srgbClr val="000000"/>
+                        </a:solidFill>
+                        <a:effectLst/>
+                        <a:latin typeface="Calibri" panose="020F0502020204030204" pitchFamily="34" charset="0"/>
+                      </a:endParaRPr>
+                    </a:p>
+                  </a:txBody>
+                  <a:tcPr marL="7620" marR="7620" marT="7620" marB="0" anchor="b"/>
+                </a:tc>
+                <a:extLst>
+                  <a:ext uri="{0D108BD9-81ED-4DB2-BD59-A6C34878D82A}">
+                    <a16:rowId xmlns:a16="http://schemas.microsoft.com/office/drawing/2014/main" val="3853913370"/>
+                  </a:ext>
+                </a:extLst>
+              </a:tr>
+              <a:tr h="222453">
+                <a:tc>
+                  <a:txBody>
+                    <a:bodyPr/>
+                    <a:lstStyle/>
+                    <a:p>
+                      <a:pPr algn="l" fontAlgn="b"/>
+                      <a:r>
+                        <a:rPr lang="en-US" sz="1100" u="none" strike="noStrike">
+                          <a:effectLst/>
+                        </a:rPr>
+                        <a:t>Tobacco Exposure in Pediatrics</a:t>
+                      </a:r>
+                      <a:endParaRPr lang="en-US" sz="1100" b="0" i="0" u="none" strike="noStrike">
+                        <a:solidFill>
+                          <a:srgbClr val="000000"/>
+                        </a:solidFill>
+                        <a:effectLst/>
+                        <a:latin typeface="Calibri" panose="020F0502020204030204" pitchFamily="34" charset="0"/>
+                      </a:endParaRPr>
+                    </a:p>
+                  </a:txBody>
+                  <a:tcPr marL="7620" marR="7620" marT="7620" marB="0" anchor="b"/>
+                </a:tc>
+                <a:tc>
+                  <a:txBody>
+                    <a:bodyPr/>
+                    <a:lstStyle/>
+                    <a:p>
+                      <a:pPr algn="l" fontAlgn="b"/>
+                      <a:r>
+                        <a:rPr lang="en-US" sz="1100" u="none" strike="noStrike">
+                          <a:effectLst/>
+                        </a:rPr>
+                        <a:t>S. Gillaspy</a:t>
+                      </a:r>
+                      <a:endParaRPr lang="en-US" sz="1100" b="0" i="0" u="none" strike="noStrike">
+                        <a:solidFill>
+                          <a:srgbClr val="000000"/>
+                        </a:solidFill>
+                        <a:effectLst/>
+                        <a:latin typeface="Calibri" panose="020F0502020204030204" pitchFamily="34" charset="0"/>
+                      </a:endParaRPr>
+                    </a:p>
+                  </a:txBody>
+                  <a:tcPr marL="7620" marR="7620" marT="7620" marB="0" anchor="b"/>
+                </a:tc>
+                <a:tc>
+                  <a:txBody>
+                    <a:bodyPr/>
+                    <a:lstStyle/>
+                    <a:p>
+                      <a:pPr algn="l" fontAlgn="b"/>
+                      <a:r>
+                        <a:rPr lang="en-US" sz="1100" u="none" strike="noStrike">
+                          <a:effectLst/>
+                        </a:rPr>
+                        <a:t>Pediatrics</a:t>
+                      </a:r>
+                      <a:endParaRPr lang="en-US" sz="1100" b="0" i="0" u="none" strike="noStrike">
+                        <a:solidFill>
+                          <a:srgbClr val="000000"/>
+                        </a:solidFill>
+                        <a:effectLst/>
+                        <a:latin typeface="Calibri" panose="020F0502020204030204" pitchFamily="34" charset="0"/>
+                      </a:endParaRPr>
+                    </a:p>
+                  </a:txBody>
+                  <a:tcPr marL="7620" marR="7620" marT="7620" marB="0" anchor="b"/>
+                </a:tc>
+                <a:extLst>
+                  <a:ext uri="{0D108BD9-81ED-4DB2-BD59-A6C34878D82A}">
+                    <a16:rowId xmlns:a16="http://schemas.microsoft.com/office/drawing/2014/main" val="2386013325"/>
+                  </a:ext>
+                </a:extLst>
+              </a:tr>
+              <a:tr h="222453">
+                <a:tc>
+                  <a:txBody>
+                    <a:bodyPr/>
+                    <a:lstStyle/>
+                    <a:p>
+                      <a:pPr algn="l" fontAlgn="b"/>
+                      <a:r>
+                        <a:rPr lang="en-US" sz="1100" u="none" strike="noStrike">
+                          <a:effectLst/>
+                        </a:rPr>
+                        <a:t>Utility of Chest X-Rays for Asthma in the ED</a:t>
+                      </a:r>
+                      <a:endParaRPr lang="en-US" sz="1100" b="0" i="0" u="none" strike="noStrike">
+                        <a:solidFill>
+                          <a:srgbClr val="000000"/>
+                        </a:solidFill>
+                        <a:effectLst/>
+                        <a:latin typeface="Calibri" panose="020F0502020204030204" pitchFamily="34" charset="0"/>
+                      </a:endParaRPr>
+                    </a:p>
+                  </a:txBody>
+                  <a:tcPr marL="7620" marR="7620" marT="7620" marB="0" anchor="b"/>
+                </a:tc>
+                <a:tc>
+                  <a:txBody>
+                    <a:bodyPr/>
+                    <a:lstStyle/>
+                    <a:p>
+                      <a:pPr algn="l" fontAlgn="b"/>
+                      <a:r>
+                        <a:rPr lang="en-US" sz="1100" u="none" strike="noStrike">
+                          <a:effectLst/>
+                        </a:rPr>
+                        <a:t>A. Bogie</a:t>
+                      </a:r>
+                      <a:endParaRPr lang="en-US" sz="1100" b="0" i="0" u="none" strike="noStrike">
+                        <a:solidFill>
+                          <a:srgbClr val="000000"/>
+                        </a:solidFill>
+                        <a:effectLst/>
+                        <a:latin typeface="Calibri" panose="020F0502020204030204" pitchFamily="34" charset="0"/>
+                      </a:endParaRPr>
+                    </a:p>
+                  </a:txBody>
+                  <a:tcPr marL="7620" marR="7620" marT="7620" marB="0" anchor="b"/>
+                </a:tc>
+                <a:tc>
+                  <a:txBody>
+                    <a:bodyPr/>
+                    <a:lstStyle/>
+                    <a:p>
+                      <a:pPr algn="l" fontAlgn="b"/>
+                      <a:r>
+                        <a:rPr lang="en-US" sz="1100" u="none" strike="noStrike">
+                          <a:effectLst/>
+                        </a:rPr>
+                        <a:t>Pediatrics</a:t>
+                      </a:r>
+                      <a:endParaRPr lang="en-US" sz="1100" b="0" i="0" u="none" strike="noStrike">
+                        <a:solidFill>
+                          <a:srgbClr val="000000"/>
+                        </a:solidFill>
+                        <a:effectLst/>
+                        <a:latin typeface="Calibri" panose="020F0502020204030204" pitchFamily="34" charset="0"/>
+                      </a:endParaRPr>
+                    </a:p>
+                  </a:txBody>
+                  <a:tcPr marL="7620" marR="7620" marT="7620" marB="0" anchor="b"/>
+                </a:tc>
+                <a:extLst>
+                  <a:ext uri="{0D108BD9-81ED-4DB2-BD59-A6C34878D82A}">
+                    <a16:rowId xmlns:a16="http://schemas.microsoft.com/office/drawing/2014/main" val="4131206225"/>
+                  </a:ext>
+                </a:extLst>
+              </a:tr>
+              <a:tr h="222453">
+                <a:tc>
+                  <a:txBody>
+                    <a:bodyPr/>
+                    <a:lstStyle/>
+                    <a:p>
+                      <a:pPr algn="l" fontAlgn="b"/>
+                      <a:r>
+                        <a:rPr lang="en-US" sz="1100" u="none" strike="noStrike">
+                          <a:effectLst/>
+                        </a:rPr>
+                        <a:t>OxyContin Study</a:t>
+                      </a:r>
+                      <a:endParaRPr lang="en-US" sz="1100" b="0" i="0" u="none" strike="noStrike">
+                        <a:solidFill>
+                          <a:srgbClr val="000000"/>
+                        </a:solidFill>
+                        <a:effectLst/>
+                        <a:latin typeface="Calibri" panose="020F0502020204030204" pitchFamily="34" charset="0"/>
+                      </a:endParaRPr>
+                    </a:p>
+                  </a:txBody>
+                  <a:tcPr marL="7620" marR="7620" marT="7620" marB="0" anchor="b"/>
+                </a:tc>
+                <a:tc>
+                  <a:txBody>
+                    <a:bodyPr/>
+                    <a:lstStyle/>
+                    <a:p>
+                      <a:pPr algn="l" fontAlgn="b"/>
+                      <a:r>
+                        <a:rPr lang="en-US" sz="1100" u="none" strike="noStrike">
+                          <a:effectLst/>
+                        </a:rPr>
+                        <a:t>D. Hahn</a:t>
+                      </a:r>
+                      <a:endParaRPr lang="en-US" sz="1100" b="0" i="0" u="none" strike="noStrike">
+                        <a:solidFill>
+                          <a:srgbClr val="000000"/>
+                        </a:solidFill>
+                        <a:effectLst/>
+                        <a:latin typeface="Calibri" panose="020F0502020204030204" pitchFamily="34" charset="0"/>
+                      </a:endParaRPr>
+                    </a:p>
+                  </a:txBody>
+                  <a:tcPr marL="7620" marR="7620" marT="7620" marB="0" anchor="b"/>
+                </a:tc>
+                <a:tc>
+                  <a:txBody>
+                    <a:bodyPr/>
+                    <a:lstStyle/>
+                    <a:p>
+                      <a:pPr algn="l" fontAlgn="b"/>
+                      <a:r>
+                        <a:rPr lang="en-US" sz="1100" u="none" strike="noStrike">
+                          <a:effectLst/>
+                        </a:rPr>
+                        <a:t>Pediatrics</a:t>
+                      </a:r>
+                      <a:endParaRPr lang="en-US" sz="1100" b="0" i="0" u="none" strike="noStrike">
+                        <a:solidFill>
+                          <a:srgbClr val="000000"/>
+                        </a:solidFill>
+                        <a:effectLst/>
+                        <a:latin typeface="Calibri" panose="020F0502020204030204" pitchFamily="34" charset="0"/>
+                      </a:endParaRPr>
+                    </a:p>
+                  </a:txBody>
+                  <a:tcPr marL="7620" marR="7620" marT="7620" marB="0" anchor="b"/>
+                </a:tc>
+                <a:extLst>
+                  <a:ext uri="{0D108BD9-81ED-4DB2-BD59-A6C34878D82A}">
+                    <a16:rowId xmlns:a16="http://schemas.microsoft.com/office/drawing/2014/main" val="673049777"/>
+                  </a:ext>
+                </a:extLst>
+              </a:tr>
+              <a:tr h="222453">
+                <a:tc>
+                  <a:txBody>
+                    <a:bodyPr/>
+                    <a:lstStyle/>
+                    <a:p>
+                      <a:pPr algn="l" fontAlgn="b"/>
+                      <a:r>
+                        <a:rPr lang="en-US" sz="1100" u="none" strike="noStrike">
+                          <a:effectLst/>
+                        </a:rPr>
+                        <a:t>Transition of Care Clinic</a:t>
+                      </a:r>
+                      <a:endParaRPr lang="en-US" sz="1100" b="0" i="0" u="none" strike="noStrike">
+                        <a:solidFill>
+                          <a:srgbClr val="000000"/>
+                        </a:solidFill>
+                        <a:effectLst/>
+                        <a:latin typeface="Calibri" panose="020F0502020204030204" pitchFamily="34" charset="0"/>
+                      </a:endParaRPr>
+                    </a:p>
+                  </a:txBody>
+                  <a:tcPr marL="7620" marR="7620" marT="7620" marB="0" anchor="b"/>
+                </a:tc>
+                <a:tc>
+                  <a:txBody>
+                    <a:bodyPr/>
+                    <a:lstStyle/>
+                    <a:p>
+                      <a:pPr algn="l" fontAlgn="b"/>
+                      <a:r>
+                        <a:rPr lang="en-US" sz="1100" u="none" strike="noStrike">
+                          <a:effectLst/>
+                        </a:rPr>
+                        <a:t>T. Truong</a:t>
+                      </a:r>
+                      <a:endParaRPr lang="en-US" sz="1100" b="0" i="0" u="none" strike="noStrike">
+                        <a:solidFill>
+                          <a:srgbClr val="000000"/>
+                        </a:solidFill>
+                        <a:effectLst/>
+                        <a:latin typeface="Calibri" panose="020F0502020204030204" pitchFamily="34" charset="0"/>
+                      </a:endParaRPr>
+                    </a:p>
+                  </a:txBody>
+                  <a:tcPr marL="7620" marR="7620" marT="7620" marB="0" anchor="b"/>
+                </a:tc>
+                <a:tc>
+                  <a:txBody>
+                    <a:bodyPr/>
+                    <a:lstStyle/>
+                    <a:p>
+                      <a:pPr algn="l" fontAlgn="b"/>
+                      <a:r>
+                        <a:rPr lang="en-US" sz="1100" u="none" strike="noStrike">
+                          <a:effectLst/>
+                        </a:rPr>
+                        <a:t>Pharmacy</a:t>
+                      </a:r>
+                      <a:endParaRPr lang="en-US" sz="1100" b="0" i="0" u="none" strike="noStrike">
+                        <a:solidFill>
+                          <a:srgbClr val="000000"/>
+                        </a:solidFill>
+                        <a:effectLst/>
+                        <a:latin typeface="Calibri" panose="020F0502020204030204" pitchFamily="34" charset="0"/>
+                      </a:endParaRPr>
+                    </a:p>
+                  </a:txBody>
+                  <a:tcPr marL="7620" marR="7620" marT="7620" marB="0" anchor="b"/>
+                </a:tc>
+                <a:extLst>
+                  <a:ext uri="{0D108BD9-81ED-4DB2-BD59-A6C34878D82A}">
+                    <a16:rowId xmlns:a16="http://schemas.microsoft.com/office/drawing/2014/main" val="1698139637"/>
+                  </a:ext>
+                </a:extLst>
+              </a:tr>
+              <a:tr h="222453">
+                <a:tc>
+                  <a:txBody>
+                    <a:bodyPr/>
+                    <a:lstStyle/>
+                    <a:p>
+                      <a:pPr algn="l" fontAlgn="b"/>
+                      <a:r>
+                        <a:rPr lang="en-US" sz="1100" u="none" strike="noStrike">
+                          <a:effectLst/>
+                        </a:rPr>
+                        <a:t>Lipid Screening</a:t>
+                      </a:r>
+                      <a:endParaRPr lang="en-US" sz="1100" b="0" i="0" u="none" strike="noStrike">
+                        <a:solidFill>
+                          <a:srgbClr val="000000"/>
+                        </a:solidFill>
+                        <a:effectLst/>
+                        <a:latin typeface="Calibri" panose="020F0502020204030204" pitchFamily="34" charset="0"/>
+                      </a:endParaRPr>
+                    </a:p>
+                  </a:txBody>
+                  <a:tcPr marL="7620" marR="7620" marT="7620" marB="0" anchor="b"/>
+                </a:tc>
+                <a:tc>
+                  <a:txBody>
+                    <a:bodyPr/>
+                    <a:lstStyle/>
+                    <a:p>
+                      <a:pPr algn="l" fontAlgn="b"/>
+                      <a:r>
+                        <a:rPr lang="en-US" sz="1100" u="none" strike="noStrike">
+                          <a:effectLst/>
+                        </a:rPr>
+                        <a:t>S. Gillaspy</a:t>
+                      </a:r>
+                      <a:endParaRPr lang="en-US" sz="1100" b="0" i="0" u="none" strike="noStrike">
+                        <a:solidFill>
+                          <a:srgbClr val="000000"/>
+                        </a:solidFill>
+                        <a:effectLst/>
+                        <a:latin typeface="Calibri" panose="020F0502020204030204" pitchFamily="34" charset="0"/>
+                      </a:endParaRPr>
+                    </a:p>
+                  </a:txBody>
+                  <a:tcPr marL="7620" marR="7620" marT="7620" marB="0" anchor="b"/>
+                </a:tc>
+                <a:tc>
+                  <a:txBody>
+                    <a:bodyPr/>
+                    <a:lstStyle/>
+                    <a:p>
+                      <a:pPr algn="l" fontAlgn="b"/>
+                      <a:r>
+                        <a:rPr lang="en-US" sz="1100" u="none" strike="noStrike">
+                          <a:effectLst/>
+                        </a:rPr>
+                        <a:t>Pediatrics</a:t>
+                      </a:r>
+                      <a:endParaRPr lang="en-US" sz="1100" b="0" i="0" u="none" strike="noStrike">
+                        <a:solidFill>
+                          <a:srgbClr val="000000"/>
+                        </a:solidFill>
+                        <a:effectLst/>
+                        <a:latin typeface="Calibri" panose="020F0502020204030204" pitchFamily="34" charset="0"/>
+                      </a:endParaRPr>
+                    </a:p>
+                  </a:txBody>
+                  <a:tcPr marL="7620" marR="7620" marT="7620" marB="0" anchor="b"/>
+                </a:tc>
+                <a:extLst>
+                  <a:ext uri="{0D108BD9-81ED-4DB2-BD59-A6C34878D82A}">
+                    <a16:rowId xmlns:a16="http://schemas.microsoft.com/office/drawing/2014/main" val="3929276156"/>
+                  </a:ext>
+                </a:extLst>
+              </a:tr>
+              <a:tr h="222453">
+                <a:tc>
+                  <a:txBody>
+                    <a:bodyPr/>
+                    <a:lstStyle/>
+                    <a:p>
+                      <a:pPr algn="l" fontAlgn="b"/>
+                      <a:r>
+                        <a:rPr lang="en-US" sz="1100" u="none" strike="noStrike">
+                          <a:effectLst/>
+                        </a:rPr>
+                        <a:t>Sickle Cell Port Placement</a:t>
+                      </a:r>
+                      <a:endParaRPr lang="en-US" sz="1100" b="0" i="0" u="none" strike="noStrike">
+                        <a:solidFill>
+                          <a:srgbClr val="000000"/>
+                        </a:solidFill>
+                        <a:effectLst/>
+                        <a:latin typeface="Calibri" panose="020F0502020204030204" pitchFamily="34" charset="0"/>
+                      </a:endParaRPr>
+                    </a:p>
+                  </a:txBody>
+                  <a:tcPr marL="7620" marR="7620" marT="7620" marB="0" anchor="b"/>
+                </a:tc>
+                <a:tc>
+                  <a:txBody>
+                    <a:bodyPr/>
+                    <a:lstStyle/>
+                    <a:p>
+                      <a:pPr algn="l" fontAlgn="b"/>
+                      <a:r>
+                        <a:rPr lang="en-US" sz="1100" u="none" strike="noStrike">
+                          <a:effectLst/>
+                        </a:rPr>
+                        <a:t>A. Sinha</a:t>
+                      </a:r>
+                      <a:endParaRPr lang="en-US" sz="1100" b="0" i="0" u="none" strike="noStrike">
+                        <a:solidFill>
+                          <a:srgbClr val="000000"/>
+                        </a:solidFill>
+                        <a:effectLst/>
+                        <a:latin typeface="Calibri" panose="020F0502020204030204" pitchFamily="34" charset="0"/>
+                      </a:endParaRPr>
+                    </a:p>
+                  </a:txBody>
+                  <a:tcPr marL="7620" marR="7620" marT="7620" marB="0" anchor="b"/>
+                </a:tc>
+                <a:tc>
+                  <a:txBody>
+                    <a:bodyPr/>
+                    <a:lstStyle/>
+                    <a:p>
+                      <a:pPr algn="l" fontAlgn="b"/>
+                      <a:r>
+                        <a:rPr lang="en-US" sz="1100" u="none" strike="noStrike">
+                          <a:effectLst/>
+                        </a:rPr>
+                        <a:t>Pediatrics</a:t>
+                      </a:r>
+                      <a:endParaRPr lang="en-US" sz="1100" b="0" i="0" u="none" strike="noStrike">
+                        <a:solidFill>
+                          <a:srgbClr val="000000"/>
+                        </a:solidFill>
+                        <a:effectLst/>
+                        <a:latin typeface="Calibri" panose="020F0502020204030204" pitchFamily="34" charset="0"/>
+                      </a:endParaRPr>
+                    </a:p>
+                  </a:txBody>
+                  <a:tcPr marL="7620" marR="7620" marT="7620" marB="0" anchor="b"/>
+                </a:tc>
+                <a:extLst>
+                  <a:ext uri="{0D108BD9-81ED-4DB2-BD59-A6C34878D82A}">
+                    <a16:rowId xmlns:a16="http://schemas.microsoft.com/office/drawing/2014/main" val="1881763618"/>
+                  </a:ext>
+                </a:extLst>
+              </a:tr>
+              <a:tr h="222453">
+                <a:tc>
+                  <a:txBody>
+                    <a:bodyPr/>
+                    <a:lstStyle/>
+                    <a:p>
+                      <a:pPr algn="l" fontAlgn="b"/>
+                      <a:r>
+                        <a:rPr lang="en-US" sz="1100" u="none" strike="noStrike">
+                          <a:effectLst/>
+                        </a:rPr>
+                        <a:t>Tranexamic Acid in Ankle Replacement</a:t>
+                      </a:r>
+                      <a:endParaRPr lang="en-US" sz="1100" b="0" i="0" u="none" strike="noStrike">
+                        <a:solidFill>
+                          <a:srgbClr val="000000"/>
+                        </a:solidFill>
+                        <a:effectLst/>
+                        <a:latin typeface="Calibri" panose="020F0502020204030204" pitchFamily="34" charset="0"/>
+                      </a:endParaRPr>
+                    </a:p>
+                  </a:txBody>
+                  <a:tcPr marL="7620" marR="7620" marT="7620" marB="0" anchor="b"/>
+                </a:tc>
+                <a:tc>
+                  <a:txBody>
+                    <a:bodyPr/>
+                    <a:lstStyle/>
+                    <a:p>
+                      <a:pPr algn="l" fontAlgn="b"/>
+                      <a:r>
+                        <a:rPr lang="en-US" sz="1100" u="none" strike="noStrike">
+                          <a:effectLst/>
+                        </a:rPr>
+                        <a:t>A. Haleem</a:t>
+                      </a:r>
+                      <a:endParaRPr lang="en-US" sz="1100" b="0" i="0" u="none" strike="noStrike">
+                        <a:solidFill>
+                          <a:srgbClr val="000000"/>
+                        </a:solidFill>
+                        <a:effectLst/>
+                        <a:latin typeface="Calibri" panose="020F0502020204030204" pitchFamily="34" charset="0"/>
+                      </a:endParaRPr>
+                    </a:p>
+                  </a:txBody>
+                  <a:tcPr marL="7620" marR="7620" marT="7620" marB="0" anchor="b"/>
+                </a:tc>
+                <a:tc>
+                  <a:txBody>
+                    <a:bodyPr/>
+                    <a:lstStyle/>
+                    <a:p>
+                      <a:pPr algn="l" fontAlgn="b"/>
+                      <a:r>
+                        <a:rPr lang="en-US" sz="1100" u="none" strike="noStrike">
+                          <a:effectLst/>
+                        </a:rPr>
+                        <a:t>Orthopedics</a:t>
+                      </a:r>
+                      <a:endParaRPr lang="en-US" sz="1100" b="0" i="0" u="none" strike="noStrike">
+                        <a:solidFill>
+                          <a:srgbClr val="000000"/>
+                        </a:solidFill>
+                        <a:effectLst/>
+                        <a:latin typeface="Calibri" panose="020F0502020204030204" pitchFamily="34" charset="0"/>
+                      </a:endParaRPr>
+                    </a:p>
+                  </a:txBody>
+                  <a:tcPr marL="7620" marR="7620" marT="7620" marB="0" anchor="b"/>
+                </a:tc>
+                <a:extLst>
+                  <a:ext uri="{0D108BD9-81ED-4DB2-BD59-A6C34878D82A}">
+                    <a16:rowId xmlns:a16="http://schemas.microsoft.com/office/drawing/2014/main" val="160454722"/>
+                  </a:ext>
+                </a:extLst>
+              </a:tr>
+              <a:tr h="222453">
+                <a:tc>
+                  <a:txBody>
+                    <a:bodyPr/>
+                    <a:lstStyle/>
+                    <a:p>
+                      <a:pPr algn="l" fontAlgn="b"/>
+                      <a:r>
+                        <a:rPr lang="en-US" sz="1100" u="none" strike="noStrike">
+                          <a:effectLst/>
+                        </a:rPr>
+                        <a:t>Newborn Metabolic Screenings</a:t>
+                      </a:r>
+                      <a:endParaRPr lang="en-US" sz="1100" b="0" i="0" u="none" strike="noStrike">
+                        <a:solidFill>
+                          <a:srgbClr val="000000"/>
+                        </a:solidFill>
+                        <a:effectLst/>
+                        <a:latin typeface="Calibri" panose="020F0502020204030204" pitchFamily="34" charset="0"/>
+                      </a:endParaRPr>
+                    </a:p>
+                  </a:txBody>
+                  <a:tcPr marL="7620" marR="7620" marT="7620" marB="0" anchor="b"/>
+                </a:tc>
+                <a:tc>
+                  <a:txBody>
+                    <a:bodyPr/>
+                    <a:lstStyle/>
+                    <a:p>
+                      <a:pPr algn="l" fontAlgn="b"/>
+                      <a:r>
+                        <a:rPr lang="en-US" sz="1100" u="none" strike="noStrike">
+                          <a:effectLst/>
+                        </a:rPr>
+                        <a:t>J. Lees</a:t>
+                      </a:r>
+                      <a:endParaRPr lang="en-US" sz="1100" b="0" i="0" u="none" strike="noStrike">
+                        <a:solidFill>
+                          <a:srgbClr val="000000"/>
+                        </a:solidFill>
+                        <a:effectLst/>
+                        <a:latin typeface="Calibri" panose="020F0502020204030204" pitchFamily="34" charset="0"/>
+                      </a:endParaRPr>
+                    </a:p>
+                  </a:txBody>
+                  <a:tcPr marL="7620" marR="7620" marT="7620" marB="0" anchor="b"/>
+                </a:tc>
+                <a:tc>
+                  <a:txBody>
+                    <a:bodyPr/>
+                    <a:lstStyle/>
+                    <a:p>
+                      <a:pPr algn="l" fontAlgn="b"/>
+                      <a:r>
+                        <a:rPr lang="en-US" sz="1100" u="none" strike="noStrike">
+                          <a:effectLst/>
+                        </a:rPr>
+                        <a:t>Pediatrics</a:t>
+                      </a:r>
+                      <a:endParaRPr lang="en-US" sz="1100" b="0" i="0" u="none" strike="noStrike">
+                        <a:solidFill>
+                          <a:srgbClr val="000000"/>
+                        </a:solidFill>
+                        <a:effectLst/>
+                        <a:latin typeface="Calibri" panose="020F0502020204030204" pitchFamily="34" charset="0"/>
+                      </a:endParaRPr>
+                    </a:p>
+                  </a:txBody>
+                  <a:tcPr marL="7620" marR="7620" marT="7620" marB="0" anchor="b"/>
+                </a:tc>
+                <a:extLst>
+                  <a:ext uri="{0D108BD9-81ED-4DB2-BD59-A6C34878D82A}">
+                    <a16:rowId xmlns:a16="http://schemas.microsoft.com/office/drawing/2014/main" val="3488362082"/>
+                  </a:ext>
+                </a:extLst>
+              </a:tr>
+              <a:tr h="222453">
+                <a:tc>
+                  <a:txBody>
+                    <a:bodyPr/>
+                    <a:lstStyle/>
+                    <a:p>
+                      <a:pPr algn="l" fontAlgn="b"/>
+                      <a:r>
+                        <a:rPr lang="en-US" sz="1100" u="none" strike="noStrike">
+                          <a:effectLst/>
+                        </a:rPr>
+                        <a:t>Scapula Fractures</a:t>
+                      </a:r>
+                      <a:endParaRPr lang="en-US" sz="1100" b="0" i="0" u="none" strike="noStrike">
+                        <a:solidFill>
+                          <a:srgbClr val="000000"/>
+                        </a:solidFill>
+                        <a:effectLst/>
+                        <a:latin typeface="Calibri" panose="020F0502020204030204" pitchFamily="34" charset="0"/>
+                      </a:endParaRPr>
+                    </a:p>
+                  </a:txBody>
+                  <a:tcPr marL="7620" marR="7620" marT="7620" marB="0" anchor="b"/>
+                </a:tc>
+                <a:tc>
+                  <a:txBody>
+                    <a:bodyPr/>
+                    <a:lstStyle/>
+                    <a:p>
+                      <a:pPr algn="l" fontAlgn="b"/>
+                      <a:r>
+                        <a:rPr lang="en-US" sz="1100" u="none" strike="noStrike">
+                          <a:effectLst/>
+                        </a:rPr>
+                        <a:t>C. Pasque</a:t>
+                      </a:r>
+                      <a:endParaRPr lang="en-US" sz="1100" b="0" i="0" u="none" strike="noStrike">
+                        <a:solidFill>
+                          <a:srgbClr val="000000"/>
+                        </a:solidFill>
+                        <a:effectLst/>
+                        <a:latin typeface="Calibri" panose="020F0502020204030204" pitchFamily="34" charset="0"/>
+                      </a:endParaRPr>
+                    </a:p>
+                  </a:txBody>
+                  <a:tcPr marL="7620" marR="7620" marT="7620" marB="0" anchor="b"/>
+                </a:tc>
+                <a:tc>
+                  <a:txBody>
+                    <a:bodyPr/>
+                    <a:lstStyle/>
+                    <a:p>
+                      <a:pPr algn="l" fontAlgn="b"/>
+                      <a:r>
+                        <a:rPr lang="en-US" sz="1100" u="none" strike="noStrike">
+                          <a:effectLst/>
+                        </a:rPr>
+                        <a:t>Orthopedics</a:t>
+                      </a:r>
+                      <a:endParaRPr lang="en-US" sz="1100" b="0" i="0" u="none" strike="noStrike">
+                        <a:solidFill>
+                          <a:srgbClr val="000000"/>
+                        </a:solidFill>
+                        <a:effectLst/>
+                        <a:latin typeface="Calibri" panose="020F0502020204030204" pitchFamily="34" charset="0"/>
+                      </a:endParaRPr>
+                    </a:p>
+                  </a:txBody>
+                  <a:tcPr marL="7620" marR="7620" marT="7620" marB="0" anchor="b"/>
+                </a:tc>
+                <a:extLst>
+                  <a:ext uri="{0D108BD9-81ED-4DB2-BD59-A6C34878D82A}">
+                    <a16:rowId xmlns:a16="http://schemas.microsoft.com/office/drawing/2014/main" val="1840069665"/>
+                  </a:ext>
+                </a:extLst>
+              </a:tr>
+              <a:tr h="222453">
+                <a:tc>
+                  <a:txBody>
+                    <a:bodyPr/>
+                    <a:lstStyle/>
+                    <a:p>
+                      <a:pPr algn="l" fontAlgn="b"/>
+                      <a:r>
+                        <a:rPr lang="en-US" sz="1100" u="none" strike="noStrike">
+                          <a:effectLst/>
+                        </a:rPr>
+                        <a:t>Adrenal Insufficiency</a:t>
+                      </a:r>
+                      <a:endParaRPr lang="en-US" sz="1100" b="0" i="0" u="none" strike="noStrike">
+                        <a:solidFill>
+                          <a:srgbClr val="000000"/>
+                        </a:solidFill>
+                        <a:effectLst/>
+                        <a:latin typeface="Calibri" panose="020F0502020204030204" pitchFamily="34" charset="0"/>
+                      </a:endParaRPr>
+                    </a:p>
+                  </a:txBody>
+                  <a:tcPr marL="7620" marR="7620" marT="7620" marB="0" anchor="b"/>
+                </a:tc>
+                <a:tc>
+                  <a:txBody>
+                    <a:bodyPr/>
+                    <a:lstStyle/>
+                    <a:p>
+                      <a:pPr algn="l" fontAlgn="b"/>
+                      <a:r>
+                        <a:rPr lang="en-US" sz="1100" u="none" strike="noStrike">
+                          <a:effectLst/>
+                        </a:rPr>
+                        <a:t>J. Lim</a:t>
+                      </a:r>
+                      <a:endParaRPr lang="en-US" sz="1100" b="0" i="0" u="none" strike="noStrike">
+                        <a:solidFill>
+                          <a:srgbClr val="000000"/>
+                        </a:solidFill>
+                        <a:effectLst/>
+                        <a:latin typeface="Calibri" panose="020F0502020204030204" pitchFamily="34" charset="0"/>
+                      </a:endParaRPr>
+                    </a:p>
+                  </a:txBody>
+                  <a:tcPr marL="7620" marR="7620" marT="7620" marB="0" anchor="b"/>
+                </a:tc>
+                <a:tc>
+                  <a:txBody>
+                    <a:bodyPr/>
+                    <a:lstStyle/>
+                    <a:p>
+                      <a:pPr algn="l" fontAlgn="b"/>
+                      <a:r>
+                        <a:rPr lang="en-US" sz="1100" u="none" strike="noStrike">
+                          <a:effectLst/>
+                        </a:rPr>
+                        <a:t>Endocrinology</a:t>
+                      </a:r>
+                      <a:endParaRPr lang="en-US" sz="1100" b="0" i="0" u="none" strike="noStrike">
+                        <a:solidFill>
+                          <a:srgbClr val="000000"/>
+                        </a:solidFill>
+                        <a:effectLst/>
+                        <a:latin typeface="Calibri" panose="020F0502020204030204" pitchFamily="34" charset="0"/>
+                      </a:endParaRPr>
+                    </a:p>
+                  </a:txBody>
+                  <a:tcPr marL="7620" marR="7620" marT="7620" marB="0" anchor="b"/>
+                </a:tc>
+                <a:extLst>
+                  <a:ext uri="{0D108BD9-81ED-4DB2-BD59-A6C34878D82A}">
+                    <a16:rowId xmlns:a16="http://schemas.microsoft.com/office/drawing/2014/main" val="985474525"/>
+                  </a:ext>
+                </a:extLst>
+              </a:tr>
+              <a:tr h="222453">
+                <a:tc>
+                  <a:txBody>
+                    <a:bodyPr/>
+                    <a:lstStyle/>
+                    <a:p>
+                      <a:pPr algn="l" fontAlgn="b"/>
+                      <a:r>
+                        <a:rPr lang="en-US" sz="1100" u="none" strike="noStrike">
+                          <a:effectLst/>
+                        </a:rPr>
+                        <a:t>Brain Metastases with Ovarian Cancer</a:t>
+                      </a:r>
+                      <a:endParaRPr lang="en-US" sz="1100" b="0" i="0" u="none" strike="noStrike">
+                        <a:solidFill>
+                          <a:srgbClr val="000000"/>
+                        </a:solidFill>
+                        <a:effectLst/>
+                        <a:latin typeface="Calibri" panose="020F0502020204030204" pitchFamily="34" charset="0"/>
+                      </a:endParaRPr>
+                    </a:p>
+                  </a:txBody>
+                  <a:tcPr marL="7620" marR="7620" marT="7620" marB="0" anchor="b"/>
+                </a:tc>
+                <a:tc>
+                  <a:txBody>
+                    <a:bodyPr/>
+                    <a:lstStyle/>
+                    <a:p>
+                      <a:pPr algn="l" fontAlgn="b"/>
+                      <a:r>
+                        <a:rPr lang="en-US" sz="1100" u="none" strike="noStrike">
+                          <a:effectLst/>
+                        </a:rPr>
+                        <a:t>J. Gillen</a:t>
+                      </a:r>
+                      <a:endParaRPr lang="en-US" sz="1100" b="0" i="0" u="none" strike="noStrike">
+                        <a:solidFill>
+                          <a:srgbClr val="000000"/>
+                        </a:solidFill>
+                        <a:effectLst/>
+                        <a:latin typeface="Calibri" panose="020F0502020204030204" pitchFamily="34" charset="0"/>
+                      </a:endParaRPr>
+                    </a:p>
+                  </a:txBody>
+                  <a:tcPr marL="7620" marR="7620" marT="7620" marB="0" anchor="b"/>
+                </a:tc>
+                <a:tc>
+                  <a:txBody>
+                    <a:bodyPr/>
+                    <a:lstStyle/>
+                    <a:p>
+                      <a:pPr algn="l" fontAlgn="b"/>
+                      <a:r>
+                        <a:rPr lang="en-US" sz="1100" u="none" strike="noStrike">
+                          <a:effectLst/>
+                        </a:rPr>
+                        <a:t>Cancer Center</a:t>
+                      </a:r>
+                      <a:endParaRPr lang="en-US" sz="1100" b="0" i="0" u="none" strike="noStrike">
+                        <a:solidFill>
+                          <a:srgbClr val="000000"/>
+                        </a:solidFill>
+                        <a:effectLst/>
+                        <a:latin typeface="Calibri" panose="020F0502020204030204" pitchFamily="34" charset="0"/>
+                      </a:endParaRPr>
+                    </a:p>
+                  </a:txBody>
+                  <a:tcPr marL="7620" marR="7620" marT="7620" marB="0" anchor="b"/>
+                </a:tc>
+                <a:extLst>
+                  <a:ext uri="{0D108BD9-81ED-4DB2-BD59-A6C34878D82A}">
+                    <a16:rowId xmlns:a16="http://schemas.microsoft.com/office/drawing/2014/main" val="3784109591"/>
+                  </a:ext>
+                </a:extLst>
+              </a:tr>
+              <a:tr h="222453">
+                <a:tc>
+                  <a:txBody>
+                    <a:bodyPr/>
+                    <a:lstStyle/>
+                    <a:p>
+                      <a:pPr algn="l" fontAlgn="b"/>
+                      <a:r>
+                        <a:rPr lang="en-US" sz="1100" u="none" strike="noStrike">
+                          <a:effectLst/>
+                        </a:rPr>
+                        <a:t>Sever's Disease</a:t>
+                      </a:r>
+                      <a:endParaRPr lang="en-US" sz="1100" b="0" i="0" u="none" strike="noStrike">
+                        <a:solidFill>
+                          <a:srgbClr val="000000"/>
+                        </a:solidFill>
+                        <a:effectLst/>
+                        <a:latin typeface="Calibri" panose="020F0502020204030204" pitchFamily="34" charset="0"/>
+                      </a:endParaRPr>
+                    </a:p>
+                  </a:txBody>
+                  <a:tcPr marL="7620" marR="7620" marT="7620" marB="0" anchor="b"/>
+                </a:tc>
+                <a:tc>
+                  <a:txBody>
+                    <a:bodyPr/>
+                    <a:lstStyle/>
+                    <a:p>
+                      <a:pPr algn="l" fontAlgn="b"/>
+                      <a:r>
+                        <a:rPr lang="en-US" sz="1100" u="none" strike="noStrike">
+                          <a:effectLst/>
+                        </a:rPr>
+                        <a:t>S. Algan</a:t>
+                      </a:r>
+                      <a:endParaRPr lang="en-US" sz="1100" b="0" i="0" u="none" strike="noStrike">
+                        <a:solidFill>
+                          <a:srgbClr val="000000"/>
+                        </a:solidFill>
+                        <a:effectLst/>
+                        <a:latin typeface="Calibri" panose="020F0502020204030204" pitchFamily="34" charset="0"/>
+                      </a:endParaRPr>
+                    </a:p>
+                  </a:txBody>
+                  <a:tcPr marL="7620" marR="7620" marT="7620" marB="0" anchor="b"/>
+                </a:tc>
+                <a:tc>
+                  <a:txBody>
+                    <a:bodyPr/>
+                    <a:lstStyle/>
+                    <a:p>
+                      <a:pPr algn="l" fontAlgn="b"/>
+                      <a:r>
+                        <a:rPr lang="en-US" sz="1100" u="none" strike="noStrike" dirty="0">
+                          <a:effectLst/>
+                        </a:rPr>
+                        <a:t>Pediatrics</a:t>
+                      </a:r>
+                      <a:endParaRPr lang="en-US" sz="1100" b="0" i="0" u="none" strike="noStrike" dirty="0">
+                        <a:solidFill>
+                          <a:srgbClr val="000000"/>
+                        </a:solidFill>
+                        <a:effectLst/>
+                        <a:latin typeface="Calibri" panose="020F0502020204030204" pitchFamily="34" charset="0"/>
+                      </a:endParaRPr>
+                    </a:p>
+                  </a:txBody>
+                  <a:tcPr marL="7620" marR="7620" marT="7620" marB="0" anchor="b"/>
+                </a:tc>
+                <a:extLst>
+                  <a:ext uri="{0D108BD9-81ED-4DB2-BD59-A6C34878D82A}">
+                    <a16:rowId xmlns:a16="http://schemas.microsoft.com/office/drawing/2014/main" val="2131307175"/>
+                  </a:ext>
+                </a:extLst>
+              </a:tr>
+            </a:tbl>
+          </a:graphicData>
+        </a:graphic>
+      </p:graphicFrame>
+    </p:spTree>
+    <p:extLst>
+      <p:ext uri="{BB962C8B-B14F-4D97-AF65-F5344CB8AC3E}">
+        <p14:creationId xmlns:p14="http://schemas.microsoft.com/office/powerpoint/2010/main" val="1434608898"/>
+      </p:ext>
+    </p:extLst>
+  </p:cSld>
+  <p:clrMapOvr>
+    <a:masterClrMapping/>
+  </p:clrMapOvr>
+</p:sld>
+</file>
+
+<file path=ppt/slides/slide33.xml><?xml version="1.0" encoding="utf-8"?>
+<p:sld xmlns:a="http://schemas.openxmlformats.org/drawingml/2006/main" xmlns:r="http://schemas.openxmlformats.org/officeDocument/2006/relationships" xmlns:p="http://schemas.openxmlformats.org/presentationml/2006/main">
+  <p:cSld>
+    <p:spTree>
+      <p:nvGrpSpPr>
+        <p:cNvPr id="1" name=""/>
+        <p:cNvGrpSpPr/>
+        <p:nvPr/>
+      </p:nvGrpSpPr>
+      <p:grpSpPr>
+        <a:xfrm>
+          <a:off x="0" y="0"/>
+          <a:ext cx="0" cy="0"/>
+          <a:chOff x="0" y="0"/>
+          <a:chExt cx="0" cy="0"/>
+        </a:xfrm>
+      </p:grpSpPr>
+      <p:sp>
+        <p:nvSpPr>
+          <p:cNvPr id="3" name="Content Placeholder 2"/>
+          <p:cNvSpPr>
+            <a:spLocks noGrp="1"/>
+          </p:cNvSpPr>
+          <p:nvPr>
+            <p:ph idx="1"/>
+          </p:nvPr>
+        </p:nvSpPr>
+        <p:spPr>
+          <a:xfrm>
+            <a:off x="838200" y="1285298"/>
+            <a:ext cx="10515600" cy="4351338"/>
+          </a:xfrm>
+        </p:spPr>
+        <p:txBody>
+          <a:bodyPr/>
+          <a:lstStyle/>
+          <a:p>
+            <a:r>
+              <a:rPr lang="en-US" dirty="0" smtClean="0"/>
+              <a:t>Daily reports for rolling eligibility</a:t>
+            </a:r>
+          </a:p>
+          <a:p>
+            <a:pPr lvl="1"/>
+            <a:r>
+              <a:rPr lang="en-US" dirty="0" smtClean="0"/>
+              <a:t>Generating a list of candidates</a:t>
+            </a:r>
+          </a:p>
+          <a:p>
+            <a:pPr lvl="1"/>
+            <a:r>
+              <a:rPr lang="en-US" dirty="0" smtClean="0"/>
+              <a:t>Remembering study team’s assessment of eligibility as well as the participant’s response</a:t>
+            </a:r>
+          </a:p>
+          <a:p>
+            <a:r>
+              <a:rPr lang="en-US" dirty="0" smtClean="0"/>
+              <a:t>Clinical outcomes for retrospective investigations</a:t>
+            </a:r>
+          </a:p>
+          <a:p>
+            <a:r>
+              <a:rPr lang="en-US" dirty="0" smtClean="0"/>
+              <a:t>Administrative outcomes for CQI</a:t>
+            </a:r>
+          </a:p>
+          <a:p>
+            <a:endParaRPr lang="en-US" dirty="0" smtClean="0"/>
+          </a:p>
+          <a:p>
+            <a:endParaRPr lang="en-US" dirty="0"/>
+          </a:p>
+        </p:txBody>
+      </p:sp>
+      <p:sp>
+        <p:nvSpPr>
+          <p:cNvPr id="4" name="Title 1"/>
+          <p:cNvSpPr txBox="1">
+            <a:spLocks/>
+          </p:cNvSpPr>
+          <p:nvPr/>
+        </p:nvSpPr>
+        <p:spPr>
+          <a:xfrm>
+            <a:off x="838200" y="365126"/>
+            <a:ext cx="10515600" cy="804594"/>
+          </a:xfrm>
+          <a:prstGeom prst="rect">
+            <a:avLst/>
+          </a:prstGeom>
+        </p:spPr>
+        <p:txBody>
+          <a:bodyPr vert="horz" lIns="91440" tIns="45720" rIns="91440" bIns="45720" rtlCol="0" anchor="ctr">
+            <a:normAutofit/>
+          </a:bodyPr>
+          <a:lstStyle>
+            <a:lvl1pPr algn="l" defTabSz="914400" rtl="0" eaLnBrk="1" latinLnBrk="0" hangingPunct="1">
+              <a:lnSpc>
+                <a:spcPct val="90000"/>
+              </a:lnSpc>
+              <a:spcBef>
+                <a:spcPct val="0"/>
+              </a:spcBef>
+              <a:buNone/>
+              <a:defRPr sz="4400" kern="1200">
+                <a:solidFill>
+                  <a:schemeClr val="tx1"/>
+                </a:solidFill>
+                <a:latin typeface="+mj-lt"/>
+                <a:ea typeface="+mj-ea"/>
+                <a:cs typeface="+mj-cs"/>
+              </a:defRPr>
+            </a:lvl1pPr>
+          </a:lstStyle>
+          <a:p>
+            <a:r>
+              <a:rPr lang="en-US" sz="3200" dirty="0" smtClean="0">
+                <a:solidFill>
+                  <a:srgbClr val="0070C0"/>
+                </a:solidFill>
+              </a:rPr>
+              <a:t>Commonly Requested CDW Support Services</a:t>
+            </a:r>
+            <a:endParaRPr lang="en-US" sz="3200" dirty="0">
+              <a:solidFill>
+                <a:srgbClr val="0070C0"/>
+              </a:solidFill>
+            </a:endParaRPr>
+          </a:p>
+        </p:txBody>
+      </p:sp>
+    </p:spTree>
+    <p:extLst>
+      <p:ext uri="{BB962C8B-B14F-4D97-AF65-F5344CB8AC3E}">
+        <p14:creationId xmlns:p14="http://schemas.microsoft.com/office/powerpoint/2010/main" val="1988775386"/>
+      </p:ext>
+    </p:extLst>
+  </p:cSld>
+  <p:clrMapOvr>
+    <a:masterClrMapping/>
+  </p:clrMapOvr>
+</p:sld>
+</file>
+
+<file path=ppt/slides/slide34.xml><?xml version="1.0" encoding="utf-8"?>
+<p:sld xmlns:a="http://schemas.openxmlformats.org/drawingml/2006/main" xmlns:r="http://schemas.openxmlformats.org/officeDocument/2006/relationships" xmlns:p="http://schemas.openxmlformats.org/presentationml/2006/main">
+  <p:cSld>
+    <p:spTree>
+      <p:nvGrpSpPr>
+        <p:cNvPr id="1" name=""/>
+        <p:cNvGrpSpPr/>
+        <p:nvPr/>
+      </p:nvGrpSpPr>
+      <p:grpSpPr>
+        <a:xfrm>
+          <a:off x="0" y="0"/>
+          <a:ext cx="0" cy="0"/>
+          <a:chOff x="0" y="0"/>
+          <a:chExt cx="0" cy="0"/>
+        </a:xfrm>
+      </p:grpSpPr>
+      <p:sp>
+        <p:nvSpPr>
+          <p:cNvPr id="2" name="Title 1"/>
+          <p:cNvSpPr>
+            <a:spLocks noGrp="1"/>
+          </p:cNvSpPr>
+          <p:nvPr>
+            <p:ph type="title"/>
+          </p:nvPr>
+        </p:nvSpPr>
+        <p:spPr/>
+        <p:txBody>
+          <a:bodyPr/>
+          <a:lstStyle/>
+          <a:p>
+            <a:r>
+              <a:rPr lang="en-US" dirty="0" smtClean="0"/>
+              <a:t>Advantages of using CDW instead of manual chart review</a:t>
+            </a:r>
+            <a:endParaRPr lang="en-US" dirty="0"/>
+          </a:p>
+        </p:txBody>
+      </p:sp>
+      <p:sp>
+        <p:nvSpPr>
+          <p:cNvPr id="3" name="Content Placeholder 2"/>
+          <p:cNvSpPr>
+            <a:spLocks noGrp="1"/>
+          </p:cNvSpPr>
+          <p:nvPr>
+            <p:ph idx="1"/>
+          </p:nvPr>
+        </p:nvSpPr>
+        <p:spPr/>
+        <p:txBody>
+          <a:bodyPr/>
+          <a:lstStyle/>
+          <a:p>
+            <a:r>
+              <a:rPr lang="en-US" dirty="0" smtClean="0"/>
+              <a:t>Time efficiency in the long-run</a:t>
+            </a:r>
+          </a:p>
+          <a:p>
+            <a:r>
+              <a:rPr lang="en-US" dirty="0" smtClean="0"/>
+              <a:t>With established in-house expertise, we could deliver a list </a:t>
+            </a:r>
+            <a:r>
+              <a:rPr lang="en-US" smtClean="0"/>
+              <a:t>within two weeks.</a:t>
+            </a:r>
+            <a:endParaRPr lang="en-US"/>
+          </a:p>
+        </p:txBody>
+      </p:sp>
+    </p:spTree>
+    <p:extLst>
+      <p:ext uri="{BB962C8B-B14F-4D97-AF65-F5344CB8AC3E}">
+        <p14:creationId xmlns:p14="http://schemas.microsoft.com/office/powerpoint/2010/main" val="3994496348"/>
+      </p:ext>
+    </p:extLst>
+  </p:cSld>
+  <p:clrMapOvr>
+    <a:masterClrMapping/>
+  </p:clrMapOvr>
+</p:sld>
+</file>
+
+<file path=ppt/slides/slide35.xml><?xml version="1.0" encoding="utf-8"?>
+<p:sld xmlns:a="http://schemas.openxmlformats.org/drawingml/2006/main" xmlns:r="http://schemas.openxmlformats.org/officeDocument/2006/relationships" xmlns:p="http://schemas.openxmlformats.org/presentationml/2006/main">
+  <p:cSld>
+    <p:spTree>
+      <p:nvGrpSpPr>
+        <p:cNvPr id="1" name=""/>
+        <p:cNvGrpSpPr/>
+        <p:nvPr/>
+      </p:nvGrpSpPr>
+      <p:grpSpPr>
+        <a:xfrm>
+          <a:off x="0" y="0"/>
+          <a:ext cx="0" cy="0"/>
+          <a:chOff x="0" y="0"/>
+          <a:chExt cx="0" cy="0"/>
+        </a:xfrm>
+      </p:grpSpPr>
+      <p:sp>
+        <p:nvSpPr>
+          <p:cNvPr id="4" name="Title 3"/>
+          <p:cNvSpPr>
+            <a:spLocks noGrp="1"/>
+          </p:cNvSpPr>
+          <p:nvPr>
+            <p:ph type="title"/>
+          </p:nvPr>
+        </p:nvSpPr>
+        <p:spPr>
+          <a:xfrm>
+            <a:off x="793376" y="79914"/>
+            <a:ext cx="10358718" cy="1325563"/>
+          </a:xfrm>
+        </p:spPr>
+        <p:txBody>
+          <a:bodyPr>
+            <a:normAutofit/>
+          </a:bodyPr>
+          <a:lstStyle/>
+          <a:p>
+            <a:r>
+              <a:rPr lang="en-US" sz="4000" dirty="0" smtClean="0">
+                <a:solidFill>
+                  <a:srgbClr val="0070C0"/>
+                </a:solidFill>
+              </a:rPr>
+              <a:t>Since 2017,  the CDW has facilitated more than 80 studies with 44 investigators.</a:t>
+            </a:r>
+            <a:endParaRPr lang="en-US" sz="4000" dirty="0">
+              <a:solidFill>
+                <a:srgbClr val="0070C0"/>
+              </a:solidFill>
+            </a:endParaRPr>
+          </a:p>
+        </p:txBody>
+      </p:sp>
+      <p:pic>
+        <p:nvPicPr>
+          <p:cNvPr id="5" name="Picture 4"/>
+          <p:cNvPicPr>
+            <a:picLocks noChangeAspect="1"/>
+          </p:cNvPicPr>
+          <p:nvPr/>
+        </p:nvPicPr>
+        <p:blipFill>
+          <a:blip r:embed="rId2"/>
+          <a:stretch>
+            <a:fillRect/>
+          </a:stretch>
+        </p:blipFill>
+        <p:spPr>
+          <a:xfrm>
+            <a:off x="1416422" y="1575807"/>
+            <a:ext cx="8884923" cy="5165652"/>
+          </a:xfrm>
+          <a:prstGeom prst="rect">
+            <a:avLst/>
+          </a:prstGeom>
+        </p:spPr>
+      </p:pic>
+    </p:spTree>
+    <p:extLst>
+      <p:ext uri="{BB962C8B-B14F-4D97-AF65-F5344CB8AC3E}">
+        <p14:creationId xmlns:p14="http://schemas.microsoft.com/office/powerpoint/2010/main" val="803960283"/>
+      </p:ext>
+    </p:extLst>
+  </p:cSld>
+  <p:clrMapOvr>
+    <a:masterClrMapping/>
+  </p:clrMapOvr>
 </p:sld>
 </file>
 
@@ -8413,6 +14025,290 @@
           <a:chExt cx="0" cy="0"/>
         </a:xfrm>
       </p:grpSpPr>
+      <p:pic>
+        <p:nvPicPr>
+          <p:cNvPr id="5" name="Picture 4"/>
+          <p:cNvPicPr>
+            <a:picLocks noChangeAspect="1"/>
+          </p:cNvPicPr>
+          <p:nvPr/>
+        </p:nvPicPr>
+        <p:blipFill>
+          <a:blip r:embed="rId2"/>
+          <a:stretch>
+            <a:fillRect/>
+          </a:stretch>
+        </p:blipFill>
+        <p:spPr>
+          <a:xfrm>
+            <a:off x="291072" y="71437"/>
+            <a:ext cx="11591925" cy="6715125"/>
+          </a:xfrm>
+          <a:prstGeom prst="rect">
+            <a:avLst/>
+          </a:prstGeom>
+        </p:spPr>
+      </p:pic>
+    </p:spTree>
+    <p:extLst>
+      <p:ext uri="{BB962C8B-B14F-4D97-AF65-F5344CB8AC3E}">
+        <p14:creationId xmlns:p14="http://schemas.microsoft.com/office/powerpoint/2010/main" val="3369673442"/>
+      </p:ext>
+    </p:extLst>
+  </p:cSld>
+  <p:clrMapOvr>
+    <a:masterClrMapping/>
+  </p:clrMapOvr>
+</p:sld>
+</file>
+
+<file path=ppt/slides/slide6.xml><?xml version="1.0" encoding="utf-8"?>
+<p:sld xmlns:a="http://schemas.openxmlformats.org/drawingml/2006/main" xmlns:r="http://schemas.openxmlformats.org/officeDocument/2006/relationships" xmlns:p="http://schemas.openxmlformats.org/presentationml/2006/main">
+  <p:cSld>
+    <p:spTree>
+      <p:nvGrpSpPr>
+        <p:cNvPr id="1" name=""/>
+        <p:cNvGrpSpPr/>
+        <p:nvPr/>
+      </p:nvGrpSpPr>
+      <p:grpSpPr>
+        <a:xfrm>
+          <a:off x="0" y="0"/>
+          <a:ext cx="0" cy="0"/>
+          <a:chOff x="0" y="0"/>
+          <a:chExt cx="0" cy="0"/>
+        </a:xfrm>
+      </p:grpSpPr>
+      <p:sp>
+        <p:nvSpPr>
+          <p:cNvPr id="2" name="Title 1"/>
+          <p:cNvSpPr>
+            <a:spLocks noGrp="1"/>
+          </p:cNvSpPr>
+          <p:nvPr>
+            <p:ph type="title"/>
+          </p:nvPr>
+        </p:nvSpPr>
+        <p:spPr>
+          <a:xfrm>
+            <a:off x="776452" y="248584"/>
+            <a:ext cx="10515600" cy="961651"/>
+          </a:xfrm>
+        </p:spPr>
+        <p:txBody>
+          <a:bodyPr>
+            <a:normAutofit/>
+          </a:bodyPr>
+          <a:lstStyle/>
+          <a:p>
+            <a:r>
+              <a:rPr lang="en-US" sz="4000" dirty="0">
+                <a:solidFill>
+                  <a:srgbClr val="0070C0"/>
+                </a:solidFill>
+              </a:rPr>
+              <a:t>IRB Guidance</a:t>
+            </a:r>
+            <a:endParaRPr lang="en-US" sz="4000" dirty="0">
+              <a:solidFill>
+                <a:srgbClr val="0070C0"/>
+              </a:solidFill>
+            </a:endParaRPr>
+          </a:p>
+        </p:txBody>
+      </p:sp>
+      <p:sp>
+        <p:nvSpPr>
+          <p:cNvPr id="3" name="Content Placeholder 2"/>
+          <p:cNvSpPr>
+            <a:spLocks noGrp="1"/>
+          </p:cNvSpPr>
+          <p:nvPr>
+            <p:ph idx="1"/>
+          </p:nvPr>
+        </p:nvSpPr>
+        <p:spPr>
+          <a:xfrm>
+            <a:off x="315311" y="1317813"/>
+            <a:ext cx="11437883" cy="5106636"/>
+          </a:xfrm>
+        </p:spPr>
+        <p:txBody>
+          <a:bodyPr>
+            <a:normAutofit fontScale="85000" lnSpcReduction="20000"/>
+          </a:bodyPr>
+          <a:lstStyle/>
+          <a:p>
+            <a:r>
+              <a:rPr lang="en-US" dirty="0" smtClean="0"/>
+              <a:t>Requests that are </a:t>
+            </a:r>
+            <a:r>
+              <a:rPr lang="en-US" b="1" dirty="0" smtClean="0">
+                <a:solidFill>
+                  <a:srgbClr val="FF0000"/>
+                </a:solidFill>
+              </a:rPr>
+              <a:t>preparatory to research</a:t>
+            </a:r>
+            <a:r>
+              <a:rPr lang="en-US" dirty="0" smtClean="0"/>
+              <a:t> </a:t>
+            </a:r>
+            <a:r>
+              <a:rPr lang="en-US" dirty="0"/>
+              <a:t>must be submitted to the IRB/University Privacy </a:t>
+            </a:r>
+            <a:r>
+              <a:rPr lang="en-US" dirty="0" smtClean="0"/>
+              <a:t>Board for review and approval.</a:t>
+            </a:r>
+          </a:p>
+          <a:p>
+            <a:endParaRPr lang="en-US" dirty="0" smtClean="0"/>
+          </a:p>
+          <a:p>
+            <a:r>
+              <a:rPr lang="en-US" dirty="0" smtClean="0"/>
+              <a:t>Program Evaluation, CQI, &amp; Feasibility Assessments:</a:t>
+            </a:r>
+          </a:p>
+          <a:p>
+            <a:pPr lvl="1"/>
+            <a:r>
+              <a:rPr lang="en-US" dirty="0" smtClean="0"/>
+              <a:t>If PHI is </a:t>
+            </a:r>
+            <a:r>
+              <a:rPr lang="en-US" b="1" u="sng" dirty="0" smtClean="0"/>
+              <a:t>NOT</a:t>
+            </a:r>
+            <a:r>
+              <a:rPr lang="en-US" dirty="0" smtClean="0"/>
+              <a:t> included, it is generally not considered human subjects research.</a:t>
+            </a:r>
+          </a:p>
+          <a:p>
+            <a:pPr lvl="1"/>
+            <a:r>
+              <a:rPr lang="en-US" dirty="0" smtClean="0"/>
+              <a:t>A determination of human subjects research (DHSR) may be submitted to the IRB.</a:t>
+            </a:r>
+          </a:p>
+          <a:p>
+            <a:pPr lvl="1"/>
+            <a:r>
+              <a:rPr lang="en-US" dirty="0" smtClean="0"/>
+              <a:t>Aggregate data* may be provided without an IRB submission.</a:t>
+            </a:r>
+          </a:p>
+          <a:p>
+            <a:endParaRPr lang="en-US" dirty="0" smtClean="0"/>
+          </a:p>
+          <a:p>
+            <a:r>
+              <a:rPr lang="en-US" dirty="0" smtClean="0"/>
+              <a:t>The following activities are </a:t>
+            </a:r>
+            <a:r>
+              <a:rPr lang="en-US" b="1" u="sng" dirty="0" smtClean="0"/>
+              <a:t>NOT</a:t>
+            </a:r>
+            <a:r>
+              <a:rPr lang="en-US" dirty="0" smtClean="0"/>
+              <a:t> human subjects research:</a:t>
+            </a:r>
+          </a:p>
+          <a:p>
+            <a:pPr lvl="1"/>
+            <a:r>
+              <a:rPr lang="en-US" dirty="0"/>
+              <a:t>Classroom evaluation activities when assessment involves regular classroom activities and the results of the evaluation process are intended to be used for the sole purpose of enhancing teaching practices of the </a:t>
+            </a:r>
+            <a:r>
+              <a:rPr lang="en-US" dirty="0" smtClean="0"/>
+              <a:t>instructor</a:t>
+            </a:r>
+            <a:endParaRPr lang="en-US" dirty="0"/>
+          </a:p>
+          <a:p>
+            <a:pPr lvl="1"/>
+            <a:r>
+              <a:rPr lang="en-US" dirty="0"/>
+              <a:t>Quality improvement activities designed to enhance functionality of a department or campus program provided that results are not intended to be shared outside of the </a:t>
+            </a:r>
+            <a:r>
+              <a:rPr lang="en-US" dirty="0" smtClean="0"/>
+              <a:t>University</a:t>
+            </a:r>
+            <a:endParaRPr lang="en-US" dirty="0"/>
+          </a:p>
+          <a:p>
+            <a:pPr lvl="1"/>
+            <a:r>
+              <a:rPr lang="en-US" dirty="0"/>
+              <a:t>Program </a:t>
+            </a:r>
+            <a:r>
+              <a:rPr lang="en-US" dirty="0" smtClean="0"/>
+              <a:t>evaluations</a:t>
+            </a:r>
+            <a:endParaRPr lang="en-US" dirty="0"/>
+          </a:p>
+          <a:p>
+            <a:pPr lvl="1"/>
+            <a:r>
+              <a:rPr lang="en-US" dirty="0"/>
+              <a:t>Public health practice surveillance </a:t>
+            </a:r>
+            <a:r>
+              <a:rPr lang="en-US" dirty="0" smtClean="0"/>
+              <a:t>activities</a:t>
+            </a:r>
+            <a:endParaRPr lang="en-US" dirty="0"/>
+          </a:p>
+          <a:p>
+            <a:pPr lvl="1"/>
+            <a:endParaRPr lang="en-US" dirty="0" smtClean="0"/>
+          </a:p>
+          <a:p>
+            <a:endParaRPr lang="en-US" dirty="0" smtClean="0"/>
+          </a:p>
+          <a:p>
+            <a:endParaRPr lang="en-US" dirty="0"/>
+          </a:p>
+        </p:txBody>
+      </p:sp>
+    </p:spTree>
+    <p:extLst>
+      <p:ext uri="{BB962C8B-B14F-4D97-AF65-F5344CB8AC3E}">
+        <p14:creationId xmlns:p14="http://schemas.microsoft.com/office/powerpoint/2010/main" val="3603203665"/>
+      </p:ext>
+    </p:extLst>
+  </p:cSld>
+  <p:clrMapOvr>
+    <a:masterClrMapping/>
+  </p:clrMapOvr>
+</p:sld>
+</file>
+
+<file path=ppt/slides/slide7.xml><?xml version="1.0" encoding="utf-8"?>
+<p:sld xmlns:a="http://schemas.openxmlformats.org/drawingml/2006/main" xmlns:r="http://schemas.openxmlformats.org/officeDocument/2006/relationships" xmlns:p="http://schemas.openxmlformats.org/presentationml/2006/main">
+  <p:cSld>
+    <p:spTree>
+      <p:nvGrpSpPr>
+        <p:cNvPr id="1" name=""/>
+        <p:cNvGrpSpPr/>
+        <p:nvPr/>
+      </p:nvGrpSpPr>
+      <p:grpSpPr>
+        <a:xfrm>
+          <a:off x="0" y="0"/>
+          <a:ext cx="0" cy="0"/>
+          <a:chOff x="0" y="0"/>
+          <a:chExt cx="0" cy="0"/>
+        </a:xfrm>
+      </p:grpSpPr>
       <p:sp>
         <p:nvSpPr>
           <p:cNvPr id="2" name="Title 1"/>
@@ -8610,7 +14506,7 @@
 </p:sld>
 </file>
 
-<file path=ppt/slides/slide6.xml><?xml version="1.0" encoding="utf-8"?>
+<file path=ppt/slides/slide8.xml><?xml version="1.0" encoding="utf-8"?>
 <p:sld xmlns:a="http://schemas.openxmlformats.org/drawingml/2006/main" xmlns:r="http://schemas.openxmlformats.org/officeDocument/2006/relationships" xmlns:p="http://schemas.openxmlformats.org/presentationml/2006/main">
   <p:cSld>
     <p:spTree>
@@ -8912,11 +14808,7 @@
             </a:r>
             <a:r>
               <a:rPr lang="en-US" sz="2800" dirty="0" smtClean="0"/>
-              <a:t> </a:t>
-            </a:r>
-            <a:r>
-              <a:rPr lang="en-US" sz="2800" dirty="0" smtClean="0"/>
-              <a:t>patients  @5 min/</a:t>
+              <a:t> patients  @5 min/</a:t>
             </a:r>
             <a:r>
               <a:rPr lang="en-US" sz="2800" dirty="0" err="1" smtClean="0"/>
@@ -8939,11 +14831,7 @@
             </a:r>
             <a:r>
               <a:rPr lang="en-US" sz="2800" dirty="0" smtClean="0"/>
-              <a:t> yesterday</a:t>
-            </a:r>
-            <a:r>
-              <a:rPr lang="en-US" sz="2800" dirty="0" smtClean="0"/>
-              <a:t>)</a:t>
+              <a:t> yesterday)</a:t>
             </a:r>
             <a:endParaRPr lang="en-US" sz="2800" b="1" dirty="0"/>
           </a:p>
@@ -8962,7 +14850,7 @@
 </p:sld>
 </file>
 
-<file path=ppt/slides/slide7.xml><?xml version="1.0" encoding="utf-8"?>
+<file path=ppt/slides/slide9.xml><?xml version="1.0" encoding="utf-8"?>
 <p:sld xmlns:a="http://schemas.openxmlformats.org/drawingml/2006/main" xmlns:r="http://schemas.openxmlformats.org/officeDocument/2006/relationships" xmlns:p="http://schemas.openxmlformats.org/presentationml/2006/main">
   <p:cSld>
     <p:spTree>
@@ -9138,128 +15026,6 @@
     <p:extLst>
       <p:ext uri="{BB962C8B-B14F-4D97-AF65-F5344CB8AC3E}">
         <p14:creationId xmlns:p14="http://schemas.microsoft.com/office/powerpoint/2010/main" val="857525570"/>
-      </p:ext>
-    </p:extLst>
-  </p:cSld>
-  <p:clrMapOvr>
-    <a:masterClrMapping/>
-  </p:clrMapOvr>
-  <p:timing>
-    <p:tnLst>
-      <p:par>
-        <p:cTn id="1" dur="indefinite" restart="never" nodeType="tmRoot"/>
-      </p:par>
-    </p:tnLst>
-  </p:timing>
-</p:sld>
-</file>
-
-<file path=ppt/slides/slide8.xml><?xml version="1.0" encoding="utf-8"?>
-<p:sld xmlns:a="http://schemas.openxmlformats.org/drawingml/2006/main" xmlns:r="http://schemas.openxmlformats.org/officeDocument/2006/relationships" xmlns:p="http://schemas.openxmlformats.org/presentationml/2006/main">
-  <p:cSld>
-    <p:spTree>
-      <p:nvGrpSpPr>
-        <p:cNvPr id="1" name=""/>
-        <p:cNvGrpSpPr/>
-        <p:nvPr/>
-      </p:nvGrpSpPr>
-      <p:grpSpPr>
-        <a:xfrm>
-          <a:off x="0" y="0"/>
-          <a:ext cx="0" cy="0"/>
-          <a:chOff x="0" y="0"/>
-          <a:chExt cx="0" cy="0"/>
-        </a:xfrm>
-      </p:grpSpPr>
-      <p:pic>
-        <p:nvPicPr>
-          <p:cNvPr id="2" name="Picture 1"/>
-          <p:cNvPicPr>
-            <a:picLocks noChangeAspect="1"/>
-          </p:cNvPicPr>
-          <p:nvPr/>
-        </p:nvPicPr>
-        <p:blipFill>
-          <a:blip r:embed="rId2"/>
-          <a:stretch>
-            <a:fillRect/>
-          </a:stretch>
-        </p:blipFill>
-        <p:spPr>
-          <a:xfrm>
-            <a:off x="2185501" y="-2762"/>
-            <a:ext cx="7356322" cy="6860762"/>
-          </a:xfrm>
-          <a:prstGeom prst="rect">
-            <a:avLst/>
-          </a:prstGeom>
-        </p:spPr>
-      </p:pic>
-    </p:spTree>
-    <p:extLst>
-      <p:ext uri="{BB962C8B-B14F-4D97-AF65-F5344CB8AC3E}">
-        <p14:creationId xmlns:p14="http://schemas.microsoft.com/office/powerpoint/2010/main" val="1701112456"/>
-      </p:ext>
-    </p:extLst>
-  </p:cSld>
-  <p:clrMapOvr>
-    <a:masterClrMapping/>
-  </p:clrMapOvr>
-  <p:timing>
-    <p:tnLst>
-      <p:par>
-        <p:cTn id="1" dur="indefinite" restart="never" nodeType="tmRoot"/>
-      </p:par>
-    </p:tnLst>
-  </p:timing>
-</p:sld>
-</file>
-
-<file path=ppt/slides/slide9.xml><?xml version="1.0" encoding="utf-8"?>
-<p:sld xmlns:a="http://schemas.openxmlformats.org/drawingml/2006/main" xmlns:r="http://schemas.openxmlformats.org/officeDocument/2006/relationships" xmlns:p="http://schemas.openxmlformats.org/presentationml/2006/main">
-  <p:cSld>
-    <p:spTree>
-      <p:nvGrpSpPr>
-        <p:cNvPr id="1" name=""/>
-        <p:cNvGrpSpPr/>
-        <p:nvPr/>
-      </p:nvGrpSpPr>
-      <p:grpSpPr>
-        <a:xfrm>
-          <a:off x="0" y="0"/>
-          <a:ext cx="0" cy="0"/>
-          <a:chOff x="0" y="0"/>
-          <a:chExt cx="0" cy="0"/>
-        </a:xfrm>
-      </p:grpSpPr>
-      <p:pic>
-        <p:nvPicPr>
-          <p:cNvPr id="2" name="Picture 1"/>
-          <p:cNvPicPr>
-            <a:picLocks noChangeAspect="1"/>
-          </p:cNvPicPr>
-          <p:nvPr/>
-        </p:nvPicPr>
-        <p:blipFill>
-          <a:blip r:embed="rId2"/>
-          <a:stretch>
-            <a:fillRect/>
-          </a:stretch>
-        </p:blipFill>
-        <p:spPr>
-          <a:xfrm>
-            <a:off x="3207351" y="0"/>
-            <a:ext cx="5204491" cy="6858000"/>
-          </a:xfrm>
-          <a:prstGeom prst="rect">
-            <a:avLst/>
-          </a:prstGeom>
-        </p:spPr>
-      </p:pic>
-    </p:spTree>
-    <p:extLst>
-      <p:ext uri="{BB962C8B-B14F-4D97-AF65-F5344CB8AC3E}">
-        <p14:creationId xmlns:p14="http://schemas.microsoft.com/office/powerpoint/2010/main" val="314593791"/>
       </p:ext>
     </p:extLst>
   </p:cSld>
